--- a/note.T/08_1stProject/CAMPLAY.pptx
+++ b/note.T/08_1stProject/CAMPLAY.pptx
@@ -5,11 +5,10 @@
     <p:sldMasterId id="2147483648" r:id="rId1"/>
   </p:sldMasterIdLst>
   <p:sldIdLst>
-    <p:sldId id="256" r:id="rId2"/>
-    <p:sldId id="261" r:id="rId3"/>
-    <p:sldId id="257" r:id="rId4"/>
-    <p:sldId id="258" r:id="rId5"/>
-    <p:sldId id="259" r:id="rId6"/>
+    <p:sldId id="260" r:id="rId2"/>
+    <p:sldId id="257" r:id="rId3"/>
+    <p:sldId id="258" r:id="rId4"/>
+    <p:sldId id="259" r:id="rId5"/>
   </p:sldIdLst>
   <p:sldSz cx="12192000" cy="6858000"/>
   <p:notesSz cx="6858000" cy="9144000"/>
@@ -2998,15 +2997,7 @@
           <a:pPr rtl="0" latinLnBrk="1"/>
           <a:r>
             <a:rPr lang="ko-KR" altLang="en-US" dirty="0" smtClean="0"/>
-            <a:t>로그인</a:t>
-          </a:r>
-          <a:r>
-            <a:rPr lang="en-US" altLang="ko-KR" dirty="0" smtClean="0"/>
-            <a:t>/</a:t>
-          </a:r>
-          <a:r>
-            <a:rPr lang="ko-KR" altLang="en-US" dirty="0" smtClean="0"/>
-            <a:t>로그아웃</a:t>
+            <a:t>유저 로그인</a:t>
           </a:r>
           <a:endParaRPr lang="ko-KR" dirty="0"/>
         </a:p>
@@ -3295,13 +3286,21 @@
         </dgm:presLayoutVars>
       </dgm:prSet>
       <dgm:spPr/>
+      <dgm:t>
+        <a:bodyPr/>
+        <a:lstStyle/>
+        <a:p>
+          <a:pPr latinLnBrk="1"/>
+          <a:endParaRPr lang="ko-KR" altLang="en-US"/>
+        </a:p>
+      </dgm:t>
     </dgm:pt>
     <dgm:pt modelId="{DAE18291-DB52-4C03-A756-19FF19E13255}" type="pres">
       <dgm:prSet presAssocID="{7B072FAA-136F-4E42-A3CE-24BE866893D5}" presName="root1" presStyleCnt="0"/>
       <dgm:spPr/>
     </dgm:pt>
     <dgm:pt modelId="{74DD301F-021A-47BB-9053-E3B5B5CD0586}" type="pres">
-      <dgm:prSet presAssocID="{7B072FAA-136F-4E42-A3CE-24BE866893D5}" presName="LevelOneTextNode" presStyleLbl="node0" presStyleIdx="0" presStyleCnt="1" custAng="5400000" custLinFactX="-146640" custLinFactNeighborX="-200000" custLinFactNeighborY="-3763">
+      <dgm:prSet presAssocID="{7B072FAA-136F-4E42-A3CE-24BE866893D5}" presName="LevelOneTextNode" presStyleLbl="node0" presStyleIdx="0" presStyleCnt="1" custAng="5400000" custLinFactNeighborX="-76622" custLinFactNeighborY="-8313">
         <dgm:presLayoutVars>
           <dgm:chPref val="3"/>
         </dgm:presLayoutVars>
@@ -3323,10 +3322,26 @@
     <dgm:pt modelId="{61361C41-769A-4111-A268-CB163E383FA2}" type="pres">
       <dgm:prSet presAssocID="{7D760A1E-8927-45A9-B9AB-409AFBC99CCD}" presName="conn2-1" presStyleLbl="parChTrans1D2" presStyleIdx="0" presStyleCnt="2"/>
       <dgm:spPr/>
+      <dgm:t>
+        <a:bodyPr/>
+        <a:lstStyle/>
+        <a:p>
+          <a:pPr latinLnBrk="1"/>
+          <a:endParaRPr lang="ko-KR" altLang="en-US"/>
+        </a:p>
+      </dgm:t>
     </dgm:pt>
     <dgm:pt modelId="{3A1B3B71-7BB9-4B1C-911B-F289E9BD9079}" type="pres">
       <dgm:prSet presAssocID="{7D760A1E-8927-45A9-B9AB-409AFBC99CCD}" presName="connTx" presStyleLbl="parChTrans1D2" presStyleIdx="0" presStyleCnt="2"/>
       <dgm:spPr/>
+      <dgm:t>
+        <a:bodyPr/>
+        <a:lstStyle/>
+        <a:p>
+          <a:pPr latinLnBrk="1"/>
+          <a:endParaRPr lang="ko-KR" altLang="en-US"/>
+        </a:p>
+      </dgm:t>
     </dgm:pt>
     <dgm:pt modelId="{9C8CF30B-AB4E-4918-8D8C-65EAAEA8A912}" type="pres">
       <dgm:prSet presAssocID="{1240F56C-8121-4C26-A397-C8AB913F6110}" presName="root2" presStyleCnt="0"/>
@@ -3339,6 +3354,14 @@
         </dgm:presLayoutVars>
       </dgm:prSet>
       <dgm:spPr/>
+      <dgm:t>
+        <a:bodyPr/>
+        <a:lstStyle/>
+        <a:p>
+          <a:pPr latinLnBrk="1"/>
+          <a:endParaRPr lang="ko-KR" altLang="en-US"/>
+        </a:p>
+      </dgm:t>
     </dgm:pt>
     <dgm:pt modelId="{748815DC-91DE-496A-842E-F74EFDF2A40D}" type="pres">
       <dgm:prSet presAssocID="{1240F56C-8121-4C26-A397-C8AB913F6110}" presName="level3hierChild" presStyleCnt="0"/>
@@ -3347,10 +3370,26 @@
     <dgm:pt modelId="{AD0EA5B1-0ACF-4E79-9B7A-8A32DFD7A84D}" type="pres">
       <dgm:prSet presAssocID="{9042B8AC-2257-49D0-BD60-A193D639BB5F}" presName="conn2-1" presStyleLbl="parChTrans1D3" presStyleIdx="0" presStyleCnt="7"/>
       <dgm:spPr/>
+      <dgm:t>
+        <a:bodyPr/>
+        <a:lstStyle/>
+        <a:p>
+          <a:pPr latinLnBrk="1"/>
+          <a:endParaRPr lang="ko-KR" altLang="en-US"/>
+        </a:p>
+      </dgm:t>
     </dgm:pt>
     <dgm:pt modelId="{937C9145-5407-45A2-8C73-2A8D2A59211A}" type="pres">
       <dgm:prSet presAssocID="{9042B8AC-2257-49D0-BD60-A193D639BB5F}" presName="connTx" presStyleLbl="parChTrans1D3" presStyleIdx="0" presStyleCnt="7"/>
       <dgm:spPr/>
+      <dgm:t>
+        <a:bodyPr/>
+        <a:lstStyle/>
+        <a:p>
+          <a:pPr latinLnBrk="1"/>
+          <a:endParaRPr lang="ko-KR" altLang="en-US"/>
+        </a:p>
+      </dgm:t>
     </dgm:pt>
     <dgm:pt modelId="{350607AB-4F44-4C9F-8544-DF848A8150AD}" type="pres">
       <dgm:prSet presAssocID="{E74797AC-EF43-43C8-A927-9D3F248E3DCC}" presName="root2" presStyleCnt="0"/>
@@ -3379,10 +3418,26 @@
     <dgm:pt modelId="{C1F9F8A6-2FDE-43FB-A42D-A63A426CCD72}" type="pres">
       <dgm:prSet presAssocID="{1953E09C-0953-4A8A-9322-4E63DC7E3460}" presName="conn2-1" presStyleLbl="parChTrans1D4" presStyleIdx="0" presStyleCnt="27"/>
       <dgm:spPr/>
+      <dgm:t>
+        <a:bodyPr/>
+        <a:lstStyle/>
+        <a:p>
+          <a:pPr latinLnBrk="1"/>
+          <a:endParaRPr lang="ko-KR" altLang="en-US"/>
+        </a:p>
+      </dgm:t>
     </dgm:pt>
     <dgm:pt modelId="{1445E7E4-4F0A-4559-AC6A-56498D456D9A}" type="pres">
       <dgm:prSet presAssocID="{1953E09C-0953-4A8A-9322-4E63DC7E3460}" presName="connTx" presStyleLbl="parChTrans1D4" presStyleIdx="0" presStyleCnt="27"/>
       <dgm:spPr/>
+      <dgm:t>
+        <a:bodyPr/>
+        <a:lstStyle/>
+        <a:p>
+          <a:pPr latinLnBrk="1"/>
+          <a:endParaRPr lang="ko-KR" altLang="en-US"/>
+        </a:p>
+      </dgm:t>
     </dgm:pt>
     <dgm:pt modelId="{C21F06C3-DD2A-49BA-BC3D-F949574207BB}" type="pres">
       <dgm:prSet presAssocID="{42BA3355-2004-4E59-8E5C-D428BB114B18}" presName="root2" presStyleCnt="0"/>
@@ -3411,10 +3466,26 @@
     <dgm:pt modelId="{3FE75F39-BD94-46E5-A69F-DB3CEAF09D69}" type="pres">
       <dgm:prSet presAssocID="{BA02D232-9F36-4647-BA7C-4615509D778C}" presName="conn2-1" presStyleLbl="parChTrans1D4" presStyleIdx="1" presStyleCnt="27"/>
       <dgm:spPr/>
+      <dgm:t>
+        <a:bodyPr/>
+        <a:lstStyle/>
+        <a:p>
+          <a:pPr latinLnBrk="1"/>
+          <a:endParaRPr lang="ko-KR" altLang="en-US"/>
+        </a:p>
+      </dgm:t>
     </dgm:pt>
     <dgm:pt modelId="{0026963B-821D-4AFA-A61F-AFC9BC2CB431}" type="pres">
       <dgm:prSet presAssocID="{BA02D232-9F36-4647-BA7C-4615509D778C}" presName="connTx" presStyleLbl="parChTrans1D4" presStyleIdx="1" presStyleCnt="27"/>
       <dgm:spPr/>
+      <dgm:t>
+        <a:bodyPr/>
+        <a:lstStyle/>
+        <a:p>
+          <a:pPr latinLnBrk="1"/>
+          <a:endParaRPr lang="ko-KR" altLang="en-US"/>
+        </a:p>
+      </dgm:t>
     </dgm:pt>
     <dgm:pt modelId="{443DE8DA-3BC1-4F13-9170-4EA280C0A6C7}" type="pres">
       <dgm:prSet presAssocID="{D4A4683D-6358-4373-B10C-F4E82B141666}" presName="root2" presStyleCnt="0"/>
@@ -3443,10 +3514,26 @@
     <dgm:pt modelId="{887F02C3-1E27-4FBB-955E-378EF2F3DB62}" type="pres">
       <dgm:prSet presAssocID="{58067BC9-A045-4D2F-86DD-033E5A4896D7}" presName="conn2-1" presStyleLbl="parChTrans1D4" presStyleIdx="2" presStyleCnt="27"/>
       <dgm:spPr/>
+      <dgm:t>
+        <a:bodyPr/>
+        <a:lstStyle/>
+        <a:p>
+          <a:pPr latinLnBrk="1"/>
+          <a:endParaRPr lang="ko-KR" altLang="en-US"/>
+        </a:p>
+      </dgm:t>
     </dgm:pt>
     <dgm:pt modelId="{0129A6AE-7093-4A30-A1C7-286B3F90FE0D}" type="pres">
       <dgm:prSet presAssocID="{58067BC9-A045-4D2F-86DD-033E5A4896D7}" presName="connTx" presStyleLbl="parChTrans1D4" presStyleIdx="2" presStyleCnt="27"/>
       <dgm:spPr/>
+      <dgm:t>
+        <a:bodyPr/>
+        <a:lstStyle/>
+        <a:p>
+          <a:pPr latinLnBrk="1"/>
+          <a:endParaRPr lang="ko-KR" altLang="en-US"/>
+        </a:p>
+      </dgm:t>
     </dgm:pt>
     <dgm:pt modelId="{73541165-67FB-4206-ACAE-5A9FF1ED4A50}" type="pres">
       <dgm:prSet presAssocID="{568178C8-769E-43B7-8451-028049D6F920}" presName="root2" presStyleCnt="0"/>
@@ -3459,6 +3546,14 @@
         </dgm:presLayoutVars>
       </dgm:prSet>
       <dgm:spPr/>
+      <dgm:t>
+        <a:bodyPr/>
+        <a:lstStyle/>
+        <a:p>
+          <a:pPr latinLnBrk="1"/>
+          <a:endParaRPr lang="ko-KR" altLang="en-US"/>
+        </a:p>
+      </dgm:t>
     </dgm:pt>
     <dgm:pt modelId="{884C50F2-3021-4B26-9D66-D89E3155A4FF}" type="pres">
       <dgm:prSet presAssocID="{568178C8-769E-43B7-8451-028049D6F920}" presName="level3hierChild" presStyleCnt="0"/>
@@ -3467,10 +3562,26 @@
     <dgm:pt modelId="{647E08E0-3B9B-4436-928A-288F2857661C}" type="pres">
       <dgm:prSet presAssocID="{818D3BE1-B905-43F7-899C-81CB07B02D61}" presName="conn2-1" presStyleLbl="parChTrans1D3" presStyleIdx="1" presStyleCnt="7"/>
       <dgm:spPr/>
+      <dgm:t>
+        <a:bodyPr/>
+        <a:lstStyle/>
+        <a:p>
+          <a:pPr latinLnBrk="1"/>
+          <a:endParaRPr lang="ko-KR" altLang="en-US"/>
+        </a:p>
+      </dgm:t>
     </dgm:pt>
     <dgm:pt modelId="{8BC86EA5-806D-4E02-BBF3-F9A61593E3DC}" type="pres">
       <dgm:prSet presAssocID="{818D3BE1-B905-43F7-899C-81CB07B02D61}" presName="connTx" presStyleLbl="parChTrans1D3" presStyleIdx="1" presStyleCnt="7"/>
       <dgm:spPr/>
+      <dgm:t>
+        <a:bodyPr/>
+        <a:lstStyle/>
+        <a:p>
+          <a:pPr latinLnBrk="1"/>
+          <a:endParaRPr lang="ko-KR" altLang="en-US"/>
+        </a:p>
+      </dgm:t>
     </dgm:pt>
     <dgm:pt modelId="{7784AD65-C9EA-4692-88B8-9764E3DADCB2}" type="pres">
       <dgm:prSet presAssocID="{899837B5-1CE5-41EB-9217-958314609117}" presName="root2" presStyleCnt="0"/>
@@ -3483,6 +3594,14 @@
         </dgm:presLayoutVars>
       </dgm:prSet>
       <dgm:spPr/>
+      <dgm:t>
+        <a:bodyPr/>
+        <a:lstStyle/>
+        <a:p>
+          <a:pPr latinLnBrk="1"/>
+          <a:endParaRPr lang="ko-KR" altLang="en-US"/>
+        </a:p>
+      </dgm:t>
     </dgm:pt>
     <dgm:pt modelId="{9F36BC68-D911-416E-85B5-57221B219029}" type="pres">
       <dgm:prSet presAssocID="{899837B5-1CE5-41EB-9217-958314609117}" presName="level3hierChild" presStyleCnt="0"/>
@@ -3491,10 +3610,26 @@
     <dgm:pt modelId="{0D6CD543-9275-4870-82B4-B31C3549E43D}" type="pres">
       <dgm:prSet presAssocID="{5EA763EB-F477-4A8F-826B-2973E5C4480A}" presName="conn2-1" presStyleLbl="parChTrans1D4" presStyleIdx="3" presStyleCnt="27"/>
       <dgm:spPr/>
+      <dgm:t>
+        <a:bodyPr/>
+        <a:lstStyle/>
+        <a:p>
+          <a:pPr latinLnBrk="1"/>
+          <a:endParaRPr lang="ko-KR" altLang="en-US"/>
+        </a:p>
+      </dgm:t>
     </dgm:pt>
     <dgm:pt modelId="{03CCD239-7D7B-4719-941A-B45F20D6BFC4}" type="pres">
       <dgm:prSet presAssocID="{5EA763EB-F477-4A8F-826B-2973E5C4480A}" presName="connTx" presStyleLbl="parChTrans1D4" presStyleIdx="3" presStyleCnt="27"/>
       <dgm:spPr/>
+      <dgm:t>
+        <a:bodyPr/>
+        <a:lstStyle/>
+        <a:p>
+          <a:pPr latinLnBrk="1"/>
+          <a:endParaRPr lang="ko-KR" altLang="en-US"/>
+        </a:p>
+      </dgm:t>
     </dgm:pt>
     <dgm:pt modelId="{8628CEDE-FA0E-4F0C-8E58-D232403D4051}" type="pres">
       <dgm:prSet presAssocID="{1D724EE1-1803-43A2-AAB9-FB282773DE6B}" presName="root2" presStyleCnt="0"/>
@@ -3523,10 +3658,26 @@
     <dgm:pt modelId="{A95D8640-C30E-41B1-8DB4-877C17787195}" type="pres">
       <dgm:prSet presAssocID="{A42CD704-915B-44DD-9989-3204042A4147}" presName="conn2-1" presStyleLbl="parChTrans1D4" presStyleIdx="4" presStyleCnt="27"/>
       <dgm:spPr/>
+      <dgm:t>
+        <a:bodyPr/>
+        <a:lstStyle/>
+        <a:p>
+          <a:pPr latinLnBrk="1"/>
+          <a:endParaRPr lang="ko-KR" altLang="en-US"/>
+        </a:p>
+      </dgm:t>
     </dgm:pt>
     <dgm:pt modelId="{8B29A31F-2BDB-4E28-8F9B-BE5CBD18CC7F}" type="pres">
       <dgm:prSet presAssocID="{A42CD704-915B-44DD-9989-3204042A4147}" presName="connTx" presStyleLbl="parChTrans1D4" presStyleIdx="4" presStyleCnt="27"/>
       <dgm:spPr/>
+      <dgm:t>
+        <a:bodyPr/>
+        <a:lstStyle/>
+        <a:p>
+          <a:pPr latinLnBrk="1"/>
+          <a:endParaRPr lang="ko-KR" altLang="en-US"/>
+        </a:p>
+      </dgm:t>
     </dgm:pt>
     <dgm:pt modelId="{612BD1ED-7632-4F6B-91B1-F545E77C26AE}" type="pres">
       <dgm:prSet presAssocID="{61839AAB-6604-4DE4-9E7F-5B417109F97C}" presName="root2" presStyleCnt="0"/>
@@ -3555,10 +3706,26 @@
     <dgm:pt modelId="{47385CDA-0D01-42DF-8244-CF712438C1A8}" type="pres">
       <dgm:prSet presAssocID="{25D5F1B3-5396-4841-8897-3B72950225D2}" presName="conn2-1" presStyleLbl="parChTrans1D4" presStyleIdx="5" presStyleCnt="27"/>
       <dgm:spPr/>
+      <dgm:t>
+        <a:bodyPr/>
+        <a:lstStyle/>
+        <a:p>
+          <a:pPr latinLnBrk="1"/>
+          <a:endParaRPr lang="ko-KR" altLang="en-US"/>
+        </a:p>
+      </dgm:t>
     </dgm:pt>
     <dgm:pt modelId="{719E4F19-8F95-44AA-AFA2-605B51C7E350}" type="pres">
       <dgm:prSet presAssocID="{25D5F1B3-5396-4841-8897-3B72950225D2}" presName="connTx" presStyleLbl="parChTrans1D4" presStyleIdx="5" presStyleCnt="27"/>
       <dgm:spPr/>
+      <dgm:t>
+        <a:bodyPr/>
+        <a:lstStyle/>
+        <a:p>
+          <a:pPr latinLnBrk="1"/>
+          <a:endParaRPr lang="ko-KR" altLang="en-US"/>
+        </a:p>
+      </dgm:t>
     </dgm:pt>
     <dgm:pt modelId="{314F4460-006C-4BD3-A726-272E817769A4}" type="pres">
       <dgm:prSet presAssocID="{2040336D-AF7A-45CA-8BF0-0413E4833863}" presName="root2" presStyleCnt="0"/>
@@ -3571,6 +3738,14 @@
         </dgm:presLayoutVars>
       </dgm:prSet>
       <dgm:spPr/>
+      <dgm:t>
+        <a:bodyPr/>
+        <a:lstStyle/>
+        <a:p>
+          <a:pPr latinLnBrk="1"/>
+          <a:endParaRPr lang="ko-KR" altLang="en-US"/>
+        </a:p>
+      </dgm:t>
     </dgm:pt>
     <dgm:pt modelId="{F82D7B25-E44F-4829-A84A-3287F6A50D3F}" type="pres">
       <dgm:prSet presAssocID="{2040336D-AF7A-45CA-8BF0-0413E4833863}" presName="level3hierChild" presStyleCnt="0"/>
@@ -3579,10 +3754,26 @@
     <dgm:pt modelId="{991C5BC8-93BD-4785-91BE-AD6796F6F98F}" type="pres">
       <dgm:prSet presAssocID="{827DA4AD-7D4B-4E67-8E50-BB4913DA9FE6}" presName="conn2-1" presStyleLbl="parChTrans1D4" presStyleIdx="6" presStyleCnt="27"/>
       <dgm:spPr/>
+      <dgm:t>
+        <a:bodyPr/>
+        <a:lstStyle/>
+        <a:p>
+          <a:pPr latinLnBrk="1"/>
+          <a:endParaRPr lang="ko-KR" altLang="en-US"/>
+        </a:p>
+      </dgm:t>
     </dgm:pt>
     <dgm:pt modelId="{61EDA99C-78B4-4DA2-AA99-04C40372C1AB}" type="pres">
       <dgm:prSet presAssocID="{827DA4AD-7D4B-4E67-8E50-BB4913DA9FE6}" presName="connTx" presStyleLbl="parChTrans1D4" presStyleIdx="6" presStyleCnt="27"/>
       <dgm:spPr/>
+      <dgm:t>
+        <a:bodyPr/>
+        <a:lstStyle/>
+        <a:p>
+          <a:pPr latinLnBrk="1"/>
+          <a:endParaRPr lang="ko-KR" altLang="en-US"/>
+        </a:p>
+      </dgm:t>
     </dgm:pt>
     <dgm:pt modelId="{CE207B16-D170-47CE-9D01-8BB48A5A0BF2}" type="pres">
       <dgm:prSet presAssocID="{7679CDCF-7135-4D58-8A58-50239CA76A43}" presName="root2" presStyleCnt="0"/>
@@ -3595,6 +3786,14 @@
         </dgm:presLayoutVars>
       </dgm:prSet>
       <dgm:spPr/>
+      <dgm:t>
+        <a:bodyPr/>
+        <a:lstStyle/>
+        <a:p>
+          <a:pPr latinLnBrk="1"/>
+          <a:endParaRPr lang="ko-KR" altLang="en-US"/>
+        </a:p>
+      </dgm:t>
     </dgm:pt>
     <dgm:pt modelId="{6B655221-181F-41D3-95EF-2A5D7486E67B}" type="pres">
       <dgm:prSet presAssocID="{7679CDCF-7135-4D58-8A58-50239CA76A43}" presName="level3hierChild" presStyleCnt="0"/>
@@ -3603,10 +3802,26 @@
     <dgm:pt modelId="{DD43A066-C65E-43F1-87BA-986C46D81021}" type="pres">
       <dgm:prSet presAssocID="{8F6710CF-1EE8-49DD-9420-61F2ECE8AF69}" presName="conn2-1" presStyleLbl="parChTrans1D3" presStyleIdx="2" presStyleCnt="7"/>
       <dgm:spPr/>
+      <dgm:t>
+        <a:bodyPr/>
+        <a:lstStyle/>
+        <a:p>
+          <a:pPr latinLnBrk="1"/>
+          <a:endParaRPr lang="ko-KR" altLang="en-US"/>
+        </a:p>
+      </dgm:t>
     </dgm:pt>
     <dgm:pt modelId="{EB30A72A-1840-4FE0-B9BD-F7804A3187DF}" type="pres">
       <dgm:prSet presAssocID="{8F6710CF-1EE8-49DD-9420-61F2ECE8AF69}" presName="connTx" presStyleLbl="parChTrans1D3" presStyleIdx="2" presStyleCnt="7"/>
       <dgm:spPr/>
+      <dgm:t>
+        <a:bodyPr/>
+        <a:lstStyle/>
+        <a:p>
+          <a:pPr latinLnBrk="1"/>
+          <a:endParaRPr lang="ko-KR" altLang="en-US"/>
+        </a:p>
+      </dgm:t>
     </dgm:pt>
     <dgm:pt modelId="{EE8F702C-271C-4F6D-84AF-44CB94F008C1}" type="pres">
       <dgm:prSet presAssocID="{8F9D7810-5740-47A2-96C8-2782CFD8A445}" presName="root2" presStyleCnt="0"/>
@@ -3619,6 +3834,14 @@
         </dgm:presLayoutVars>
       </dgm:prSet>
       <dgm:spPr/>
+      <dgm:t>
+        <a:bodyPr/>
+        <a:lstStyle/>
+        <a:p>
+          <a:pPr latinLnBrk="1"/>
+          <a:endParaRPr lang="ko-KR" altLang="en-US"/>
+        </a:p>
+      </dgm:t>
     </dgm:pt>
     <dgm:pt modelId="{ED1E9E0F-BDD2-4CEC-BAF0-E71E85710D3E}" type="pres">
       <dgm:prSet presAssocID="{8F9D7810-5740-47A2-96C8-2782CFD8A445}" presName="level3hierChild" presStyleCnt="0"/>
@@ -3627,10 +3850,26 @@
     <dgm:pt modelId="{41B23BDC-9DAD-47E4-85D0-9F6B88C38E2E}" type="pres">
       <dgm:prSet presAssocID="{6994BF90-D3CD-4C43-AA76-2C17285B2A04}" presName="conn2-1" presStyleLbl="parChTrans1D4" presStyleIdx="7" presStyleCnt="27"/>
       <dgm:spPr/>
+      <dgm:t>
+        <a:bodyPr/>
+        <a:lstStyle/>
+        <a:p>
+          <a:pPr latinLnBrk="1"/>
+          <a:endParaRPr lang="ko-KR" altLang="en-US"/>
+        </a:p>
+      </dgm:t>
     </dgm:pt>
     <dgm:pt modelId="{166C79DA-E1C8-4A23-B676-610F5639D0B7}" type="pres">
       <dgm:prSet presAssocID="{6994BF90-D3CD-4C43-AA76-2C17285B2A04}" presName="connTx" presStyleLbl="parChTrans1D4" presStyleIdx="7" presStyleCnt="27"/>
       <dgm:spPr/>
+      <dgm:t>
+        <a:bodyPr/>
+        <a:lstStyle/>
+        <a:p>
+          <a:pPr latinLnBrk="1"/>
+          <a:endParaRPr lang="ko-KR" altLang="en-US"/>
+        </a:p>
+      </dgm:t>
     </dgm:pt>
     <dgm:pt modelId="{590E0062-85B6-4BFA-A216-1722C44C256E}" type="pres">
       <dgm:prSet presAssocID="{1F41D0D3-F9FB-43D2-89A7-9AAD8FCEAC57}" presName="root2" presStyleCnt="0"/>
@@ -3643,6 +3882,14 @@
         </dgm:presLayoutVars>
       </dgm:prSet>
       <dgm:spPr/>
+      <dgm:t>
+        <a:bodyPr/>
+        <a:lstStyle/>
+        <a:p>
+          <a:pPr latinLnBrk="1"/>
+          <a:endParaRPr lang="ko-KR" altLang="en-US"/>
+        </a:p>
+      </dgm:t>
     </dgm:pt>
     <dgm:pt modelId="{EEFE9159-FCD6-4CBF-BD32-0BE04C02AE8C}" type="pres">
       <dgm:prSet presAssocID="{1F41D0D3-F9FB-43D2-89A7-9AAD8FCEAC57}" presName="level3hierChild" presStyleCnt="0"/>
@@ -3651,10 +3898,26 @@
     <dgm:pt modelId="{1E3ACE25-E105-44BE-96A4-D3337176D60C}" type="pres">
       <dgm:prSet presAssocID="{47AA8D64-C212-40EC-BF25-9F8522C1538F}" presName="conn2-1" presStyleLbl="parChTrans1D4" presStyleIdx="8" presStyleCnt="27"/>
       <dgm:spPr/>
+      <dgm:t>
+        <a:bodyPr/>
+        <a:lstStyle/>
+        <a:p>
+          <a:pPr latinLnBrk="1"/>
+          <a:endParaRPr lang="ko-KR" altLang="en-US"/>
+        </a:p>
+      </dgm:t>
     </dgm:pt>
     <dgm:pt modelId="{6A9607FD-57F1-4751-B3B1-2FEF6E1E2350}" type="pres">
       <dgm:prSet presAssocID="{47AA8D64-C212-40EC-BF25-9F8522C1538F}" presName="connTx" presStyleLbl="parChTrans1D4" presStyleIdx="8" presStyleCnt="27"/>
       <dgm:spPr/>
+      <dgm:t>
+        <a:bodyPr/>
+        <a:lstStyle/>
+        <a:p>
+          <a:pPr latinLnBrk="1"/>
+          <a:endParaRPr lang="ko-KR" altLang="en-US"/>
+        </a:p>
+      </dgm:t>
     </dgm:pt>
     <dgm:pt modelId="{859860B0-C9CB-4686-BA3F-4712151A8D2F}" type="pres">
       <dgm:prSet presAssocID="{DE5801C1-2062-4BDE-8AD8-FFC625AF8C36}" presName="root2" presStyleCnt="0"/>
@@ -3667,6 +3930,14 @@
         </dgm:presLayoutVars>
       </dgm:prSet>
       <dgm:spPr/>
+      <dgm:t>
+        <a:bodyPr/>
+        <a:lstStyle/>
+        <a:p>
+          <a:pPr latinLnBrk="1"/>
+          <a:endParaRPr lang="ko-KR" altLang="en-US"/>
+        </a:p>
+      </dgm:t>
     </dgm:pt>
     <dgm:pt modelId="{95341338-DE32-41D3-B184-9B79950227B9}" type="pres">
       <dgm:prSet presAssocID="{DE5801C1-2062-4BDE-8AD8-FFC625AF8C36}" presName="level3hierChild" presStyleCnt="0"/>
@@ -3675,10 +3946,26 @@
     <dgm:pt modelId="{9B09B518-562F-4466-88B5-0DE3D935B165}" type="pres">
       <dgm:prSet presAssocID="{AD6B27DE-31AE-4603-8264-96EFEFCF2C87}" presName="conn2-1" presStyleLbl="parChTrans1D4" presStyleIdx="9" presStyleCnt="27"/>
       <dgm:spPr/>
+      <dgm:t>
+        <a:bodyPr/>
+        <a:lstStyle/>
+        <a:p>
+          <a:pPr latinLnBrk="1"/>
+          <a:endParaRPr lang="ko-KR" altLang="en-US"/>
+        </a:p>
+      </dgm:t>
     </dgm:pt>
     <dgm:pt modelId="{20861EDE-F8FE-4851-8448-2047CF7DA964}" type="pres">
       <dgm:prSet presAssocID="{AD6B27DE-31AE-4603-8264-96EFEFCF2C87}" presName="connTx" presStyleLbl="parChTrans1D4" presStyleIdx="9" presStyleCnt="27"/>
       <dgm:spPr/>
+      <dgm:t>
+        <a:bodyPr/>
+        <a:lstStyle/>
+        <a:p>
+          <a:pPr latinLnBrk="1"/>
+          <a:endParaRPr lang="ko-KR" altLang="en-US"/>
+        </a:p>
+      </dgm:t>
     </dgm:pt>
     <dgm:pt modelId="{00B68EF5-4438-4FE3-BA90-35F5FE4F9F62}" type="pres">
       <dgm:prSet presAssocID="{6899781C-9CC8-439D-8E91-7D97E1FB99D5}" presName="root2" presStyleCnt="0"/>
@@ -3691,6 +3978,14 @@
         </dgm:presLayoutVars>
       </dgm:prSet>
       <dgm:spPr/>
+      <dgm:t>
+        <a:bodyPr/>
+        <a:lstStyle/>
+        <a:p>
+          <a:pPr latinLnBrk="1"/>
+          <a:endParaRPr lang="ko-KR" altLang="en-US"/>
+        </a:p>
+      </dgm:t>
     </dgm:pt>
     <dgm:pt modelId="{C360AB04-9C05-4F84-9CB5-2FCD3E72AC6C}" type="pres">
       <dgm:prSet presAssocID="{6899781C-9CC8-439D-8E91-7D97E1FB99D5}" presName="level3hierChild" presStyleCnt="0"/>
@@ -3699,10 +3994,26 @@
     <dgm:pt modelId="{26A27ACB-D2D7-41DD-9263-A7D6F1213EA2}" type="pres">
       <dgm:prSet presAssocID="{41058CF0-4188-4511-A2FB-A67D193E6B8A}" presName="conn2-1" presStyleLbl="parChTrans1D3" presStyleIdx="3" presStyleCnt="7"/>
       <dgm:spPr/>
+      <dgm:t>
+        <a:bodyPr/>
+        <a:lstStyle/>
+        <a:p>
+          <a:pPr latinLnBrk="1"/>
+          <a:endParaRPr lang="ko-KR" altLang="en-US"/>
+        </a:p>
+      </dgm:t>
     </dgm:pt>
     <dgm:pt modelId="{6E95D030-AC67-410F-A96D-84798D962BDB}" type="pres">
       <dgm:prSet presAssocID="{41058CF0-4188-4511-A2FB-A67D193E6B8A}" presName="connTx" presStyleLbl="parChTrans1D3" presStyleIdx="3" presStyleCnt="7"/>
       <dgm:spPr/>
+      <dgm:t>
+        <a:bodyPr/>
+        <a:lstStyle/>
+        <a:p>
+          <a:pPr latinLnBrk="1"/>
+          <a:endParaRPr lang="ko-KR" altLang="en-US"/>
+        </a:p>
+      </dgm:t>
     </dgm:pt>
     <dgm:pt modelId="{ACCE3C21-FAD4-41D4-B82E-02DC88D9FB05}" type="pres">
       <dgm:prSet presAssocID="{52A98B98-21C6-40B3-A624-A77D59683175}" presName="root2" presStyleCnt="0"/>
@@ -3715,6 +4026,14 @@
         </dgm:presLayoutVars>
       </dgm:prSet>
       <dgm:spPr/>
+      <dgm:t>
+        <a:bodyPr/>
+        <a:lstStyle/>
+        <a:p>
+          <a:pPr latinLnBrk="1"/>
+          <a:endParaRPr lang="ko-KR" altLang="en-US"/>
+        </a:p>
+      </dgm:t>
     </dgm:pt>
     <dgm:pt modelId="{1BC36E5F-829D-4FFB-A6D9-52AFE31E1425}" type="pres">
       <dgm:prSet presAssocID="{52A98B98-21C6-40B3-A624-A77D59683175}" presName="level3hierChild" presStyleCnt="0"/>
@@ -3723,10 +4042,26 @@
     <dgm:pt modelId="{BBA6212A-0EA9-409B-AD17-91B8DF5ECD31}" type="pres">
       <dgm:prSet presAssocID="{1C635408-7EC9-4F63-87D6-5FC9A2CB4624}" presName="conn2-1" presStyleLbl="parChTrans1D4" presStyleIdx="10" presStyleCnt="27"/>
       <dgm:spPr/>
+      <dgm:t>
+        <a:bodyPr/>
+        <a:lstStyle/>
+        <a:p>
+          <a:pPr latinLnBrk="1"/>
+          <a:endParaRPr lang="ko-KR" altLang="en-US"/>
+        </a:p>
+      </dgm:t>
     </dgm:pt>
     <dgm:pt modelId="{6BDA673E-08DF-4AAB-82F3-B2DE81AB2F27}" type="pres">
       <dgm:prSet presAssocID="{1C635408-7EC9-4F63-87D6-5FC9A2CB4624}" presName="connTx" presStyleLbl="parChTrans1D4" presStyleIdx="10" presStyleCnt="27"/>
       <dgm:spPr/>
+      <dgm:t>
+        <a:bodyPr/>
+        <a:lstStyle/>
+        <a:p>
+          <a:pPr latinLnBrk="1"/>
+          <a:endParaRPr lang="ko-KR" altLang="en-US"/>
+        </a:p>
+      </dgm:t>
     </dgm:pt>
     <dgm:pt modelId="{3175AB30-CBA0-4752-9E55-F57A0D427A31}" type="pres">
       <dgm:prSet presAssocID="{24775710-FF14-41DE-A6A3-0B7ABF777EDB}" presName="root2" presStyleCnt="0"/>
@@ -3739,6 +4074,14 @@
         </dgm:presLayoutVars>
       </dgm:prSet>
       <dgm:spPr/>
+      <dgm:t>
+        <a:bodyPr/>
+        <a:lstStyle/>
+        <a:p>
+          <a:pPr latinLnBrk="1"/>
+          <a:endParaRPr lang="ko-KR" altLang="en-US"/>
+        </a:p>
+      </dgm:t>
     </dgm:pt>
     <dgm:pt modelId="{2FC98B0E-209C-4F7A-98B5-9D0AFF50C231}" type="pres">
       <dgm:prSet presAssocID="{24775710-FF14-41DE-A6A3-0B7ABF777EDB}" presName="level3hierChild" presStyleCnt="0"/>
@@ -3747,10 +4090,26 @@
     <dgm:pt modelId="{3B99684E-88A3-4CE8-96C7-E4F66E45577B}" type="pres">
       <dgm:prSet presAssocID="{5F7D1E16-A185-4F6A-B836-99B536170C3A}" presName="conn2-1" presStyleLbl="parChTrans1D4" presStyleIdx="11" presStyleCnt="27"/>
       <dgm:spPr/>
+      <dgm:t>
+        <a:bodyPr/>
+        <a:lstStyle/>
+        <a:p>
+          <a:pPr latinLnBrk="1"/>
+          <a:endParaRPr lang="ko-KR" altLang="en-US"/>
+        </a:p>
+      </dgm:t>
     </dgm:pt>
     <dgm:pt modelId="{B47EFE7E-16E8-4C48-A11E-231DF9841B98}" type="pres">
       <dgm:prSet presAssocID="{5F7D1E16-A185-4F6A-B836-99B536170C3A}" presName="connTx" presStyleLbl="parChTrans1D4" presStyleIdx="11" presStyleCnt="27"/>
       <dgm:spPr/>
+      <dgm:t>
+        <a:bodyPr/>
+        <a:lstStyle/>
+        <a:p>
+          <a:pPr latinLnBrk="1"/>
+          <a:endParaRPr lang="ko-KR" altLang="en-US"/>
+        </a:p>
+      </dgm:t>
     </dgm:pt>
     <dgm:pt modelId="{74F2CC99-ADF7-4F6E-92C8-2FE1813D87DB}" type="pres">
       <dgm:prSet presAssocID="{971D748E-609C-46D0-8C87-804513E64470}" presName="root2" presStyleCnt="0"/>
@@ -3779,10 +4138,26 @@
     <dgm:pt modelId="{C0F5429A-3607-4132-8852-FD67BFE633D9}" type="pres">
       <dgm:prSet presAssocID="{EACBE201-E023-495A-97A7-C3338961E1D8}" presName="conn2-1" presStyleLbl="parChTrans1D4" presStyleIdx="12" presStyleCnt="27"/>
       <dgm:spPr/>
+      <dgm:t>
+        <a:bodyPr/>
+        <a:lstStyle/>
+        <a:p>
+          <a:pPr latinLnBrk="1"/>
+          <a:endParaRPr lang="ko-KR" altLang="en-US"/>
+        </a:p>
+      </dgm:t>
     </dgm:pt>
     <dgm:pt modelId="{BC1F01DD-1CFA-4754-A8CF-E59421401EAA}" type="pres">
       <dgm:prSet presAssocID="{EACBE201-E023-495A-97A7-C3338961E1D8}" presName="connTx" presStyleLbl="parChTrans1D4" presStyleIdx="12" presStyleCnt="27"/>
       <dgm:spPr/>
+      <dgm:t>
+        <a:bodyPr/>
+        <a:lstStyle/>
+        <a:p>
+          <a:pPr latinLnBrk="1"/>
+          <a:endParaRPr lang="ko-KR" altLang="en-US"/>
+        </a:p>
+      </dgm:t>
     </dgm:pt>
     <dgm:pt modelId="{61A3BA1B-7AED-45F7-91D5-7A294E87DCD5}" type="pres">
       <dgm:prSet presAssocID="{3EE55416-3449-4D87-860C-7C325992F746}" presName="root2" presStyleCnt="0"/>
@@ -3811,10 +4186,26 @@
     <dgm:pt modelId="{05A3307D-147A-4848-98CA-E44DA5AC2559}" type="pres">
       <dgm:prSet presAssocID="{8C482DCD-1037-4A44-B9F9-07F01301E9AF}" presName="conn2-1" presStyleLbl="parChTrans1D4" presStyleIdx="13" presStyleCnt="27"/>
       <dgm:spPr/>
+      <dgm:t>
+        <a:bodyPr/>
+        <a:lstStyle/>
+        <a:p>
+          <a:pPr latinLnBrk="1"/>
+          <a:endParaRPr lang="ko-KR" altLang="en-US"/>
+        </a:p>
+      </dgm:t>
     </dgm:pt>
     <dgm:pt modelId="{2B43E4BC-DAA7-41B4-949E-6F270A71B5E8}" type="pres">
       <dgm:prSet presAssocID="{8C482DCD-1037-4A44-B9F9-07F01301E9AF}" presName="connTx" presStyleLbl="parChTrans1D4" presStyleIdx="13" presStyleCnt="27"/>
       <dgm:spPr/>
+      <dgm:t>
+        <a:bodyPr/>
+        <a:lstStyle/>
+        <a:p>
+          <a:pPr latinLnBrk="1"/>
+          <a:endParaRPr lang="ko-KR" altLang="en-US"/>
+        </a:p>
+      </dgm:t>
     </dgm:pt>
     <dgm:pt modelId="{A8DC20C4-3A38-4636-A37B-6B07AEC2CE2A}" type="pres">
       <dgm:prSet presAssocID="{D1966BAF-06B2-48A6-892E-9423623BF184}" presName="root2" presStyleCnt="0"/>
@@ -3843,10 +4234,26 @@
     <dgm:pt modelId="{501B92F8-DF1C-4FD2-B9CD-483D52ED13DD}" type="pres">
       <dgm:prSet presAssocID="{B7ACD054-242E-4BC2-B004-4F77B46D74D7}" presName="conn2-1" presStyleLbl="parChTrans1D2" presStyleIdx="1" presStyleCnt="2"/>
       <dgm:spPr/>
+      <dgm:t>
+        <a:bodyPr/>
+        <a:lstStyle/>
+        <a:p>
+          <a:pPr latinLnBrk="1"/>
+          <a:endParaRPr lang="ko-KR" altLang="en-US"/>
+        </a:p>
+      </dgm:t>
     </dgm:pt>
     <dgm:pt modelId="{0E4AE148-7C35-443C-A06E-3B310BE8A928}" type="pres">
       <dgm:prSet presAssocID="{B7ACD054-242E-4BC2-B004-4F77B46D74D7}" presName="connTx" presStyleLbl="parChTrans1D2" presStyleIdx="1" presStyleCnt="2"/>
       <dgm:spPr/>
+      <dgm:t>
+        <a:bodyPr/>
+        <a:lstStyle/>
+        <a:p>
+          <a:pPr latinLnBrk="1"/>
+          <a:endParaRPr lang="ko-KR" altLang="en-US"/>
+        </a:p>
+      </dgm:t>
     </dgm:pt>
     <dgm:pt modelId="{0AE20618-65DE-453B-93E3-C5E525A78E84}" type="pres">
       <dgm:prSet presAssocID="{D9BDC8A0-55EC-4FF3-8999-00B890DFB810}" presName="root2" presStyleCnt="0"/>
@@ -3859,6 +4266,14 @@
         </dgm:presLayoutVars>
       </dgm:prSet>
       <dgm:spPr/>
+      <dgm:t>
+        <a:bodyPr/>
+        <a:lstStyle/>
+        <a:p>
+          <a:pPr latinLnBrk="1"/>
+          <a:endParaRPr lang="ko-KR" altLang="en-US"/>
+        </a:p>
+      </dgm:t>
     </dgm:pt>
     <dgm:pt modelId="{5A2ED34D-5997-47A5-892D-5B1A851CDCA8}" type="pres">
       <dgm:prSet presAssocID="{D9BDC8A0-55EC-4FF3-8999-00B890DFB810}" presName="level3hierChild" presStyleCnt="0"/>
@@ -3867,10 +4282,26 @@
     <dgm:pt modelId="{D969BEC3-F91B-4748-90E6-7B38E5E4EDF7}" type="pres">
       <dgm:prSet presAssocID="{874A2918-9F0B-433A-B36B-28BB512C1A89}" presName="conn2-1" presStyleLbl="parChTrans1D3" presStyleIdx="4" presStyleCnt="7"/>
       <dgm:spPr/>
+      <dgm:t>
+        <a:bodyPr/>
+        <a:lstStyle/>
+        <a:p>
+          <a:pPr latinLnBrk="1"/>
+          <a:endParaRPr lang="ko-KR" altLang="en-US"/>
+        </a:p>
+      </dgm:t>
     </dgm:pt>
     <dgm:pt modelId="{8A168637-D096-471F-932B-7D9970118BA4}" type="pres">
       <dgm:prSet presAssocID="{874A2918-9F0B-433A-B36B-28BB512C1A89}" presName="connTx" presStyleLbl="parChTrans1D3" presStyleIdx="4" presStyleCnt="7"/>
       <dgm:spPr/>
+      <dgm:t>
+        <a:bodyPr/>
+        <a:lstStyle/>
+        <a:p>
+          <a:pPr latinLnBrk="1"/>
+          <a:endParaRPr lang="ko-KR" altLang="en-US"/>
+        </a:p>
+      </dgm:t>
     </dgm:pt>
     <dgm:pt modelId="{54D4D8A1-8E35-4D98-8E24-3341A3D0D7AF}" type="pres">
       <dgm:prSet presAssocID="{4470663E-DF97-421D-A18C-6D1E8C7F8CEF}" presName="root2" presStyleCnt="0"/>
@@ -3883,6 +4314,14 @@
         </dgm:presLayoutVars>
       </dgm:prSet>
       <dgm:spPr/>
+      <dgm:t>
+        <a:bodyPr/>
+        <a:lstStyle/>
+        <a:p>
+          <a:pPr latinLnBrk="1"/>
+          <a:endParaRPr lang="ko-KR" altLang="en-US"/>
+        </a:p>
+      </dgm:t>
     </dgm:pt>
     <dgm:pt modelId="{31679B86-44C2-4C4C-80DA-3568915FA1E5}" type="pres">
       <dgm:prSet presAssocID="{4470663E-DF97-421D-A18C-6D1E8C7F8CEF}" presName="level3hierChild" presStyleCnt="0"/>
@@ -3891,10 +4330,26 @@
     <dgm:pt modelId="{C1ED1A5B-61CD-4BB6-B397-4D36002B9EF8}" type="pres">
       <dgm:prSet presAssocID="{5F46F3A1-B64A-4B6D-89AC-7E0CB8888EDA}" presName="conn2-1" presStyleLbl="parChTrans1D4" presStyleIdx="14" presStyleCnt="27"/>
       <dgm:spPr/>
+      <dgm:t>
+        <a:bodyPr/>
+        <a:lstStyle/>
+        <a:p>
+          <a:pPr latinLnBrk="1"/>
+          <a:endParaRPr lang="ko-KR" altLang="en-US"/>
+        </a:p>
+      </dgm:t>
     </dgm:pt>
     <dgm:pt modelId="{21C89402-42B2-4959-8715-AE9039860CC3}" type="pres">
       <dgm:prSet presAssocID="{5F46F3A1-B64A-4B6D-89AC-7E0CB8888EDA}" presName="connTx" presStyleLbl="parChTrans1D4" presStyleIdx="14" presStyleCnt="27"/>
       <dgm:spPr/>
+      <dgm:t>
+        <a:bodyPr/>
+        <a:lstStyle/>
+        <a:p>
+          <a:pPr latinLnBrk="1"/>
+          <a:endParaRPr lang="ko-KR" altLang="en-US"/>
+        </a:p>
+      </dgm:t>
     </dgm:pt>
     <dgm:pt modelId="{E68AE9CE-1453-4502-B1E6-642A2E0A430F}" type="pres">
       <dgm:prSet presAssocID="{1B397BA3-5AA3-4AAD-BB9F-3EE06679AA3F}" presName="root2" presStyleCnt="0"/>
@@ -3907,6 +4362,14 @@
         </dgm:presLayoutVars>
       </dgm:prSet>
       <dgm:spPr/>
+      <dgm:t>
+        <a:bodyPr/>
+        <a:lstStyle/>
+        <a:p>
+          <a:pPr latinLnBrk="1"/>
+          <a:endParaRPr lang="ko-KR" altLang="en-US"/>
+        </a:p>
+      </dgm:t>
     </dgm:pt>
     <dgm:pt modelId="{FBA75C98-4585-4859-B485-98FF9B488D4D}" type="pres">
       <dgm:prSet presAssocID="{1B397BA3-5AA3-4AAD-BB9F-3EE06679AA3F}" presName="level3hierChild" presStyleCnt="0"/>
@@ -3915,10 +4378,26 @@
     <dgm:pt modelId="{E129D726-8221-42F0-B49D-9677745FCC0A}" type="pres">
       <dgm:prSet presAssocID="{C4EFE703-41C5-419C-A65E-A57DE3ADB31A}" presName="conn2-1" presStyleLbl="parChTrans1D4" presStyleIdx="15" presStyleCnt="27"/>
       <dgm:spPr/>
+      <dgm:t>
+        <a:bodyPr/>
+        <a:lstStyle/>
+        <a:p>
+          <a:pPr latinLnBrk="1"/>
+          <a:endParaRPr lang="ko-KR" altLang="en-US"/>
+        </a:p>
+      </dgm:t>
     </dgm:pt>
     <dgm:pt modelId="{84AE606B-6A99-402F-A9E0-69F702B9BF9E}" type="pres">
       <dgm:prSet presAssocID="{C4EFE703-41C5-419C-A65E-A57DE3ADB31A}" presName="connTx" presStyleLbl="parChTrans1D4" presStyleIdx="15" presStyleCnt="27"/>
       <dgm:spPr/>
+      <dgm:t>
+        <a:bodyPr/>
+        <a:lstStyle/>
+        <a:p>
+          <a:pPr latinLnBrk="1"/>
+          <a:endParaRPr lang="ko-KR" altLang="en-US"/>
+        </a:p>
+      </dgm:t>
     </dgm:pt>
     <dgm:pt modelId="{DA66A684-67A7-4D88-A8C5-3F3F885A6F1C}" type="pres">
       <dgm:prSet presAssocID="{4B8BADAB-84F5-4D10-91C0-6FED927F89C0}" presName="root2" presStyleCnt="0"/>
@@ -3931,6 +4410,14 @@
         </dgm:presLayoutVars>
       </dgm:prSet>
       <dgm:spPr/>
+      <dgm:t>
+        <a:bodyPr/>
+        <a:lstStyle/>
+        <a:p>
+          <a:pPr latinLnBrk="1"/>
+          <a:endParaRPr lang="ko-KR" altLang="en-US"/>
+        </a:p>
+      </dgm:t>
     </dgm:pt>
     <dgm:pt modelId="{8528ACB4-CA60-42EB-88E1-98EC855804D7}" type="pres">
       <dgm:prSet presAssocID="{4B8BADAB-84F5-4D10-91C0-6FED927F89C0}" presName="level3hierChild" presStyleCnt="0"/>
@@ -3939,10 +4426,26 @@
     <dgm:pt modelId="{4A168BF3-9CD0-4DFD-9A5B-F70E81B6B5C9}" type="pres">
       <dgm:prSet presAssocID="{B6997264-9705-4960-9C26-9EC510B8D6AC}" presName="conn2-1" presStyleLbl="parChTrans1D4" presStyleIdx="16" presStyleCnt="27"/>
       <dgm:spPr/>
+      <dgm:t>
+        <a:bodyPr/>
+        <a:lstStyle/>
+        <a:p>
+          <a:pPr latinLnBrk="1"/>
+          <a:endParaRPr lang="ko-KR" altLang="en-US"/>
+        </a:p>
+      </dgm:t>
     </dgm:pt>
     <dgm:pt modelId="{51CCA5F6-5C19-428B-A744-94C4F3C7A961}" type="pres">
       <dgm:prSet presAssocID="{B6997264-9705-4960-9C26-9EC510B8D6AC}" presName="connTx" presStyleLbl="parChTrans1D4" presStyleIdx="16" presStyleCnt="27"/>
       <dgm:spPr/>
+      <dgm:t>
+        <a:bodyPr/>
+        <a:lstStyle/>
+        <a:p>
+          <a:pPr latinLnBrk="1"/>
+          <a:endParaRPr lang="ko-KR" altLang="en-US"/>
+        </a:p>
+      </dgm:t>
     </dgm:pt>
     <dgm:pt modelId="{B2BCAAC1-9A67-415B-91F5-298B280FC017}" type="pres">
       <dgm:prSet presAssocID="{95873094-74E3-4901-80CB-D794BED06E8D}" presName="root2" presStyleCnt="0"/>
@@ -3955,6 +4458,14 @@
         </dgm:presLayoutVars>
       </dgm:prSet>
       <dgm:spPr/>
+      <dgm:t>
+        <a:bodyPr/>
+        <a:lstStyle/>
+        <a:p>
+          <a:pPr latinLnBrk="1"/>
+          <a:endParaRPr lang="ko-KR" altLang="en-US"/>
+        </a:p>
+      </dgm:t>
     </dgm:pt>
     <dgm:pt modelId="{74B550A2-0BB4-4863-BDF2-360D9FBBF99D}" type="pres">
       <dgm:prSet presAssocID="{95873094-74E3-4901-80CB-D794BED06E8D}" presName="level3hierChild" presStyleCnt="0"/>
@@ -3963,10 +4474,26 @@
     <dgm:pt modelId="{CD547358-B65F-4D3A-BE07-CB3D9FCA6D98}" type="pres">
       <dgm:prSet presAssocID="{054AC967-0CF2-4448-AC41-92A1CBC526C0}" presName="conn2-1" presStyleLbl="parChTrans1D4" presStyleIdx="17" presStyleCnt="27"/>
       <dgm:spPr/>
+      <dgm:t>
+        <a:bodyPr/>
+        <a:lstStyle/>
+        <a:p>
+          <a:pPr latinLnBrk="1"/>
+          <a:endParaRPr lang="ko-KR" altLang="en-US"/>
+        </a:p>
+      </dgm:t>
     </dgm:pt>
     <dgm:pt modelId="{80E3881C-F671-4BFB-A57A-EB144C4F9E36}" type="pres">
       <dgm:prSet presAssocID="{054AC967-0CF2-4448-AC41-92A1CBC526C0}" presName="connTx" presStyleLbl="parChTrans1D4" presStyleIdx="17" presStyleCnt="27"/>
       <dgm:spPr/>
+      <dgm:t>
+        <a:bodyPr/>
+        <a:lstStyle/>
+        <a:p>
+          <a:pPr latinLnBrk="1"/>
+          <a:endParaRPr lang="ko-KR" altLang="en-US"/>
+        </a:p>
+      </dgm:t>
     </dgm:pt>
     <dgm:pt modelId="{56C1DF4D-647B-4EFC-BDEA-A50C8377BEC5}" type="pres">
       <dgm:prSet presAssocID="{964D3EAA-969F-483C-9100-16AE4B3B6F81}" presName="root2" presStyleCnt="0"/>
@@ -3979,6 +4506,14 @@
         </dgm:presLayoutVars>
       </dgm:prSet>
       <dgm:spPr/>
+      <dgm:t>
+        <a:bodyPr/>
+        <a:lstStyle/>
+        <a:p>
+          <a:pPr latinLnBrk="1"/>
+          <a:endParaRPr lang="ko-KR" altLang="en-US"/>
+        </a:p>
+      </dgm:t>
     </dgm:pt>
     <dgm:pt modelId="{C8DC2F01-F68A-4E47-8EE1-00355A5AB7A4}" type="pres">
       <dgm:prSet presAssocID="{964D3EAA-969F-483C-9100-16AE4B3B6F81}" presName="level3hierChild" presStyleCnt="0"/>
@@ -3987,10 +4522,26 @@
     <dgm:pt modelId="{07528020-F7FC-4BB5-8D06-99BAC7599D19}" type="pres">
       <dgm:prSet presAssocID="{5BD2687D-66C5-49A2-877D-D39C6BE6E5B2}" presName="conn2-1" presStyleLbl="parChTrans1D4" presStyleIdx="18" presStyleCnt="27"/>
       <dgm:spPr/>
+      <dgm:t>
+        <a:bodyPr/>
+        <a:lstStyle/>
+        <a:p>
+          <a:pPr latinLnBrk="1"/>
+          <a:endParaRPr lang="ko-KR" altLang="en-US"/>
+        </a:p>
+      </dgm:t>
     </dgm:pt>
     <dgm:pt modelId="{339E9FD9-CC47-4E48-A92D-E0CAAED7545A}" type="pres">
       <dgm:prSet presAssocID="{5BD2687D-66C5-49A2-877D-D39C6BE6E5B2}" presName="connTx" presStyleLbl="parChTrans1D4" presStyleIdx="18" presStyleCnt="27"/>
       <dgm:spPr/>
+      <dgm:t>
+        <a:bodyPr/>
+        <a:lstStyle/>
+        <a:p>
+          <a:pPr latinLnBrk="1"/>
+          <a:endParaRPr lang="ko-KR" altLang="en-US"/>
+        </a:p>
+      </dgm:t>
     </dgm:pt>
     <dgm:pt modelId="{769D8608-389B-45CD-9007-698D00A272C4}" type="pres">
       <dgm:prSet presAssocID="{99E73D72-E5E9-4D14-9DEB-F482E319AD73}" presName="root2" presStyleCnt="0"/>
@@ -4003,6 +4554,14 @@
         </dgm:presLayoutVars>
       </dgm:prSet>
       <dgm:spPr/>
+      <dgm:t>
+        <a:bodyPr/>
+        <a:lstStyle/>
+        <a:p>
+          <a:pPr latinLnBrk="1"/>
+          <a:endParaRPr lang="ko-KR" altLang="en-US"/>
+        </a:p>
+      </dgm:t>
     </dgm:pt>
     <dgm:pt modelId="{A43B7FAB-F9BA-40DB-A3C8-A6E5C926B669}" type="pres">
       <dgm:prSet presAssocID="{99E73D72-E5E9-4D14-9DEB-F482E319AD73}" presName="level3hierChild" presStyleCnt="0"/>
@@ -4011,10 +4570,26 @@
     <dgm:pt modelId="{80DA59E6-2EB8-4F57-9942-B76273BE3E37}" type="pres">
       <dgm:prSet presAssocID="{9DB104A3-5DAC-47F3-AC45-66E0C1CA1B41}" presName="conn2-1" presStyleLbl="parChTrans1D4" presStyleIdx="19" presStyleCnt="27"/>
       <dgm:spPr/>
+      <dgm:t>
+        <a:bodyPr/>
+        <a:lstStyle/>
+        <a:p>
+          <a:pPr latinLnBrk="1"/>
+          <a:endParaRPr lang="ko-KR" altLang="en-US"/>
+        </a:p>
+      </dgm:t>
     </dgm:pt>
     <dgm:pt modelId="{1233A4FA-1D1C-4043-92C9-2138B1B5CBE5}" type="pres">
       <dgm:prSet presAssocID="{9DB104A3-5DAC-47F3-AC45-66E0C1CA1B41}" presName="connTx" presStyleLbl="parChTrans1D4" presStyleIdx="19" presStyleCnt="27"/>
       <dgm:spPr/>
+      <dgm:t>
+        <a:bodyPr/>
+        <a:lstStyle/>
+        <a:p>
+          <a:pPr latinLnBrk="1"/>
+          <a:endParaRPr lang="ko-KR" altLang="en-US"/>
+        </a:p>
+      </dgm:t>
     </dgm:pt>
     <dgm:pt modelId="{73B4FF1F-873B-4F57-9D4C-B704B517E214}" type="pres">
       <dgm:prSet presAssocID="{14B2873E-4C92-452F-A6B8-176AD26FA81E}" presName="root2" presStyleCnt="0"/>
@@ -4027,6 +4602,14 @@
         </dgm:presLayoutVars>
       </dgm:prSet>
       <dgm:spPr/>
+      <dgm:t>
+        <a:bodyPr/>
+        <a:lstStyle/>
+        <a:p>
+          <a:pPr latinLnBrk="1"/>
+          <a:endParaRPr lang="ko-KR" altLang="en-US"/>
+        </a:p>
+      </dgm:t>
     </dgm:pt>
     <dgm:pt modelId="{03C08E72-70E7-4835-9D82-D0BA6C896D02}" type="pres">
       <dgm:prSet presAssocID="{14B2873E-4C92-452F-A6B8-176AD26FA81E}" presName="level3hierChild" presStyleCnt="0"/>
@@ -4035,10 +4618,26 @@
     <dgm:pt modelId="{F3EB9E5D-B5A6-404F-925C-A30EF1CC39B2}" type="pres">
       <dgm:prSet presAssocID="{AABA3D2A-02FB-4BF2-AF70-7F429A62AB0D}" presName="conn2-1" presStyleLbl="parChTrans1D4" presStyleIdx="20" presStyleCnt="27"/>
       <dgm:spPr/>
+      <dgm:t>
+        <a:bodyPr/>
+        <a:lstStyle/>
+        <a:p>
+          <a:pPr latinLnBrk="1"/>
+          <a:endParaRPr lang="ko-KR" altLang="en-US"/>
+        </a:p>
+      </dgm:t>
     </dgm:pt>
     <dgm:pt modelId="{CC734239-D534-4198-98D6-EF02C2FDE3AB}" type="pres">
       <dgm:prSet presAssocID="{AABA3D2A-02FB-4BF2-AF70-7F429A62AB0D}" presName="connTx" presStyleLbl="parChTrans1D4" presStyleIdx="20" presStyleCnt="27"/>
       <dgm:spPr/>
+      <dgm:t>
+        <a:bodyPr/>
+        <a:lstStyle/>
+        <a:p>
+          <a:pPr latinLnBrk="1"/>
+          <a:endParaRPr lang="ko-KR" altLang="en-US"/>
+        </a:p>
+      </dgm:t>
     </dgm:pt>
     <dgm:pt modelId="{E3E3AB28-1868-4040-B4EC-E4DD9C00FD80}" type="pres">
       <dgm:prSet presAssocID="{2D914228-475B-4F0F-812B-4E6958ED1AC5}" presName="root2" presStyleCnt="0"/>
@@ -4051,6 +4650,14 @@
         </dgm:presLayoutVars>
       </dgm:prSet>
       <dgm:spPr/>
+      <dgm:t>
+        <a:bodyPr/>
+        <a:lstStyle/>
+        <a:p>
+          <a:pPr latinLnBrk="1"/>
+          <a:endParaRPr lang="ko-KR" altLang="en-US"/>
+        </a:p>
+      </dgm:t>
     </dgm:pt>
     <dgm:pt modelId="{EE5BF516-B409-45ED-BB04-BA274D50B65B}" type="pres">
       <dgm:prSet presAssocID="{2D914228-475B-4F0F-812B-4E6958ED1AC5}" presName="level3hierChild" presStyleCnt="0"/>
@@ -4059,10 +4666,26 @@
     <dgm:pt modelId="{D331F09E-BD2A-45C6-9273-0FF41C853DC6}" type="pres">
       <dgm:prSet presAssocID="{3AF945E0-19D8-46C5-BD62-69B0EBF8978D}" presName="conn2-1" presStyleLbl="parChTrans1D4" presStyleIdx="21" presStyleCnt="27"/>
       <dgm:spPr/>
+      <dgm:t>
+        <a:bodyPr/>
+        <a:lstStyle/>
+        <a:p>
+          <a:pPr latinLnBrk="1"/>
+          <a:endParaRPr lang="ko-KR" altLang="en-US"/>
+        </a:p>
+      </dgm:t>
     </dgm:pt>
     <dgm:pt modelId="{33B04F85-6C49-4E7B-8971-032A38FF8D32}" type="pres">
       <dgm:prSet presAssocID="{3AF945E0-19D8-46C5-BD62-69B0EBF8978D}" presName="connTx" presStyleLbl="parChTrans1D4" presStyleIdx="21" presStyleCnt="27"/>
       <dgm:spPr/>
+      <dgm:t>
+        <a:bodyPr/>
+        <a:lstStyle/>
+        <a:p>
+          <a:pPr latinLnBrk="1"/>
+          <a:endParaRPr lang="ko-KR" altLang="en-US"/>
+        </a:p>
+      </dgm:t>
     </dgm:pt>
     <dgm:pt modelId="{50266B4F-8425-4E07-A05E-6FD909162559}" type="pres">
       <dgm:prSet presAssocID="{AA87141E-EFE5-4807-AAFD-513C745F3230}" presName="root2" presStyleCnt="0"/>
@@ -4075,6 +4698,14 @@
         </dgm:presLayoutVars>
       </dgm:prSet>
       <dgm:spPr/>
+      <dgm:t>
+        <a:bodyPr/>
+        <a:lstStyle/>
+        <a:p>
+          <a:pPr latinLnBrk="1"/>
+          <a:endParaRPr lang="ko-KR" altLang="en-US"/>
+        </a:p>
+      </dgm:t>
     </dgm:pt>
     <dgm:pt modelId="{841EEF44-50D9-45C7-ABF0-EAFD1729F2A3}" type="pres">
       <dgm:prSet presAssocID="{AA87141E-EFE5-4807-AAFD-513C745F3230}" presName="level3hierChild" presStyleCnt="0"/>
@@ -4083,10 +4714,26 @@
     <dgm:pt modelId="{BF74DBF1-415D-4EA9-9EA9-27A9333E55EE}" type="pres">
       <dgm:prSet presAssocID="{55522F1D-5CD2-4AFD-9BDD-21944E030F28}" presName="conn2-1" presStyleLbl="parChTrans1D3" presStyleIdx="5" presStyleCnt="7"/>
       <dgm:spPr/>
+      <dgm:t>
+        <a:bodyPr/>
+        <a:lstStyle/>
+        <a:p>
+          <a:pPr latinLnBrk="1"/>
+          <a:endParaRPr lang="ko-KR" altLang="en-US"/>
+        </a:p>
+      </dgm:t>
     </dgm:pt>
     <dgm:pt modelId="{2B70A31E-3869-486A-89CD-A8D2C13C2F71}" type="pres">
       <dgm:prSet presAssocID="{55522F1D-5CD2-4AFD-9BDD-21944E030F28}" presName="connTx" presStyleLbl="parChTrans1D3" presStyleIdx="5" presStyleCnt="7"/>
       <dgm:spPr/>
+      <dgm:t>
+        <a:bodyPr/>
+        <a:lstStyle/>
+        <a:p>
+          <a:pPr latinLnBrk="1"/>
+          <a:endParaRPr lang="ko-KR" altLang="en-US"/>
+        </a:p>
+      </dgm:t>
     </dgm:pt>
     <dgm:pt modelId="{4DC2F49B-E55E-413F-A3A9-6D008DD9CDC7}" type="pres">
       <dgm:prSet presAssocID="{D4390ADA-28B2-4A37-821D-9D5EC88F1847}" presName="root2" presStyleCnt="0"/>
@@ -4099,6 +4746,14 @@
         </dgm:presLayoutVars>
       </dgm:prSet>
       <dgm:spPr/>
+      <dgm:t>
+        <a:bodyPr/>
+        <a:lstStyle/>
+        <a:p>
+          <a:pPr latinLnBrk="1"/>
+          <a:endParaRPr lang="ko-KR" altLang="en-US"/>
+        </a:p>
+      </dgm:t>
     </dgm:pt>
     <dgm:pt modelId="{379C113D-A755-4FF9-82FA-5E34DB5AA68C}" type="pres">
       <dgm:prSet presAssocID="{D4390ADA-28B2-4A37-821D-9D5EC88F1847}" presName="level3hierChild" presStyleCnt="0"/>
@@ -4107,10 +4762,26 @@
     <dgm:pt modelId="{EAB96A6C-4106-4117-B1E1-F17D6A17046D}" type="pres">
       <dgm:prSet presAssocID="{0D12B47B-D4D3-44FC-ABA6-CB90145DFE18}" presName="conn2-1" presStyleLbl="parChTrans1D4" presStyleIdx="22" presStyleCnt="27"/>
       <dgm:spPr/>
+      <dgm:t>
+        <a:bodyPr/>
+        <a:lstStyle/>
+        <a:p>
+          <a:pPr latinLnBrk="1"/>
+          <a:endParaRPr lang="ko-KR" altLang="en-US"/>
+        </a:p>
+      </dgm:t>
     </dgm:pt>
     <dgm:pt modelId="{127CDB8F-7F75-4040-995B-66A3632C24C0}" type="pres">
       <dgm:prSet presAssocID="{0D12B47B-D4D3-44FC-ABA6-CB90145DFE18}" presName="connTx" presStyleLbl="parChTrans1D4" presStyleIdx="22" presStyleCnt="27"/>
       <dgm:spPr/>
+      <dgm:t>
+        <a:bodyPr/>
+        <a:lstStyle/>
+        <a:p>
+          <a:pPr latinLnBrk="1"/>
+          <a:endParaRPr lang="ko-KR" altLang="en-US"/>
+        </a:p>
+      </dgm:t>
     </dgm:pt>
     <dgm:pt modelId="{6DF185E6-1507-4566-B3F8-052387678FCB}" type="pres">
       <dgm:prSet presAssocID="{0594C2EA-C152-45BF-A475-E3AC92E83DC4}" presName="root2" presStyleCnt="0"/>
@@ -4123,6 +4794,14 @@
         </dgm:presLayoutVars>
       </dgm:prSet>
       <dgm:spPr/>
+      <dgm:t>
+        <a:bodyPr/>
+        <a:lstStyle/>
+        <a:p>
+          <a:pPr latinLnBrk="1"/>
+          <a:endParaRPr lang="ko-KR" altLang="en-US"/>
+        </a:p>
+      </dgm:t>
     </dgm:pt>
     <dgm:pt modelId="{12443E20-7693-46AF-95C4-88C76F1B2A2C}" type="pres">
       <dgm:prSet presAssocID="{0594C2EA-C152-45BF-A475-E3AC92E83DC4}" presName="level3hierChild" presStyleCnt="0"/>
@@ -4131,10 +4810,26 @@
     <dgm:pt modelId="{452FDBC0-D070-4A47-A9D2-C011DEF3328F}" type="pres">
       <dgm:prSet presAssocID="{FDC452CB-4670-486D-81CE-B2991C70BF76}" presName="conn2-1" presStyleLbl="parChTrans1D4" presStyleIdx="23" presStyleCnt="27"/>
       <dgm:spPr/>
+      <dgm:t>
+        <a:bodyPr/>
+        <a:lstStyle/>
+        <a:p>
+          <a:pPr latinLnBrk="1"/>
+          <a:endParaRPr lang="ko-KR" altLang="en-US"/>
+        </a:p>
+      </dgm:t>
     </dgm:pt>
     <dgm:pt modelId="{C3C9590C-0F93-4352-9C71-0E4B96946F8A}" type="pres">
       <dgm:prSet presAssocID="{FDC452CB-4670-486D-81CE-B2991C70BF76}" presName="connTx" presStyleLbl="parChTrans1D4" presStyleIdx="23" presStyleCnt="27"/>
       <dgm:spPr/>
+      <dgm:t>
+        <a:bodyPr/>
+        <a:lstStyle/>
+        <a:p>
+          <a:pPr latinLnBrk="1"/>
+          <a:endParaRPr lang="ko-KR" altLang="en-US"/>
+        </a:p>
+      </dgm:t>
     </dgm:pt>
     <dgm:pt modelId="{03F74E5B-312F-44BF-95E2-3DE1214B54AF}" type="pres">
       <dgm:prSet presAssocID="{309037A8-B898-4B63-B82B-2930A2DC8B90}" presName="root2" presStyleCnt="0"/>
@@ -4147,6 +4842,14 @@
         </dgm:presLayoutVars>
       </dgm:prSet>
       <dgm:spPr/>
+      <dgm:t>
+        <a:bodyPr/>
+        <a:lstStyle/>
+        <a:p>
+          <a:pPr latinLnBrk="1"/>
+          <a:endParaRPr lang="ko-KR" altLang="en-US"/>
+        </a:p>
+      </dgm:t>
     </dgm:pt>
     <dgm:pt modelId="{D3DFA9A7-FFCE-414A-9D86-9E17FA5CF4C7}" type="pres">
       <dgm:prSet presAssocID="{309037A8-B898-4B63-B82B-2930A2DC8B90}" presName="level3hierChild" presStyleCnt="0"/>
@@ -4155,10 +4858,26 @@
     <dgm:pt modelId="{692FF16D-57FC-4159-9698-8D630A7BE3FE}" type="pres">
       <dgm:prSet presAssocID="{1E336B4A-8B3E-483D-A01B-83F6E5A75AED}" presName="conn2-1" presStyleLbl="parChTrans1D3" presStyleIdx="6" presStyleCnt="7"/>
       <dgm:spPr/>
+      <dgm:t>
+        <a:bodyPr/>
+        <a:lstStyle/>
+        <a:p>
+          <a:pPr latinLnBrk="1"/>
+          <a:endParaRPr lang="ko-KR" altLang="en-US"/>
+        </a:p>
+      </dgm:t>
     </dgm:pt>
     <dgm:pt modelId="{74429FC7-A6FB-4F8A-A80A-BADB340DBED9}" type="pres">
       <dgm:prSet presAssocID="{1E336B4A-8B3E-483D-A01B-83F6E5A75AED}" presName="connTx" presStyleLbl="parChTrans1D3" presStyleIdx="6" presStyleCnt="7"/>
       <dgm:spPr/>
+      <dgm:t>
+        <a:bodyPr/>
+        <a:lstStyle/>
+        <a:p>
+          <a:pPr latinLnBrk="1"/>
+          <a:endParaRPr lang="ko-KR" altLang="en-US"/>
+        </a:p>
+      </dgm:t>
     </dgm:pt>
     <dgm:pt modelId="{68AB7CEA-1470-47E1-81C4-E28F6380E68A}" type="pres">
       <dgm:prSet presAssocID="{31C85851-D2A5-467F-8038-677F1E61CB78}" presName="root2" presStyleCnt="0"/>
@@ -4171,6 +4890,14 @@
         </dgm:presLayoutVars>
       </dgm:prSet>
       <dgm:spPr/>
+      <dgm:t>
+        <a:bodyPr/>
+        <a:lstStyle/>
+        <a:p>
+          <a:pPr latinLnBrk="1"/>
+          <a:endParaRPr lang="ko-KR" altLang="en-US"/>
+        </a:p>
+      </dgm:t>
     </dgm:pt>
     <dgm:pt modelId="{21BA1B9B-3C19-49F6-B609-0493BCF739A1}" type="pres">
       <dgm:prSet presAssocID="{31C85851-D2A5-467F-8038-677F1E61CB78}" presName="level3hierChild" presStyleCnt="0"/>
@@ -4179,10 +4906,26 @@
     <dgm:pt modelId="{E509A342-222F-4FED-88A6-781246DC6B28}" type="pres">
       <dgm:prSet presAssocID="{1F4A10AC-437A-4A03-BE07-4C02440BEBD5}" presName="conn2-1" presStyleLbl="parChTrans1D4" presStyleIdx="24" presStyleCnt="27"/>
       <dgm:spPr/>
+      <dgm:t>
+        <a:bodyPr/>
+        <a:lstStyle/>
+        <a:p>
+          <a:pPr latinLnBrk="1"/>
+          <a:endParaRPr lang="ko-KR" altLang="en-US"/>
+        </a:p>
+      </dgm:t>
     </dgm:pt>
     <dgm:pt modelId="{35FF8AE6-0624-4ECE-A20C-CC75C0242EAE}" type="pres">
       <dgm:prSet presAssocID="{1F4A10AC-437A-4A03-BE07-4C02440BEBD5}" presName="connTx" presStyleLbl="parChTrans1D4" presStyleIdx="24" presStyleCnt="27"/>
       <dgm:spPr/>
+      <dgm:t>
+        <a:bodyPr/>
+        <a:lstStyle/>
+        <a:p>
+          <a:pPr latinLnBrk="1"/>
+          <a:endParaRPr lang="ko-KR" altLang="en-US"/>
+        </a:p>
+      </dgm:t>
     </dgm:pt>
     <dgm:pt modelId="{2C3E6E90-017F-4CA9-9402-98E25BD18723}" type="pres">
       <dgm:prSet presAssocID="{A33D130F-5BAA-4275-BD7F-21D6A2ED909C}" presName="root2" presStyleCnt="0"/>
@@ -4195,6 +4938,14 @@
         </dgm:presLayoutVars>
       </dgm:prSet>
       <dgm:spPr/>
+      <dgm:t>
+        <a:bodyPr/>
+        <a:lstStyle/>
+        <a:p>
+          <a:pPr latinLnBrk="1"/>
+          <a:endParaRPr lang="ko-KR" altLang="en-US"/>
+        </a:p>
+      </dgm:t>
     </dgm:pt>
     <dgm:pt modelId="{E4E23B8E-A56E-4E8B-BD97-85E17767ACD4}" type="pres">
       <dgm:prSet presAssocID="{A33D130F-5BAA-4275-BD7F-21D6A2ED909C}" presName="level3hierChild" presStyleCnt="0"/>
@@ -4203,10 +4954,26 @@
     <dgm:pt modelId="{F4A822A9-8B6A-43C5-834F-A0BDE3076EE8}" type="pres">
       <dgm:prSet presAssocID="{5D8B00CE-29ED-49DF-BF6C-A0B2598C2CDF}" presName="conn2-1" presStyleLbl="parChTrans1D4" presStyleIdx="25" presStyleCnt="27"/>
       <dgm:spPr/>
+      <dgm:t>
+        <a:bodyPr/>
+        <a:lstStyle/>
+        <a:p>
+          <a:pPr latinLnBrk="1"/>
+          <a:endParaRPr lang="ko-KR" altLang="en-US"/>
+        </a:p>
+      </dgm:t>
     </dgm:pt>
     <dgm:pt modelId="{C392B952-F444-40AD-9F9F-31B772C26419}" type="pres">
       <dgm:prSet presAssocID="{5D8B00CE-29ED-49DF-BF6C-A0B2598C2CDF}" presName="connTx" presStyleLbl="parChTrans1D4" presStyleIdx="25" presStyleCnt="27"/>
       <dgm:spPr/>
+      <dgm:t>
+        <a:bodyPr/>
+        <a:lstStyle/>
+        <a:p>
+          <a:pPr latinLnBrk="1"/>
+          <a:endParaRPr lang="ko-KR" altLang="en-US"/>
+        </a:p>
+      </dgm:t>
     </dgm:pt>
     <dgm:pt modelId="{58CB4DEA-3C11-4A7E-826B-C899932CD371}" type="pres">
       <dgm:prSet presAssocID="{574EEAA5-DBB4-483F-B3E5-FBADF5645939}" presName="root2" presStyleCnt="0"/>
@@ -4219,6 +4986,14 @@
         </dgm:presLayoutVars>
       </dgm:prSet>
       <dgm:spPr/>
+      <dgm:t>
+        <a:bodyPr/>
+        <a:lstStyle/>
+        <a:p>
+          <a:pPr latinLnBrk="1"/>
+          <a:endParaRPr lang="ko-KR" altLang="en-US"/>
+        </a:p>
+      </dgm:t>
     </dgm:pt>
     <dgm:pt modelId="{058A1445-E836-45E3-A006-C0B9948993FA}" type="pres">
       <dgm:prSet presAssocID="{574EEAA5-DBB4-483F-B3E5-FBADF5645939}" presName="level3hierChild" presStyleCnt="0"/>
@@ -4227,10 +5002,26 @@
     <dgm:pt modelId="{74F40636-A7C1-4F9C-83D4-50C015106B4F}" type="pres">
       <dgm:prSet presAssocID="{4AE09D74-96A4-49E9-B1F4-6105053FFD42}" presName="conn2-1" presStyleLbl="parChTrans1D4" presStyleIdx="26" presStyleCnt="27"/>
       <dgm:spPr/>
+      <dgm:t>
+        <a:bodyPr/>
+        <a:lstStyle/>
+        <a:p>
+          <a:pPr latinLnBrk="1"/>
+          <a:endParaRPr lang="ko-KR" altLang="en-US"/>
+        </a:p>
+      </dgm:t>
     </dgm:pt>
     <dgm:pt modelId="{C7DBFCC0-F718-49C4-AFF5-DC75E15CA6A6}" type="pres">
       <dgm:prSet presAssocID="{4AE09D74-96A4-49E9-B1F4-6105053FFD42}" presName="connTx" presStyleLbl="parChTrans1D4" presStyleIdx="26" presStyleCnt="27"/>
       <dgm:spPr/>
+      <dgm:t>
+        <a:bodyPr/>
+        <a:lstStyle/>
+        <a:p>
+          <a:pPr latinLnBrk="1"/>
+          <a:endParaRPr lang="ko-KR" altLang="en-US"/>
+        </a:p>
+      </dgm:t>
     </dgm:pt>
     <dgm:pt modelId="{4A3F8AFB-90B6-4307-8880-92DEB8B6894A}" type="pres">
       <dgm:prSet presAssocID="{D866321D-C40A-409E-9A81-F4092FDFAFAB}" presName="root2" presStyleCnt="0"/>
@@ -4243,6 +5034,14 @@
         </dgm:presLayoutVars>
       </dgm:prSet>
       <dgm:spPr/>
+      <dgm:t>
+        <a:bodyPr/>
+        <a:lstStyle/>
+        <a:p>
+          <a:pPr latinLnBrk="1"/>
+          <a:endParaRPr lang="ko-KR" altLang="en-US"/>
+        </a:p>
+      </dgm:t>
     </dgm:pt>
     <dgm:pt modelId="{53729BCF-F867-4F6C-8C85-0221C71D4013}" type="pres">
       <dgm:prSet presAssocID="{D866321D-C40A-409E-9A81-F4092FDFAFAB}" presName="level3hierChild" presStyleCnt="0"/>
@@ -4250,153 +5049,153 @@
     </dgm:pt>
   </dgm:ptLst>
   <dgm:cxnLst>
+    <dgm:cxn modelId="{9144B4FF-909A-4827-B53F-AEB1499631FC}" type="presOf" srcId="{25D5F1B3-5396-4841-8897-3B72950225D2}" destId="{719E4F19-8F95-44AA-AFA2-605B51C7E350}" srcOrd="1" destOrd="0" presId="urn:microsoft.com/office/officeart/2008/layout/HorizontalMultiLevelHierarchy"/>
+    <dgm:cxn modelId="{0B94DB5F-7E11-4D1C-B13E-CA8611DCBF94}" type="presOf" srcId="{AD6B27DE-31AE-4603-8264-96EFEFCF2C87}" destId="{9B09B518-562F-4466-88B5-0DE3D935B165}" srcOrd="0" destOrd="0" presId="urn:microsoft.com/office/officeart/2008/layout/HorizontalMultiLevelHierarchy"/>
+    <dgm:cxn modelId="{EECC8021-8ECE-454A-B567-D398DA8E628E}" type="presOf" srcId="{5BD2687D-66C5-49A2-877D-D39C6BE6E5B2}" destId="{339E9FD9-CC47-4E48-A92D-E0CAAED7545A}" srcOrd="1" destOrd="0" presId="urn:microsoft.com/office/officeart/2008/layout/HorizontalMultiLevelHierarchy"/>
+    <dgm:cxn modelId="{F2CFF978-AF72-4D05-9A02-39F90EEB50B1}" srcId="{0594C2EA-C152-45BF-A475-E3AC92E83DC4}" destId="{309037A8-B898-4B63-B82B-2930A2DC8B90}" srcOrd="0" destOrd="0" parTransId="{FDC452CB-4670-486D-81CE-B2991C70BF76}" sibTransId="{9DF6C3F0-AAC2-4296-BC3F-8F3E7575787E}"/>
+    <dgm:cxn modelId="{FB43C67A-66BE-403E-B7FC-81955D856E1F}" type="presOf" srcId="{0594C2EA-C152-45BF-A475-E3AC92E83DC4}" destId="{B6E9A68D-B797-40B6-957A-09BA4A5C2FCB}" srcOrd="0" destOrd="0" presId="urn:microsoft.com/office/officeart/2008/layout/HorizontalMultiLevelHierarchy"/>
+    <dgm:cxn modelId="{6BC6701A-B522-4674-A82E-D3BFF9EC8B95}" type="presOf" srcId="{58067BC9-A045-4D2F-86DD-033E5A4896D7}" destId="{887F02C3-1E27-4FBB-955E-378EF2F3DB62}" srcOrd="0" destOrd="0" presId="urn:microsoft.com/office/officeart/2008/layout/HorizontalMultiLevelHierarchy"/>
+    <dgm:cxn modelId="{AB5896C4-5491-461D-807B-8A934F72C30A}" type="presOf" srcId="{C4EFE703-41C5-419C-A65E-A57DE3ADB31A}" destId="{E129D726-8221-42F0-B49D-9677745FCC0A}" srcOrd="0" destOrd="0" presId="urn:microsoft.com/office/officeart/2008/layout/HorizontalMultiLevelHierarchy"/>
+    <dgm:cxn modelId="{33D958ED-14CB-481E-97FD-B4E5206241D5}" type="presOf" srcId="{2D914228-475B-4F0F-812B-4E6958ED1AC5}" destId="{D6818BCE-F5DB-489D-ADC8-9E38E50FEC3C}" srcOrd="0" destOrd="0" presId="urn:microsoft.com/office/officeart/2008/layout/HorizontalMultiLevelHierarchy"/>
+    <dgm:cxn modelId="{31DCDB17-F1D2-4B11-A2EF-5A4EF6472F38}" type="presOf" srcId="{BA02D232-9F36-4647-BA7C-4615509D778C}" destId="{3FE75F39-BD94-46E5-A69F-DB3CEAF09D69}" srcOrd="0" destOrd="0" presId="urn:microsoft.com/office/officeart/2008/layout/HorizontalMultiLevelHierarchy"/>
+    <dgm:cxn modelId="{7BCEBC60-EBB5-4CB1-BE23-4DFEEF58C719}" type="presOf" srcId="{9DB104A3-5DAC-47F3-AC45-66E0C1CA1B41}" destId="{80DA59E6-2EB8-4F57-9942-B76273BE3E37}" srcOrd="0" destOrd="0" presId="urn:microsoft.com/office/officeart/2008/layout/HorizontalMultiLevelHierarchy"/>
+    <dgm:cxn modelId="{430685DE-43D5-4B7B-A2CB-E36036A9DC1C}" srcId="{7B072FAA-136F-4E42-A3CE-24BE866893D5}" destId="{1240F56C-8121-4C26-A397-C8AB913F6110}" srcOrd="0" destOrd="0" parTransId="{7D760A1E-8927-45A9-B9AB-409AFBC99CCD}" sibTransId="{C28F967B-BB85-41D7-9C70-2CF2CA4AD3F3}"/>
+    <dgm:cxn modelId="{542AB11B-540E-4E39-AD2B-CE4A5213DBCB}" type="presOf" srcId="{0D12B47B-D4D3-44FC-ABA6-CB90145DFE18}" destId="{EAB96A6C-4106-4117-B1E1-F17D6A17046D}" srcOrd="0" destOrd="0" presId="urn:microsoft.com/office/officeart/2008/layout/HorizontalMultiLevelHierarchy"/>
+    <dgm:cxn modelId="{495B652A-C84C-447F-B8DE-5C578F391695}" type="presOf" srcId="{D4A4683D-6358-4373-B10C-F4E82B141666}" destId="{38FBF15E-F8C6-4535-B12B-73C4E3A0F853}" srcOrd="0" destOrd="0" presId="urn:microsoft.com/office/officeart/2008/layout/HorizontalMultiLevelHierarchy"/>
+    <dgm:cxn modelId="{62454EBE-2E37-4C42-9F27-4D2DB464B57A}" type="presOf" srcId="{2040336D-AF7A-45CA-8BF0-0413E4833863}" destId="{64A65DC2-DA79-4CE2-BC71-028CF390C43A}" srcOrd="0" destOrd="0" presId="urn:microsoft.com/office/officeart/2008/layout/HorizontalMultiLevelHierarchy"/>
+    <dgm:cxn modelId="{F4D45FA7-D590-4E4D-A17D-98F0A2A39C49}" srcId="{8F9D7810-5740-47A2-96C8-2782CFD8A445}" destId="{DE5801C1-2062-4BDE-8AD8-FFC625AF8C36}" srcOrd="1" destOrd="0" parTransId="{47AA8D64-C212-40EC-BF25-9F8522C1538F}" sibTransId="{79607FF3-6ACE-451D-9124-B59BB1673475}"/>
+    <dgm:cxn modelId="{0ED6375E-4A9F-46C8-81EA-089165E5DDF8}" type="presOf" srcId="{99E73D72-E5E9-4D14-9DEB-F482E319AD73}" destId="{7BDDE487-3CE5-4623-9E33-3853844C04E2}" srcOrd="0" destOrd="0" presId="urn:microsoft.com/office/officeart/2008/layout/HorizontalMultiLevelHierarchy"/>
+    <dgm:cxn modelId="{D8759A69-BB32-4A8F-A151-A2960E42349E}" type="presOf" srcId="{8C482DCD-1037-4A44-B9F9-07F01301E9AF}" destId="{2B43E4BC-DAA7-41B4-949E-6F270A71B5E8}" srcOrd="1" destOrd="0" presId="urn:microsoft.com/office/officeart/2008/layout/HorizontalMultiLevelHierarchy"/>
+    <dgm:cxn modelId="{6E345B76-5687-42F7-BADD-6C2D733ED44C}" type="presOf" srcId="{1C635408-7EC9-4F63-87D6-5FC9A2CB4624}" destId="{BBA6212A-0EA9-409B-AD17-91B8DF5ECD31}" srcOrd="0" destOrd="0" presId="urn:microsoft.com/office/officeart/2008/layout/HorizontalMultiLevelHierarchy"/>
+    <dgm:cxn modelId="{5FB09552-640E-4F08-87A0-4E93927F2D09}" srcId="{D4390ADA-28B2-4A37-821D-9D5EC88F1847}" destId="{0594C2EA-C152-45BF-A475-E3AC92E83DC4}" srcOrd="0" destOrd="0" parTransId="{0D12B47B-D4D3-44FC-ABA6-CB90145DFE18}" sibTransId="{4F04AAAA-3095-4F06-B0AD-35DCBCF1F49F}"/>
+    <dgm:cxn modelId="{EDFD0B05-81B6-42A2-AE23-ED8953A8C3BD}" type="presOf" srcId="{61839AAB-6604-4DE4-9E7F-5B417109F97C}" destId="{FA58E1C0-C5CD-4B36-A2B2-8E4A2F9E8146}" srcOrd="0" destOrd="0" presId="urn:microsoft.com/office/officeart/2008/layout/HorizontalMultiLevelHierarchy"/>
+    <dgm:cxn modelId="{D6E6C1D5-9531-42ED-A6B4-F136543F5324}" type="presOf" srcId="{827DA4AD-7D4B-4E67-8E50-BB4913DA9FE6}" destId="{991C5BC8-93BD-4785-91BE-AD6796F6F98F}" srcOrd="0" destOrd="0" presId="urn:microsoft.com/office/officeart/2008/layout/HorizontalMultiLevelHierarchy"/>
+    <dgm:cxn modelId="{FD1B05AA-813C-4455-BCE1-BFDFEFC72D18}" type="presOf" srcId="{AABA3D2A-02FB-4BF2-AF70-7F429A62AB0D}" destId="{F3EB9E5D-B5A6-404F-925C-A30EF1CC39B2}" srcOrd="0" destOrd="0" presId="urn:microsoft.com/office/officeart/2008/layout/HorizontalMultiLevelHierarchy"/>
+    <dgm:cxn modelId="{712C9798-DB7D-4086-BBA2-F8C551CE1099}" type="presOf" srcId="{1B397BA3-5AA3-4AAD-BB9F-3EE06679AA3F}" destId="{C56A81DE-145B-4F7D-8CE5-9C1CFA7F1A77}" srcOrd="0" destOrd="0" presId="urn:microsoft.com/office/officeart/2008/layout/HorizontalMultiLevelHierarchy"/>
+    <dgm:cxn modelId="{B91652A2-8768-4FF1-988F-A1559672A851}" srcId="{899837B5-1CE5-41EB-9217-958314609117}" destId="{7679CDCF-7135-4D58-8A58-50239CA76A43}" srcOrd="2" destOrd="0" parTransId="{827DA4AD-7D4B-4E67-8E50-BB4913DA9FE6}" sibTransId="{6B8B9A9D-B371-4049-9245-A0DEEF28D7AC}"/>
+    <dgm:cxn modelId="{342592D6-56FE-47B1-94D0-C90BA404EC48}" type="presOf" srcId="{8F6710CF-1EE8-49DD-9420-61F2ECE8AF69}" destId="{DD43A066-C65E-43F1-87BA-986C46D81021}" srcOrd="0" destOrd="0" presId="urn:microsoft.com/office/officeart/2008/layout/HorizontalMultiLevelHierarchy"/>
+    <dgm:cxn modelId="{FD0F3554-F65A-43F8-AE19-F4898B8B8690}" srcId="{4470663E-DF97-421D-A18C-6D1E8C7F8CEF}" destId="{4B8BADAB-84F5-4D10-91C0-6FED927F89C0}" srcOrd="1" destOrd="0" parTransId="{C4EFE703-41C5-419C-A65E-A57DE3ADB31A}" sibTransId="{E86B44E6-2951-4237-B651-7D094D72424D}"/>
+    <dgm:cxn modelId="{D71717BC-8F1C-4FBE-8236-BF54F2EC6DDD}" type="presOf" srcId="{1953E09C-0953-4A8A-9322-4E63DC7E3460}" destId="{C1F9F8A6-2FDE-43FB-A42D-A63A426CCD72}" srcOrd="0" destOrd="0" presId="urn:microsoft.com/office/officeart/2008/layout/HorizontalMultiLevelHierarchy"/>
+    <dgm:cxn modelId="{0CCC0D2D-2519-43FF-962D-4665A86FCAAE}" type="presOf" srcId="{5F7D1E16-A185-4F6A-B836-99B536170C3A}" destId="{3B99684E-88A3-4CE8-96C7-E4F66E45577B}" srcOrd="0" destOrd="0" presId="urn:microsoft.com/office/officeart/2008/layout/HorizontalMultiLevelHierarchy"/>
+    <dgm:cxn modelId="{F8DCEC02-DF19-4FF3-A9A3-01E99BCE1085}" type="presOf" srcId="{B6997264-9705-4960-9C26-9EC510B8D6AC}" destId="{4A168BF3-9CD0-4DFD-9A5B-F70E81B6B5C9}" srcOrd="0" destOrd="0" presId="urn:microsoft.com/office/officeart/2008/layout/HorizontalMultiLevelHierarchy"/>
+    <dgm:cxn modelId="{05ADE4B5-B62F-48CF-A9F0-8EF67D3E7671}" type="presOf" srcId="{31C85851-D2A5-467F-8038-677F1E61CB78}" destId="{FDD95464-2899-45AC-9B3E-CF2DB61200E7}" srcOrd="0" destOrd="0" presId="urn:microsoft.com/office/officeart/2008/layout/HorizontalMultiLevelHierarchy"/>
+    <dgm:cxn modelId="{E1202C92-BD4F-45D6-AF65-17DE74A2EAEC}" type="presOf" srcId="{3AF945E0-19D8-46C5-BD62-69B0EBF8978D}" destId="{33B04F85-6C49-4E7B-8971-032A38FF8D32}" srcOrd="1" destOrd="0" presId="urn:microsoft.com/office/officeart/2008/layout/HorizontalMultiLevelHierarchy"/>
+    <dgm:cxn modelId="{1E287025-FC12-455D-81B0-45B530646D43}" type="presOf" srcId="{47AA8D64-C212-40EC-BF25-9F8522C1538F}" destId="{1E3ACE25-E105-44BE-96A4-D3337176D60C}" srcOrd="0" destOrd="0" presId="urn:microsoft.com/office/officeart/2008/layout/HorizontalMultiLevelHierarchy"/>
+    <dgm:cxn modelId="{60C0DC03-AC37-49CF-81AA-7D78483A686E}" type="presOf" srcId="{7D760A1E-8927-45A9-B9AB-409AFBC99CCD}" destId="{3A1B3B71-7BB9-4B1C-911B-F289E9BD9079}" srcOrd="1" destOrd="0" presId="urn:microsoft.com/office/officeart/2008/layout/HorizontalMultiLevelHierarchy"/>
+    <dgm:cxn modelId="{FBB11290-46CC-482D-8E3B-87BED3A4A107}" type="presOf" srcId="{C4EFE703-41C5-419C-A65E-A57DE3ADB31A}" destId="{84AE606B-6A99-402F-A9E0-69F702B9BF9E}" srcOrd="1" destOrd="0" presId="urn:microsoft.com/office/officeart/2008/layout/HorizontalMultiLevelHierarchy"/>
+    <dgm:cxn modelId="{3081A0F8-7133-4D6E-B6DB-F9213E0094B4}" srcId="{1240F56C-8121-4C26-A397-C8AB913F6110}" destId="{E74797AC-EF43-43C8-A927-9D3F248E3DCC}" srcOrd="0" destOrd="0" parTransId="{9042B8AC-2257-49D0-BD60-A193D639BB5F}" sibTransId="{BEA9108D-954C-4DF7-9A18-CAD7BE98C376}"/>
+    <dgm:cxn modelId="{DA688C0F-162E-4F4F-ADA4-5B8AC16F177E}" type="presOf" srcId="{5EA763EB-F477-4A8F-826B-2973E5C4480A}" destId="{0D6CD543-9275-4870-82B4-B31C3549E43D}" srcOrd="0" destOrd="0" presId="urn:microsoft.com/office/officeart/2008/layout/HorizontalMultiLevelHierarchy"/>
+    <dgm:cxn modelId="{AB659A30-BD81-4E31-AA1D-1C27C7039086}" type="presOf" srcId="{FDC452CB-4670-486D-81CE-B2991C70BF76}" destId="{452FDBC0-D070-4A47-A9D2-C011DEF3328F}" srcOrd="0" destOrd="0" presId="urn:microsoft.com/office/officeart/2008/layout/HorizontalMultiLevelHierarchy"/>
+    <dgm:cxn modelId="{7ACBC121-9EF3-4D18-A3C9-02A6B7DA148B}" type="presOf" srcId="{5BD2687D-66C5-49A2-877D-D39C6BE6E5B2}" destId="{07528020-F7FC-4BB5-8D06-99BAC7599D19}" srcOrd="0" destOrd="0" presId="urn:microsoft.com/office/officeart/2008/layout/HorizontalMultiLevelHierarchy"/>
+    <dgm:cxn modelId="{578AFB30-ABC8-44C0-86E2-25A5977FA3ED}" srcId="{899837B5-1CE5-41EB-9217-958314609117}" destId="{2040336D-AF7A-45CA-8BF0-0413E4833863}" srcOrd="1" destOrd="0" parTransId="{25D5F1B3-5396-4841-8897-3B72950225D2}" sibTransId="{19EB3D61-F964-41E0-AA16-B42880DB3479}"/>
+    <dgm:cxn modelId="{B346C7DA-E752-404B-B1FA-C59BF09B51F3}" srcId="{964D3EAA-969F-483C-9100-16AE4B3B6F81}" destId="{2D914228-475B-4F0F-812B-4E6958ED1AC5}" srcOrd="2" destOrd="0" parTransId="{AABA3D2A-02FB-4BF2-AF70-7F429A62AB0D}" sibTransId="{FA59E034-7E5F-4C26-9861-4EC48E9B3456}"/>
+    <dgm:cxn modelId="{76CF79E9-23AA-4102-92ED-CEDF6078BF77}" type="presOf" srcId="{1C635408-7EC9-4F63-87D6-5FC9A2CB4624}" destId="{6BDA673E-08DF-4AAB-82F3-B2DE81AB2F27}" srcOrd="1" destOrd="0" presId="urn:microsoft.com/office/officeart/2008/layout/HorizontalMultiLevelHierarchy"/>
+    <dgm:cxn modelId="{6114F61D-50D5-4B9D-96FA-9ED6F7AFD0B4}" type="presOf" srcId="{5F7D1E16-A185-4F6A-B836-99B536170C3A}" destId="{B47EFE7E-16E8-4C48-A11E-231DF9841B98}" srcOrd="1" destOrd="0" presId="urn:microsoft.com/office/officeart/2008/layout/HorizontalMultiLevelHierarchy"/>
+    <dgm:cxn modelId="{6D8FF63C-28A8-457D-BE82-2E407709C0F6}" srcId="{899837B5-1CE5-41EB-9217-958314609117}" destId="{1D724EE1-1803-43A2-AAB9-FB282773DE6B}" srcOrd="0" destOrd="0" parTransId="{5EA763EB-F477-4A8F-826B-2973E5C4480A}" sibTransId="{473EBCE9-638E-494E-8835-6E72A353DB1F}"/>
+    <dgm:cxn modelId="{4FA2B03A-E2F9-46CF-B124-47F56CB4626D}" type="presOf" srcId="{52A98B98-21C6-40B3-A624-A77D59683175}" destId="{EB829E99-7484-46A1-AA79-17803C5161CC}" srcOrd="0" destOrd="0" presId="urn:microsoft.com/office/officeart/2008/layout/HorizontalMultiLevelHierarchy"/>
+    <dgm:cxn modelId="{B0983E7E-7FBB-49DD-967A-138D13F0B8CD}" type="presOf" srcId="{4B8BADAB-84F5-4D10-91C0-6FED927F89C0}" destId="{B7BFA08E-2CF6-4042-B835-C77C878B70D4}" srcOrd="0" destOrd="0" presId="urn:microsoft.com/office/officeart/2008/layout/HorizontalMultiLevelHierarchy"/>
+    <dgm:cxn modelId="{FF78ADA5-8C24-4739-AAEB-CAE77B23E965}" type="presOf" srcId="{55522F1D-5CD2-4AFD-9BDD-21944E030F28}" destId="{BF74DBF1-415D-4EA9-9EA9-27A9333E55EE}" srcOrd="0" destOrd="0" presId="urn:microsoft.com/office/officeart/2008/layout/HorizontalMultiLevelHierarchy"/>
+    <dgm:cxn modelId="{9D909DA8-6D35-406E-8F49-DAF1D9A4913D}" type="presOf" srcId="{5D8B00CE-29ED-49DF-BF6C-A0B2598C2CDF}" destId="{F4A822A9-8B6A-43C5-834F-A0BDE3076EE8}" srcOrd="0" destOrd="0" presId="urn:microsoft.com/office/officeart/2008/layout/HorizontalMultiLevelHierarchy"/>
+    <dgm:cxn modelId="{A0E7D949-004B-4D22-9EB0-4700DF38B696}" srcId="{1D724EE1-1803-43A2-AAB9-FB282773DE6B}" destId="{61839AAB-6604-4DE4-9E7F-5B417109F97C}" srcOrd="0" destOrd="0" parTransId="{A42CD704-915B-44DD-9989-3204042A4147}" sibTransId="{6307386A-870A-47B4-AC5D-19825D8963D7}"/>
+    <dgm:cxn modelId="{1571CC67-D06C-40EE-8763-BC39505DD2AD}" type="presOf" srcId="{5F46F3A1-B64A-4B6D-89AC-7E0CB8888EDA}" destId="{C1ED1A5B-61CD-4BB6-B397-4D36002B9EF8}" srcOrd="0" destOrd="0" presId="urn:microsoft.com/office/officeart/2008/layout/HorizontalMultiLevelHierarchy"/>
+    <dgm:cxn modelId="{175CB740-18B0-4D20-900A-867F46368A72}" type="presOf" srcId="{42BA3355-2004-4E59-8E5C-D428BB114B18}" destId="{92B924B6-EF72-421D-9737-ED027C32628A}" srcOrd="0" destOrd="0" presId="urn:microsoft.com/office/officeart/2008/layout/HorizontalMultiLevelHierarchy"/>
+    <dgm:cxn modelId="{B08DB0EA-DD84-4C34-AD67-AD766457A6A1}" type="presOf" srcId="{47AA8D64-C212-40EC-BF25-9F8522C1538F}" destId="{6A9607FD-57F1-4751-B3B1-2FEF6E1E2350}" srcOrd="1" destOrd="0" presId="urn:microsoft.com/office/officeart/2008/layout/HorizontalMultiLevelHierarchy"/>
+    <dgm:cxn modelId="{30A4FBCD-4A2A-4023-AECA-B8C5BB7BDB03}" type="presOf" srcId="{D9BDC8A0-55EC-4FF3-8999-00B890DFB810}" destId="{7ED4FD98-E7C6-471B-9E7F-4A0B84C9F4E2}" srcOrd="0" destOrd="0" presId="urn:microsoft.com/office/officeart/2008/layout/HorizontalMultiLevelHierarchy"/>
+    <dgm:cxn modelId="{A1B8F46C-0B92-4939-A7BC-7E306B4DC45D}" type="presOf" srcId="{A33D130F-5BAA-4275-BD7F-21D6A2ED909C}" destId="{9845DE43-6A0C-4870-B32E-5F87B4E0AFBB}" srcOrd="0" destOrd="0" presId="urn:microsoft.com/office/officeart/2008/layout/HorizontalMultiLevelHierarchy"/>
+    <dgm:cxn modelId="{87F831F1-712E-409C-9176-15C982510FA1}" type="presOf" srcId="{574EEAA5-DBB4-483F-B3E5-FBADF5645939}" destId="{7FFA0F48-5F3C-4B1D-8F3C-23C381A823C5}" srcOrd="0" destOrd="0" presId="urn:microsoft.com/office/officeart/2008/layout/HorizontalMultiLevelHierarchy"/>
+    <dgm:cxn modelId="{CD4D935E-3224-417A-BE32-41BF8797DCA3}" srcId="{1240F56C-8121-4C26-A397-C8AB913F6110}" destId="{8F9D7810-5740-47A2-96C8-2782CFD8A445}" srcOrd="2" destOrd="0" parTransId="{8F6710CF-1EE8-49DD-9420-61F2ECE8AF69}" sibTransId="{843E0265-DBD5-4286-A67A-511C92B94956}"/>
+    <dgm:cxn modelId="{F4BE7D13-FFA1-4F5A-8A22-3424648B3AA3}" type="presOf" srcId="{818D3BE1-B905-43F7-899C-81CB07B02D61}" destId="{8BC86EA5-806D-4E02-BBF3-F9A61593E3DC}" srcOrd="1" destOrd="0" presId="urn:microsoft.com/office/officeart/2008/layout/HorizontalMultiLevelHierarchy"/>
+    <dgm:cxn modelId="{EFB9E782-F648-40D4-8369-3FB0A4138D6E}" type="presOf" srcId="{3EE55416-3449-4D87-860C-7C325992F746}" destId="{F59C167B-D00C-487C-8232-55D30F87C01E}" srcOrd="0" destOrd="0" presId="urn:microsoft.com/office/officeart/2008/layout/HorizontalMultiLevelHierarchy"/>
+    <dgm:cxn modelId="{7B10B764-54F9-4450-8BBF-28283C65E702}" type="presOf" srcId="{DE5801C1-2062-4BDE-8AD8-FFC625AF8C36}" destId="{3B55453E-75F9-4E69-A942-5DD48E4D9C73}" srcOrd="0" destOrd="0" presId="urn:microsoft.com/office/officeart/2008/layout/HorizontalMultiLevelHierarchy"/>
+    <dgm:cxn modelId="{810BDB94-6B46-4B9C-9A45-A6F9DB753B1E}" type="presOf" srcId="{EACBE201-E023-495A-97A7-C3338961E1D8}" destId="{C0F5429A-3607-4132-8852-FD67BFE633D9}" srcOrd="0" destOrd="0" presId="urn:microsoft.com/office/officeart/2008/layout/HorizontalMultiLevelHierarchy"/>
+    <dgm:cxn modelId="{87D8FF4C-A37E-4D32-8C9E-3B0EE2936F11}" type="presOf" srcId="{55522F1D-5CD2-4AFD-9BDD-21944E030F28}" destId="{2B70A31E-3869-486A-89CD-A8D2C13C2F71}" srcOrd="1" destOrd="0" presId="urn:microsoft.com/office/officeart/2008/layout/HorizontalMultiLevelHierarchy"/>
+    <dgm:cxn modelId="{16E24BB8-3081-4929-B98E-9F81A641FAA2}" type="presOf" srcId="{AABA3D2A-02FB-4BF2-AF70-7F429A62AB0D}" destId="{CC734239-D534-4198-98D6-EF02C2FDE3AB}" srcOrd="1" destOrd="0" presId="urn:microsoft.com/office/officeart/2008/layout/HorizontalMultiLevelHierarchy"/>
+    <dgm:cxn modelId="{6871C8D3-56AE-42C9-A5CA-A2D3A3D1ACAA}" type="presOf" srcId="{1F41D0D3-F9FB-43D2-89A7-9AAD8FCEAC57}" destId="{937BBD69-2AE5-4A60-B04B-754244FFF5DA}" srcOrd="0" destOrd="0" presId="urn:microsoft.com/office/officeart/2008/layout/HorizontalMultiLevelHierarchy"/>
+    <dgm:cxn modelId="{1880C344-12A8-4705-8F16-9F6C04F0C4BC}" type="presOf" srcId="{054AC967-0CF2-4448-AC41-92A1CBC526C0}" destId="{CD547358-B65F-4D3A-BE07-CB3D9FCA6D98}" srcOrd="0" destOrd="0" presId="urn:microsoft.com/office/officeart/2008/layout/HorizontalMultiLevelHierarchy"/>
+    <dgm:cxn modelId="{87C3BDAF-A133-496D-BB89-767611C601E6}" type="presOf" srcId="{874A2918-9F0B-433A-B36B-28BB512C1A89}" destId="{8A168637-D096-471F-932B-7D9970118BA4}" srcOrd="1" destOrd="0" presId="urn:microsoft.com/office/officeart/2008/layout/HorizontalMultiLevelHierarchy"/>
+    <dgm:cxn modelId="{10EC1281-2137-4BFB-92F7-81FA6688A89F}" type="presOf" srcId="{4AE09D74-96A4-49E9-B1F4-6105053FFD42}" destId="{74F40636-A7C1-4F9C-83D4-50C015106B4F}" srcOrd="0" destOrd="0" presId="urn:microsoft.com/office/officeart/2008/layout/HorizontalMultiLevelHierarchy"/>
+    <dgm:cxn modelId="{6720592A-CEA2-47CA-83F1-9A3EEEEB03EC}" srcId="{4470663E-DF97-421D-A18C-6D1E8C7F8CEF}" destId="{95873094-74E3-4901-80CB-D794BED06E8D}" srcOrd="2" destOrd="0" parTransId="{B6997264-9705-4960-9C26-9EC510B8D6AC}" sibTransId="{749610AD-C01B-40BE-83ED-5D134A5E3FC7}"/>
+    <dgm:cxn modelId="{BF81884B-CEB2-4D10-B690-F2824432C81A}" type="presOf" srcId="{827DA4AD-7D4B-4E67-8E50-BB4913DA9FE6}" destId="{61EDA99C-78B4-4DA2-AA99-04C40372C1AB}" srcOrd="1" destOrd="0" presId="urn:microsoft.com/office/officeart/2008/layout/HorizontalMultiLevelHierarchy"/>
+    <dgm:cxn modelId="{A7D9AA96-7688-4F9F-B454-5D1E8A518FF1}" type="presOf" srcId="{5D8B00CE-29ED-49DF-BF6C-A0B2598C2CDF}" destId="{C392B952-F444-40AD-9F9F-31B772C26419}" srcOrd="1" destOrd="0" presId="urn:microsoft.com/office/officeart/2008/layout/HorizontalMultiLevelHierarchy"/>
+    <dgm:cxn modelId="{E78B3D6D-B04E-4F71-8E9B-637A4A2DEA72}" srcId="{E74797AC-EF43-43C8-A927-9D3F248E3DCC}" destId="{42BA3355-2004-4E59-8E5C-D428BB114B18}" srcOrd="0" destOrd="0" parTransId="{1953E09C-0953-4A8A-9322-4E63DC7E3460}" sibTransId="{83F96789-8FE1-4F38-9E5E-06BF8C41ECB9}"/>
+    <dgm:cxn modelId="{A167B170-5848-40AA-9712-4A41F5BE584B}" srcId="{24775710-FF14-41DE-A6A3-0B7ABF777EDB}" destId="{D1966BAF-06B2-48A6-892E-9423623BF184}" srcOrd="2" destOrd="0" parTransId="{8C482DCD-1037-4A44-B9F9-07F01301E9AF}" sibTransId="{FB27558B-6F0F-4622-9389-3EE38433BA24}"/>
+    <dgm:cxn modelId="{3227A125-A426-4EDC-8138-AF56C223A1D0}" type="presOf" srcId="{5F46F3A1-B64A-4B6D-89AC-7E0CB8888EDA}" destId="{21C89402-42B2-4959-8715-AE9039860CC3}" srcOrd="1" destOrd="0" presId="urn:microsoft.com/office/officeart/2008/layout/HorizontalMultiLevelHierarchy"/>
+    <dgm:cxn modelId="{1F976378-049D-4D59-97F3-C72AE26DA740}" type="presOf" srcId="{7D760A1E-8927-45A9-B9AB-409AFBC99CCD}" destId="{61361C41-769A-4111-A268-CB163E383FA2}" srcOrd="0" destOrd="0" presId="urn:microsoft.com/office/officeart/2008/layout/HorizontalMultiLevelHierarchy"/>
+    <dgm:cxn modelId="{3F490F94-0FCC-48F4-ABEA-75C706B3B1D5}" type="presOf" srcId="{AA87141E-EFE5-4807-AAFD-513C745F3230}" destId="{CD6454CB-B659-4277-ACAB-F712D4DFDCC0}" srcOrd="0" destOrd="0" presId="urn:microsoft.com/office/officeart/2008/layout/HorizontalMultiLevelHierarchy"/>
+    <dgm:cxn modelId="{D3A92EA5-91A4-4527-86BD-BF641AFA9D13}" type="presOf" srcId="{A42CD704-915B-44DD-9989-3204042A4147}" destId="{A95D8640-C30E-41B1-8DB4-877C17787195}" srcOrd="0" destOrd="0" presId="urn:microsoft.com/office/officeart/2008/layout/HorizontalMultiLevelHierarchy"/>
+    <dgm:cxn modelId="{EC104C8A-4C4D-45D0-A0A8-85027FD1427E}" type="presOf" srcId="{568178C8-769E-43B7-8451-028049D6F920}" destId="{A365AA2F-E449-490A-BBB9-4832D7E35BBE}" srcOrd="0" destOrd="0" presId="urn:microsoft.com/office/officeart/2008/layout/HorizontalMultiLevelHierarchy"/>
+    <dgm:cxn modelId="{01F86812-E572-4370-A384-F76FABBEA780}" type="presOf" srcId="{D1966BAF-06B2-48A6-892E-9423623BF184}" destId="{A0D911DB-B289-4845-A735-B39DB2C0BCEB}" srcOrd="0" destOrd="0" presId="urn:microsoft.com/office/officeart/2008/layout/HorizontalMultiLevelHierarchy"/>
+    <dgm:cxn modelId="{3C73FCB2-36AE-4579-9843-B00E0E8098DE}" type="presOf" srcId="{8F9D7810-5740-47A2-96C8-2782CFD8A445}" destId="{25A0EDEF-527B-4658-8B48-E0AA084AE3CD}" srcOrd="0" destOrd="0" presId="urn:microsoft.com/office/officeart/2008/layout/HorizontalMultiLevelHierarchy"/>
+    <dgm:cxn modelId="{DEA84F0C-0DF4-47D7-9544-42413E3A8334}" srcId="{F98F6E85-68A8-43D7-A764-7758A22A3FBB}" destId="{7B072FAA-136F-4E42-A3CE-24BE866893D5}" srcOrd="0" destOrd="0" parTransId="{36195637-4E27-4FF1-AE57-259CC13055AF}" sibTransId="{DFF6D902-FDD2-4F22-A747-449DB5A2E7A1}"/>
+    <dgm:cxn modelId="{350158C2-9B4C-4CE6-8D83-A169FDB69A7A}" type="presOf" srcId="{1240F56C-8121-4C26-A397-C8AB913F6110}" destId="{56F4A8D9-333B-4F0D-8157-28BF03C7FF29}" srcOrd="0" destOrd="0" presId="urn:microsoft.com/office/officeart/2008/layout/HorizontalMultiLevelHierarchy"/>
+    <dgm:cxn modelId="{041DBE99-26DB-413D-86F2-89341718D3EC}" type="presOf" srcId="{309037A8-B898-4B63-B82B-2930A2DC8B90}" destId="{0DADD086-0152-4477-84C3-19DE99BBE022}" srcOrd="0" destOrd="0" presId="urn:microsoft.com/office/officeart/2008/layout/HorizontalMultiLevelHierarchy"/>
+    <dgm:cxn modelId="{4A1C454D-A66B-449A-AE3D-7DF387AAE230}" type="presOf" srcId="{1953E09C-0953-4A8A-9322-4E63DC7E3460}" destId="{1445E7E4-4F0A-4559-AC6A-56498D456D9A}" srcOrd="1" destOrd="0" presId="urn:microsoft.com/office/officeart/2008/layout/HorizontalMultiLevelHierarchy"/>
+    <dgm:cxn modelId="{A19DE1FA-1DE1-4CA1-9471-9DD568E78D54}" type="presOf" srcId="{9DB104A3-5DAC-47F3-AC45-66E0C1CA1B41}" destId="{1233A4FA-1D1C-4043-92C9-2138B1B5CBE5}" srcOrd="1" destOrd="0" presId="urn:microsoft.com/office/officeart/2008/layout/HorizontalMultiLevelHierarchy"/>
+    <dgm:cxn modelId="{2636D867-65CC-4654-940C-E7FB6DE1BAD4}" srcId="{8F9D7810-5740-47A2-96C8-2782CFD8A445}" destId="{6899781C-9CC8-439D-8E91-7D97E1FB99D5}" srcOrd="2" destOrd="0" parTransId="{AD6B27DE-31AE-4603-8264-96EFEFCF2C87}" sibTransId="{B7F7329C-C59C-4555-BF66-EB642962B66C}"/>
+    <dgm:cxn modelId="{AB48B09B-5114-4C44-83D8-44C7BAE3DD29}" srcId="{24775710-FF14-41DE-A6A3-0B7ABF777EDB}" destId="{971D748E-609C-46D0-8C87-804513E64470}" srcOrd="0" destOrd="0" parTransId="{5F7D1E16-A185-4F6A-B836-99B536170C3A}" sibTransId="{ADD59B62-6B31-404A-86F4-27A28A9CA940}"/>
+    <dgm:cxn modelId="{0BFF70E8-775E-4402-A420-FCC371579CEF}" srcId="{D9BDC8A0-55EC-4FF3-8999-00B890DFB810}" destId="{31C85851-D2A5-467F-8038-677F1E61CB78}" srcOrd="2" destOrd="0" parTransId="{1E336B4A-8B3E-483D-A01B-83F6E5A75AED}" sibTransId="{B2A27D1C-72F9-477C-8059-92D5A3EF8ABB}"/>
+    <dgm:cxn modelId="{AF60C567-5311-4594-A79B-1B74AC4586C4}" type="presOf" srcId="{B6997264-9705-4960-9C26-9EC510B8D6AC}" destId="{51CCA5F6-5C19-428B-A744-94C4F3C7A961}" srcOrd="1" destOrd="0" presId="urn:microsoft.com/office/officeart/2008/layout/HorizontalMultiLevelHierarchy"/>
+    <dgm:cxn modelId="{5766946D-088D-4E9E-BAC5-0D3E4648F8B0}" type="presOf" srcId="{AD6B27DE-31AE-4603-8264-96EFEFCF2C87}" destId="{20861EDE-F8FE-4851-8448-2047CF7DA964}" srcOrd="1" destOrd="0" presId="urn:microsoft.com/office/officeart/2008/layout/HorizontalMultiLevelHierarchy"/>
+    <dgm:cxn modelId="{431DE428-CC27-46C4-9486-F5E3C96CD0F0}" type="presOf" srcId="{14B2873E-4C92-452F-A6B8-176AD26FA81E}" destId="{A7EC6D3F-C872-4DE2-8F65-175B937C3617}" srcOrd="0" destOrd="0" presId="urn:microsoft.com/office/officeart/2008/layout/HorizontalMultiLevelHierarchy"/>
+    <dgm:cxn modelId="{EE8840F0-8A05-4CB7-8DEE-70DB05289621}" type="presOf" srcId="{964D3EAA-969F-483C-9100-16AE4B3B6F81}" destId="{BFCC9B0F-4DC6-4FD3-9B63-B04EE84D278D}" srcOrd="0" destOrd="0" presId="urn:microsoft.com/office/officeart/2008/layout/HorizontalMultiLevelHierarchy"/>
+    <dgm:cxn modelId="{92A15FB2-64EE-42CE-94BC-5EE1BB017876}" type="presOf" srcId="{0D12B47B-D4D3-44FC-ABA6-CB90145DFE18}" destId="{127CDB8F-7F75-4040-995B-66A3632C24C0}" srcOrd="1" destOrd="0" presId="urn:microsoft.com/office/officeart/2008/layout/HorizontalMultiLevelHierarchy"/>
+    <dgm:cxn modelId="{B426DF52-74C7-4E76-84C4-608F67FDEA87}" type="presOf" srcId="{EACBE201-E023-495A-97A7-C3338961E1D8}" destId="{BC1F01DD-1CFA-4754-A8CF-E59421401EAA}" srcOrd="1" destOrd="0" presId="urn:microsoft.com/office/officeart/2008/layout/HorizontalMultiLevelHierarchy"/>
+    <dgm:cxn modelId="{3175B296-9356-4352-8166-96059F3A2E85}" type="presOf" srcId="{8F6710CF-1EE8-49DD-9420-61F2ECE8AF69}" destId="{EB30A72A-1840-4FE0-B9BD-F7804A3187DF}" srcOrd="1" destOrd="0" presId="urn:microsoft.com/office/officeart/2008/layout/HorizontalMultiLevelHierarchy"/>
+    <dgm:cxn modelId="{F45476CF-AFB1-49A8-B40D-FB728C652C89}" type="presOf" srcId="{6994BF90-D3CD-4C43-AA76-2C17285B2A04}" destId="{41B23BDC-9DAD-47E4-85D0-9F6B88C38E2E}" srcOrd="0" destOrd="0" presId="urn:microsoft.com/office/officeart/2008/layout/HorizontalMultiLevelHierarchy"/>
     <dgm:cxn modelId="{656EC911-AF8D-44AF-A87D-4F60195AA0BD}" type="presOf" srcId="{5EA763EB-F477-4A8F-826B-2973E5C4480A}" destId="{03CCD239-7D7B-4719-941A-B45F20D6BFC4}" srcOrd="1" destOrd="0" presId="urn:microsoft.com/office/officeart/2008/layout/HorizontalMultiLevelHierarchy"/>
-    <dgm:cxn modelId="{CD4D935E-3224-417A-BE32-41BF8797DCA3}" srcId="{1240F56C-8121-4C26-A397-C8AB913F6110}" destId="{8F9D7810-5740-47A2-96C8-2782CFD8A445}" srcOrd="2" destOrd="0" parTransId="{8F6710CF-1EE8-49DD-9420-61F2ECE8AF69}" sibTransId="{843E0265-DBD5-4286-A67A-511C92B94956}"/>
-    <dgm:cxn modelId="{AF60C567-5311-4594-A79B-1B74AC4586C4}" type="presOf" srcId="{B6997264-9705-4960-9C26-9EC510B8D6AC}" destId="{51CCA5F6-5C19-428B-A744-94C4F3C7A961}" srcOrd="1" destOrd="0" presId="urn:microsoft.com/office/officeart/2008/layout/HorizontalMultiLevelHierarchy"/>
-    <dgm:cxn modelId="{EE8840F0-8A05-4CB7-8DEE-70DB05289621}" type="presOf" srcId="{964D3EAA-969F-483C-9100-16AE4B3B6F81}" destId="{BFCC9B0F-4DC6-4FD3-9B63-B04EE84D278D}" srcOrd="0" destOrd="0" presId="urn:microsoft.com/office/officeart/2008/layout/HorizontalMultiLevelHierarchy"/>
-    <dgm:cxn modelId="{E78B3D6D-B04E-4F71-8E9B-637A4A2DEA72}" srcId="{E74797AC-EF43-43C8-A927-9D3F248E3DCC}" destId="{42BA3355-2004-4E59-8E5C-D428BB114B18}" srcOrd="0" destOrd="0" parTransId="{1953E09C-0953-4A8A-9322-4E63DC7E3460}" sibTransId="{83F96789-8FE1-4F38-9E5E-06BF8C41ECB9}"/>
-    <dgm:cxn modelId="{BF81884B-CEB2-4D10-B690-F2824432C81A}" type="presOf" srcId="{827DA4AD-7D4B-4E67-8E50-BB4913DA9FE6}" destId="{61EDA99C-78B4-4DA2-AA99-04C40372C1AB}" srcOrd="1" destOrd="0" presId="urn:microsoft.com/office/officeart/2008/layout/HorizontalMultiLevelHierarchy"/>
-    <dgm:cxn modelId="{009F826F-B23F-4299-94D5-DFC3471EFDE8}" type="presOf" srcId="{F98F6E85-68A8-43D7-A764-7758A22A3FBB}" destId="{151FEBA2-2601-4C4E-B3EB-4CB0FA4A0D00}" srcOrd="0" destOrd="0" presId="urn:microsoft.com/office/officeart/2008/layout/HorizontalMultiLevelHierarchy"/>
-    <dgm:cxn modelId="{7B10B764-54F9-4450-8BBF-28283C65E702}" type="presOf" srcId="{DE5801C1-2062-4BDE-8AD8-FFC625AF8C36}" destId="{3B55453E-75F9-4E69-A942-5DD48E4D9C73}" srcOrd="0" destOrd="0" presId="urn:microsoft.com/office/officeart/2008/layout/HorizontalMultiLevelHierarchy"/>
-    <dgm:cxn modelId="{D6E6C1D5-9531-42ED-A6B4-F136543F5324}" type="presOf" srcId="{827DA4AD-7D4B-4E67-8E50-BB4913DA9FE6}" destId="{991C5BC8-93BD-4785-91BE-AD6796F6F98F}" srcOrd="0" destOrd="0" presId="urn:microsoft.com/office/officeart/2008/layout/HorizontalMultiLevelHierarchy"/>
-    <dgm:cxn modelId="{DA688C0F-162E-4F4F-ADA4-5B8AC16F177E}" type="presOf" srcId="{5EA763EB-F477-4A8F-826B-2973E5C4480A}" destId="{0D6CD543-9275-4870-82B4-B31C3549E43D}" srcOrd="0" destOrd="0" presId="urn:microsoft.com/office/officeart/2008/layout/HorizontalMultiLevelHierarchy"/>
-    <dgm:cxn modelId="{0BFF70E8-775E-4402-A420-FCC371579CEF}" srcId="{D9BDC8A0-55EC-4FF3-8999-00B890DFB810}" destId="{31C85851-D2A5-467F-8038-677F1E61CB78}" srcOrd="2" destOrd="0" parTransId="{1E336B4A-8B3E-483D-A01B-83F6E5A75AED}" sibTransId="{B2A27D1C-72F9-477C-8059-92D5A3EF8ABB}"/>
-    <dgm:cxn modelId="{FD1B05AA-813C-4455-BCE1-BFDFEFC72D18}" type="presOf" srcId="{AABA3D2A-02FB-4BF2-AF70-7F429A62AB0D}" destId="{F3EB9E5D-B5A6-404F-925C-A30EF1CC39B2}" srcOrd="0" destOrd="0" presId="urn:microsoft.com/office/officeart/2008/layout/HorizontalMultiLevelHierarchy"/>
-    <dgm:cxn modelId="{3081A0F8-7133-4D6E-B6DB-F9213E0094B4}" srcId="{1240F56C-8121-4C26-A397-C8AB913F6110}" destId="{E74797AC-EF43-43C8-A927-9D3F248E3DCC}" srcOrd="0" destOrd="0" parTransId="{9042B8AC-2257-49D0-BD60-A193D639BB5F}" sibTransId="{BEA9108D-954C-4DF7-9A18-CAD7BE98C376}"/>
+    <dgm:cxn modelId="{6EB307C6-2C6C-4820-A8AD-B0FA59A4FFD5}" type="presOf" srcId="{A42CD704-915B-44DD-9989-3204042A4147}" destId="{8B29A31F-2BDB-4E28-8F9B-BE5CBD18CC7F}" srcOrd="1" destOrd="0" presId="urn:microsoft.com/office/officeart/2008/layout/HorizontalMultiLevelHierarchy"/>
+    <dgm:cxn modelId="{08E3CBD6-E1B1-402B-AB04-55F8AF480FFA}" srcId="{31C85851-D2A5-467F-8038-677F1E61CB78}" destId="{D866321D-C40A-409E-9A81-F4092FDFAFAB}" srcOrd="2" destOrd="0" parTransId="{4AE09D74-96A4-49E9-B1F4-6105053FFD42}" sibTransId="{75DE1BBE-DD40-4A86-8298-708E498E149D}"/>
+    <dgm:cxn modelId="{39741883-6AB3-4FAD-9247-6046E2641347}" type="presOf" srcId="{899837B5-1CE5-41EB-9217-958314609117}" destId="{AA3923C2-0A67-4744-937C-80D179275E5B}" srcOrd="0" destOrd="0" presId="urn:microsoft.com/office/officeart/2008/layout/HorizontalMultiLevelHierarchy"/>
+    <dgm:cxn modelId="{57B8EA7A-67E2-4AD6-ADE7-386CA9FB3D2B}" srcId="{1240F56C-8121-4C26-A397-C8AB913F6110}" destId="{899837B5-1CE5-41EB-9217-958314609117}" srcOrd="1" destOrd="0" parTransId="{818D3BE1-B905-43F7-899C-81CB07B02D61}" sibTransId="{317E2435-1515-4C70-BBAB-7A92BBEA9DFB}"/>
+    <dgm:cxn modelId="{C5E54A5C-0ABD-47E9-A508-B3442CBC5C27}" type="presOf" srcId="{E74797AC-EF43-43C8-A927-9D3F248E3DCC}" destId="{F34AF0B9-6407-4B50-ACFC-88A4D09017A0}" srcOrd="0" destOrd="0" presId="urn:microsoft.com/office/officeart/2008/layout/HorizontalMultiLevelHierarchy"/>
+    <dgm:cxn modelId="{72142E2E-2F21-432E-A6DD-AE52E4909C9C}" type="presOf" srcId="{B7ACD054-242E-4BC2-B004-4F77B46D74D7}" destId="{0E4AE148-7C35-443C-A06E-3B310BE8A928}" srcOrd="1" destOrd="0" presId="urn:microsoft.com/office/officeart/2008/layout/HorizontalMultiLevelHierarchy"/>
+    <dgm:cxn modelId="{5FCA992B-2E41-4FB9-AF14-18753D4E3DB3}" srcId="{4470663E-DF97-421D-A18C-6D1E8C7F8CEF}" destId="{1B397BA3-5AA3-4AAD-BB9F-3EE06679AA3F}" srcOrd="0" destOrd="0" parTransId="{5F46F3A1-B64A-4B6D-89AC-7E0CB8888EDA}" sibTransId="{9C010DE8-D52F-415F-8994-F0CA6BB60FF8}"/>
+    <dgm:cxn modelId="{5593D3F4-9817-43CA-9CD5-4BBD4C1AF820}" srcId="{964D3EAA-969F-483C-9100-16AE4B3B6F81}" destId="{AA87141E-EFE5-4807-AAFD-513C745F3230}" srcOrd="3" destOrd="0" parTransId="{3AF945E0-19D8-46C5-BD62-69B0EBF8978D}" sibTransId="{37F7D93C-1EBD-43F2-9DE2-D370C6A696C5}"/>
+    <dgm:cxn modelId="{482D0934-1623-4379-9DA6-F7DA4CCDDBC2}" type="presOf" srcId="{41058CF0-4188-4511-A2FB-A67D193E6B8A}" destId="{6E95D030-AC67-410F-A96D-84798D962BDB}" srcOrd="1" destOrd="0" presId="urn:microsoft.com/office/officeart/2008/layout/HorizontalMultiLevelHierarchy"/>
+    <dgm:cxn modelId="{9EA3F6D6-1534-49B3-976F-12EDA83B2CE2}" type="presOf" srcId="{4470663E-DF97-421D-A18C-6D1E8C7F8CEF}" destId="{34378F6B-F925-4254-AECC-1ED806EF919B}" srcOrd="0" destOrd="0" presId="urn:microsoft.com/office/officeart/2008/layout/HorizontalMultiLevelHierarchy"/>
+    <dgm:cxn modelId="{4A91A193-D90D-4F0D-8879-94B65CB5BA3F}" srcId="{8F9D7810-5740-47A2-96C8-2782CFD8A445}" destId="{1F41D0D3-F9FB-43D2-89A7-9AAD8FCEAC57}" srcOrd="0" destOrd="0" parTransId="{6994BF90-D3CD-4C43-AA76-2C17285B2A04}" sibTransId="{7E0423A1-75DB-455E-AB18-10FF93A4003E}"/>
+    <dgm:cxn modelId="{DF422C0C-D6A6-458E-B2B8-7BB8326137E1}" type="presOf" srcId="{D4390ADA-28B2-4A37-821D-9D5EC88F1847}" destId="{47F23041-C9B0-45A3-BCB6-BCB947346535}" srcOrd="0" destOrd="0" presId="urn:microsoft.com/office/officeart/2008/layout/HorizontalMultiLevelHierarchy"/>
+    <dgm:cxn modelId="{549CCA6A-AD43-483A-902E-15CC072DA74F}" type="presOf" srcId="{3AF945E0-19D8-46C5-BD62-69B0EBF8978D}" destId="{D331F09E-BD2A-45C6-9273-0FF41C853DC6}" srcOrd="0" destOrd="0" presId="urn:microsoft.com/office/officeart/2008/layout/HorizontalMultiLevelHierarchy"/>
+    <dgm:cxn modelId="{82D51532-5476-420C-8F1A-1A729BE77A60}" srcId="{7B072FAA-136F-4E42-A3CE-24BE866893D5}" destId="{D9BDC8A0-55EC-4FF3-8999-00B890DFB810}" srcOrd="1" destOrd="0" parTransId="{B7ACD054-242E-4BC2-B004-4F77B46D74D7}" sibTransId="{722F68B4-FE60-4D4D-9C75-F69A97D81372}"/>
+    <dgm:cxn modelId="{98C67AC8-F85F-4B1B-88C7-50468AF62E43}" type="presOf" srcId="{1E336B4A-8B3E-483D-A01B-83F6E5A75AED}" destId="{74429FC7-A6FB-4F8A-A80A-BADB340DBED9}" srcOrd="1" destOrd="0" presId="urn:microsoft.com/office/officeart/2008/layout/HorizontalMultiLevelHierarchy"/>
+    <dgm:cxn modelId="{86F943DA-818F-4FCF-8263-064E04140D2D}" type="presOf" srcId="{1E336B4A-8B3E-483D-A01B-83F6E5A75AED}" destId="{692FF16D-57FC-4159-9698-8D630A7BE3FE}" srcOrd="0" destOrd="0" presId="urn:microsoft.com/office/officeart/2008/layout/HorizontalMultiLevelHierarchy"/>
+    <dgm:cxn modelId="{045D33F9-6EFB-437E-AB24-44806AEFF406}" type="presOf" srcId="{6994BF90-D3CD-4C43-AA76-2C17285B2A04}" destId="{166C79DA-E1C8-4A23-B676-610F5639D0B7}" srcOrd="1" destOrd="0" presId="urn:microsoft.com/office/officeart/2008/layout/HorizontalMultiLevelHierarchy"/>
+    <dgm:cxn modelId="{D5784F94-CC6A-4876-ABD3-A3A3318F70B8}" srcId="{964D3EAA-969F-483C-9100-16AE4B3B6F81}" destId="{14B2873E-4C92-452F-A6B8-176AD26FA81E}" srcOrd="1" destOrd="0" parTransId="{9DB104A3-5DAC-47F3-AC45-66E0C1CA1B41}" sibTransId="{67883DE6-1EE8-4A57-B6BC-D340EE193434}"/>
+    <dgm:cxn modelId="{B672F5FB-9C37-4006-BB91-E4CF86F94DE9}" type="presOf" srcId="{BA02D232-9F36-4647-BA7C-4615509D778C}" destId="{0026963B-821D-4AFA-A61F-AFC9BC2CB431}" srcOrd="1" destOrd="0" presId="urn:microsoft.com/office/officeart/2008/layout/HorizontalMultiLevelHierarchy"/>
+    <dgm:cxn modelId="{94CFB18E-AF00-48F1-9715-956A16128160}" type="presOf" srcId="{B7ACD054-242E-4BC2-B004-4F77B46D74D7}" destId="{501B92F8-DF1C-4FD2-B9CD-483D52ED13DD}" srcOrd="0" destOrd="0" presId="urn:microsoft.com/office/officeart/2008/layout/HorizontalMultiLevelHierarchy"/>
+    <dgm:cxn modelId="{FCDB06A7-03F0-47F5-AA9F-6BF57301014F}" type="presOf" srcId="{FDC452CB-4670-486D-81CE-B2991C70BF76}" destId="{C3C9590C-0F93-4352-9C71-0E4B96946F8A}" srcOrd="1" destOrd="0" presId="urn:microsoft.com/office/officeart/2008/layout/HorizontalMultiLevelHierarchy"/>
+    <dgm:cxn modelId="{E2BA682E-729C-432A-9F06-568194A5925E}" type="presOf" srcId="{24775710-FF14-41DE-A6A3-0B7ABF777EDB}" destId="{6BE0F70D-3931-4DC5-A0B9-1F66B2540BB5}" srcOrd="0" destOrd="0" presId="urn:microsoft.com/office/officeart/2008/layout/HorizontalMultiLevelHierarchy"/>
+    <dgm:cxn modelId="{136F2800-2B65-4763-8725-C948F2D18E0A}" type="presOf" srcId="{1F4A10AC-437A-4A03-BE07-4C02440BEBD5}" destId="{35FF8AE6-0624-4ECE-A20C-CC75C0242EAE}" srcOrd="1" destOrd="0" presId="urn:microsoft.com/office/officeart/2008/layout/HorizontalMultiLevelHierarchy"/>
+    <dgm:cxn modelId="{9EA1034E-4683-4FA3-8540-8DC026287C83}" type="presOf" srcId="{6899781C-9CC8-439D-8E91-7D97E1FB99D5}" destId="{E0637EC7-9BA1-4237-9170-6AB9C5A772D6}" srcOrd="0" destOrd="0" presId="urn:microsoft.com/office/officeart/2008/layout/HorizontalMultiLevelHierarchy"/>
+    <dgm:cxn modelId="{52672D5A-CADC-494E-93B2-788C772CCF5A}" type="presOf" srcId="{25D5F1B3-5396-4841-8897-3B72950225D2}" destId="{47385CDA-0D01-42DF-8244-CF712438C1A8}" srcOrd="0" destOrd="0" presId="urn:microsoft.com/office/officeart/2008/layout/HorizontalMultiLevelHierarchy"/>
+    <dgm:cxn modelId="{1905B6C9-39E1-4BF2-BADA-E3A6A8F34FAD}" type="presOf" srcId="{D866321D-C40A-409E-9A81-F4092FDFAFAB}" destId="{9D266C6F-0844-4B44-AC4B-2D65C7F6E480}" srcOrd="0" destOrd="0" presId="urn:microsoft.com/office/officeart/2008/layout/HorizontalMultiLevelHierarchy"/>
+    <dgm:cxn modelId="{F0A26DA9-5890-4EAC-A9A1-1B839B88769B}" srcId="{964D3EAA-969F-483C-9100-16AE4B3B6F81}" destId="{99E73D72-E5E9-4D14-9DEB-F482E319AD73}" srcOrd="0" destOrd="0" parTransId="{5BD2687D-66C5-49A2-877D-D39C6BE6E5B2}" sibTransId="{6D7D61D4-E2B7-4CDC-A73B-D2DBABD9710D}"/>
+    <dgm:cxn modelId="{50F388F0-D927-4333-A8D2-BA272F1CE0DA}" srcId="{D9BDC8A0-55EC-4FF3-8999-00B890DFB810}" destId="{4470663E-DF97-421D-A18C-6D1E8C7F8CEF}" srcOrd="0" destOrd="0" parTransId="{874A2918-9F0B-433A-B36B-28BB512C1A89}" sibTransId="{674A3E98-316C-4EE1-AD65-04BB2C09F27F}"/>
     <dgm:cxn modelId="{41FB3034-AA59-4BA5-BEB9-8F6A89160AD1}" srcId="{24775710-FF14-41DE-A6A3-0B7ABF777EDB}" destId="{3EE55416-3449-4D87-860C-7C325992F746}" srcOrd="1" destOrd="0" parTransId="{EACBE201-E023-495A-97A7-C3338961E1D8}" sibTransId="{AD3A6364-A704-4CF0-94ED-50D411F91799}"/>
-    <dgm:cxn modelId="{30A4FBCD-4A2A-4023-AECA-B8C5BB7BDB03}" type="presOf" srcId="{D9BDC8A0-55EC-4FF3-8999-00B890DFB810}" destId="{7ED4FD98-E7C6-471B-9E7F-4A0B84C9F4E2}" srcOrd="0" destOrd="0" presId="urn:microsoft.com/office/officeart/2008/layout/HorizontalMultiLevelHierarchy"/>
-    <dgm:cxn modelId="{6BC6701A-B522-4674-A82E-D3BFF9EC8B95}" type="presOf" srcId="{58067BC9-A045-4D2F-86DD-033E5A4896D7}" destId="{887F02C3-1E27-4FBB-955E-378EF2F3DB62}" srcOrd="0" destOrd="0" presId="urn:microsoft.com/office/officeart/2008/layout/HorizontalMultiLevelHierarchy"/>
-    <dgm:cxn modelId="{39741883-6AB3-4FAD-9247-6046E2641347}" type="presOf" srcId="{899837B5-1CE5-41EB-9217-958314609117}" destId="{AA3923C2-0A67-4744-937C-80D179275E5B}" srcOrd="0" destOrd="0" presId="urn:microsoft.com/office/officeart/2008/layout/HorizontalMultiLevelHierarchy"/>
-    <dgm:cxn modelId="{76CF79E9-23AA-4102-92ED-CEDF6078BF77}" type="presOf" srcId="{1C635408-7EC9-4F63-87D6-5FC9A2CB4624}" destId="{6BDA673E-08DF-4AAB-82F3-B2DE81AB2F27}" srcOrd="1" destOrd="0" presId="urn:microsoft.com/office/officeart/2008/layout/HorizontalMultiLevelHierarchy"/>
-    <dgm:cxn modelId="{08E3CBD6-E1B1-402B-AB04-55F8AF480FFA}" srcId="{31C85851-D2A5-467F-8038-677F1E61CB78}" destId="{D866321D-C40A-409E-9A81-F4092FDFAFAB}" srcOrd="2" destOrd="0" parTransId="{4AE09D74-96A4-49E9-B1F4-6105053FFD42}" sibTransId="{75DE1BBE-DD40-4A86-8298-708E498E149D}"/>
-    <dgm:cxn modelId="{482D0934-1623-4379-9DA6-F7DA4CCDDBC2}" type="presOf" srcId="{41058CF0-4188-4511-A2FB-A67D193E6B8A}" destId="{6E95D030-AC67-410F-A96D-84798D962BDB}" srcOrd="1" destOrd="0" presId="urn:microsoft.com/office/officeart/2008/layout/HorizontalMultiLevelHierarchy"/>
-    <dgm:cxn modelId="{712C9798-DB7D-4086-BBA2-F8C551CE1099}" type="presOf" srcId="{1B397BA3-5AA3-4AAD-BB9F-3EE06679AA3F}" destId="{C56A81DE-145B-4F7D-8CE5-9C1CFA7F1A77}" srcOrd="0" destOrd="0" presId="urn:microsoft.com/office/officeart/2008/layout/HorizontalMultiLevelHierarchy"/>
-    <dgm:cxn modelId="{1E287025-FC12-455D-81B0-45B530646D43}" type="presOf" srcId="{47AA8D64-C212-40EC-BF25-9F8522C1538F}" destId="{1E3ACE25-E105-44BE-96A4-D3337176D60C}" srcOrd="0" destOrd="0" presId="urn:microsoft.com/office/officeart/2008/layout/HorizontalMultiLevelHierarchy"/>
-    <dgm:cxn modelId="{96FBE90F-E954-45E2-9E10-243E38019092}" type="presOf" srcId="{1F4A10AC-437A-4A03-BE07-4C02440BEBD5}" destId="{E509A342-222F-4FED-88A6-781246DC6B28}" srcOrd="0" destOrd="0" presId="urn:microsoft.com/office/officeart/2008/layout/HorizontalMultiLevelHierarchy"/>
-    <dgm:cxn modelId="{B0983E7E-7FBB-49DD-967A-138D13F0B8CD}" type="presOf" srcId="{4B8BADAB-84F5-4D10-91C0-6FED927F89C0}" destId="{B7BFA08E-2CF6-4042-B835-C77C878B70D4}" srcOrd="0" destOrd="0" presId="urn:microsoft.com/office/officeart/2008/layout/HorizontalMultiLevelHierarchy"/>
+    <dgm:cxn modelId="{5323B367-7046-45AE-A555-F0A2617167D8}" type="presOf" srcId="{7679CDCF-7135-4D58-8A58-50239CA76A43}" destId="{CA7CACB4-B45A-4F60-9613-D0BB47596A30}" srcOrd="0" destOrd="0" presId="urn:microsoft.com/office/officeart/2008/layout/HorizontalMultiLevelHierarchy"/>
+    <dgm:cxn modelId="{7F125555-F717-40E9-A90B-5C7B436838B5}" type="presOf" srcId="{054AC967-0CF2-4448-AC41-92A1CBC526C0}" destId="{80E3881C-F671-4BFB-A57A-EB144C4F9E36}" srcOrd="1" destOrd="0" presId="urn:microsoft.com/office/officeart/2008/layout/HorizontalMultiLevelHierarchy"/>
+    <dgm:cxn modelId="{02D0A5E2-AB35-43F5-A27F-98269AAC4B32}" srcId="{1240F56C-8121-4C26-A397-C8AB913F6110}" destId="{52A98B98-21C6-40B3-A624-A77D59683175}" srcOrd="3" destOrd="0" parTransId="{41058CF0-4188-4511-A2FB-A67D193E6B8A}" sibTransId="{290127EF-634B-45CF-AB20-3B45BDF1D62D}"/>
+    <dgm:cxn modelId="{EDEB1C77-24C2-442A-AA00-55C0C8F765D0}" srcId="{D9BDC8A0-55EC-4FF3-8999-00B890DFB810}" destId="{D4390ADA-28B2-4A37-821D-9D5EC88F1847}" srcOrd="1" destOrd="0" parTransId="{55522F1D-5CD2-4AFD-9BDD-21944E030F28}" sibTransId="{2DAD6FEC-CFE9-45E7-9332-387699A9CD46}"/>
+    <dgm:cxn modelId="{9A7600F4-DC52-4A37-B48D-D6E0D400165E}" type="presOf" srcId="{58067BC9-A045-4D2F-86DD-033E5A4896D7}" destId="{0129A6AE-7093-4A30-A1C7-286B3F90FE0D}" srcOrd="1" destOrd="0" presId="urn:microsoft.com/office/officeart/2008/layout/HorizontalMultiLevelHierarchy"/>
+    <dgm:cxn modelId="{E68CBDB8-6EEA-4B7A-B53B-77386742059A}" type="presOf" srcId="{9042B8AC-2257-49D0-BD60-A193D639BB5F}" destId="{AD0EA5B1-0ACF-4E79-9B7A-8A32DFD7A84D}" srcOrd="0" destOrd="0" presId="urn:microsoft.com/office/officeart/2008/layout/HorizontalMultiLevelHierarchy"/>
+    <dgm:cxn modelId="{C961BEC7-76AB-4808-A373-A4E8AD313F2A}" type="presOf" srcId="{971D748E-609C-46D0-8C87-804513E64470}" destId="{2B84B0CF-DB6D-4BE7-A45A-BC00A083ABC4}" srcOrd="0" destOrd="0" presId="urn:microsoft.com/office/officeart/2008/layout/HorizontalMultiLevelHierarchy"/>
+    <dgm:cxn modelId="{5061EFC0-AE13-4A08-B32E-95F277ABBD7B}" type="presOf" srcId="{41058CF0-4188-4511-A2FB-A67D193E6B8A}" destId="{26A27ACB-D2D7-41DD-9263-A7D6F1213EA2}" srcOrd="0" destOrd="0" presId="urn:microsoft.com/office/officeart/2008/layout/HorizontalMultiLevelHierarchy"/>
+    <dgm:cxn modelId="{6535EA22-F1A0-45CD-BC41-334ABC7DACF7}" srcId="{4470663E-DF97-421D-A18C-6D1E8C7F8CEF}" destId="{964D3EAA-969F-483C-9100-16AE4B3B6F81}" srcOrd="3" destOrd="0" parTransId="{054AC967-0CF2-4448-AC41-92A1CBC526C0}" sibTransId="{0C03172D-5F64-402E-A997-D73C406B8EE6}"/>
+    <dgm:cxn modelId="{3138D6C3-6080-4AB7-BF43-E29BF9C6148F}" srcId="{52A98B98-21C6-40B3-A624-A77D59683175}" destId="{24775710-FF14-41DE-A6A3-0B7ABF777EDB}" srcOrd="0" destOrd="0" parTransId="{1C635408-7EC9-4F63-87D6-5FC9A2CB4624}" sibTransId="{4802E52E-CFC3-46A6-800B-655BADF83FB1}"/>
+    <dgm:cxn modelId="{D27A4DF3-51D3-4565-A31E-C2499D543094}" type="presOf" srcId="{8C482DCD-1037-4A44-B9F9-07F01301E9AF}" destId="{05A3307D-147A-4848-98CA-E44DA5AC2559}" srcOrd="0" destOrd="0" presId="urn:microsoft.com/office/officeart/2008/layout/HorizontalMultiLevelHierarchy"/>
     <dgm:cxn modelId="{ABC7966F-F18D-4DF9-8A51-C3A37272BCDC}" srcId="{31C85851-D2A5-467F-8038-677F1E61CB78}" destId="{574EEAA5-DBB4-483F-B3E5-FBADF5645939}" srcOrd="1" destOrd="0" parTransId="{5D8B00CE-29ED-49DF-BF6C-A0B2598C2CDF}" sibTransId="{218FA8A7-EF2A-44CD-989D-802AF9023E26}"/>
-    <dgm:cxn modelId="{578AFB30-ABC8-44C0-86E2-25A5977FA3ED}" srcId="{899837B5-1CE5-41EB-9217-958314609117}" destId="{2040336D-AF7A-45CA-8BF0-0413E4833863}" srcOrd="1" destOrd="0" parTransId="{25D5F1B3-5396-4841-8897-3B72950225D2}" sibTransId="{19EB3D61-F964-41E0-AA16-B42880DB3479}"/>
-    <dgm:cxn modelId="{31DCDB17-F1D2-4B11-A2EF-5A4EF6472F38}" type="presOf" srcId="{BA02D232-9F36-4647-BA7C-4615509D778C}" destId="{3FE75F39-BD94-46E5-A69F-DB3CEAF09D69}" srcOrd="0" destOrd="0" presId="urn:microsoft.com/office/officeart/2008/layout/HorizontalMultiLevelHierarchy"/>
-    <dgm:cxn modelId="{5FB09552-640E-4F08-87A0-4E93927F2D09}" srcId="{D4390ADA-28B2-4A37-821D-9D5EC88F1847}" destId="{0594C2EA-C152-45BF-A475-E3AC92E83DC4}" srcOrd="0" destOrd="0" parTransId="{0D12B47B-D4D3-44FC-ABA6-CB90145DFE18}" sibTransId="{4F04AAAA-3095-4F06-B0AD-35DCBCF1F49F}"/>
-    <dgm:cxn modelId="{DF422C0C-D6A6-458E-B2B8-7BB8326137E1}" type="presOf" srcId="{D4390ADA-28B2-4A37-821D-9D5EC88F1847}" destId="{47F23041-C9B0-45A3-BCB6-BCB947346535}" srcOrd="0" destOrd="0" presId="urn:microsoft.com/office/officeart/2008/layout/HorizontalMultiLevelHierarchy"/>
-    <dgm:cxn modelId="{EC104C8A-4C4D-45D0-A0A8-85027FD1427E}" type="presOf" srcId="{568178C8-769E-43B7-8451-028049D6F920}" destId="{A365AA2F-E449-490A-BBB9-4832D7E35BBE}" srcOrd="0" destOrd="0" presId="urn:microsoft.com/office/officeart/2008/layout/HorizontalMultiLevelHierarchy"/>
-    <dgm:cxn modelId="{A19DE1FA-1DE1-4CA1-9471-9DD568E78D54}" type="presOf" srcId="{9DB104A3-5DAC-47F3-AC45-66E0C1CA1B41}" destId="{1233A4FA-1D1C-4043-92C9-2138B1B5CBE5}" srcOrd="1" destOrd="0" presId="urn:microsoft.com/office/officeart/2008/layout/HorizontalMultiLevelHierarchy"/>
-    <dgm:cxn modelId="{175CB740-18B0-4D20-900A-867F46368A72}" type="presOf" srcId="{42BA3355-2004-4E59-8E5C-D428BB114B18}" destId="{92B924B6-EF72-421D-9737-ED027C32628A}" srcOrd="0" destOrd="0" presId="urn:microsoft.com/office/officeart/2008/layout/HorizontalMultiLevelHierarchy"/>
-    <dgm:cxn modelId="{810BDB94-6B46-4B9C-9A45-A6F9DB753B1E}" type="presOf" srcId="{EACBE201-E023-495A-97A7-C3338961E1D8}" destId="{C0F5429A-3607-4132-8852-FD67BFE633D9}" srcOrd="0" destOrd="0" presId="urn:microsoft.com/office/officeart/2008/layout/HorizontalMultiLevelHierarchy"/>
-    <dgm:cxn modelId="{9EA1034E-4683-4FA3-8540-8DC026287C83}" type="presOf" srcId="{6899781C-9CC8-439D-8E91-7D97E1FB99D5}" destId="{E0637EC7-9BA1-4237-9170-6AB9C5A772D6}" srcOrd="0" destOrd="0" presId="urn:microsoft.com/office/officeart/2008/layout/HorizontalMultiLevelHierarchy"/>
-    <dgm:cxn modelId="{10EC1281-2137-4BFB-92F7-81FA6688A89F}" type="presOf" srcId="{4AE09D74-96A4-49E9-B1F4-6105053FFD42}" destId="{74F40636-A7C1-4F9C-83D4-50C015106B4F}" srcOrd="0" destOrd="0" presId="urn:microsoft.com/office/officeart/2008/layout/HorizontalMultiLevelHierarchy"/>
-    <dgm:cxn modelId="{7ACBC121-9EF3-4D18-A3C9-02A6B7DA148B}" type="presOf" srcId="{5BD2687D-66C5-49A2-877D-D39C6BE6E5B2}" destId="{07528020-F7FC-4BB5-8D06-99BAC7599D19}" srcOrd="0" destOrd="0" presId="urn:microsoft.com/office/officeart/2008/layout/HorizontalMultiLevelHierarchy"/>
-    <dgm:cxn modelId="{AB659A30-BD81-4E31-AA1D-1C27C7039086}" type="presOf" srcId="{FDC452CB-4670-486D-81CE-B2991C70BF76}" destId="{452FDBC0-D070-4A47-A9D2-C011DEF3328F}" srcOrd="0" destOrd="0" presId="urn:microsoft.com/office/officeart/2008/layout/HorizontalMultiLevelHierarchy"/>
-    <dgm:cxn modelId="{D8759A69-BB32-4A8F-A151-A2960E42349E}" type="presOf" srcId="{8C482DCD-1037-4A44-B9F9-07F01301E9AF}" destId="{2B43E4BC-DAA7-41B4-949E-6F270A71B5E8}" srcOrd="1" destOrd="0" presId="urn:microsoft.com/office/officeart/2008/layout/HorizontalMultiLevelHierarchy"/>
-    <dgm:cxn modelId="{350158C2-9B4C-4CE6-8D83-A169FDB69A7A}" type="presOf" srcId="{1240F56C-8121-4C26-A397-C8AB913F6110}" destId="{56F4A8D9-333B-4F0D-8157-28BF03C7FF29}" srcOrd="0" destOrd="0" presId="urn:microsoft.com/office/officeart/2008/layout/HorizontalMultiLevelHierarchy"/>
-    <dgm:cxn modelId="{72142E2E-2F21-432E-A6DD-AE52E4909C9C}" type="presOf" srcId="{B7ACD054-242E-4BC2-B004-4F77B46D74D7}" destId="{0E4AE148-7C35-443C-A06E-3B310BE8A928}" srcOrd="1" destOrd="0" presId="urn:microsoft.com/office/officeart/2008/layout/HorizontalMultiLevelHierarchy"/>
-    <dgm:cxn modelId="{0CCC0D2D-2519-43FF-962D-4665A86FCAAE}" type="presOf" srcId="{5F7D1E16-A185-4F6A-B836-99B536170C3A}" destId="{3B99684E-88A3-4CE8-96C7-E4F66E45577B}" srcOrd="0" destOrd="0" presId="urn:microsoft.com/office/officeart/2008/layout/HorizontalMultiLevelHierarchy"/>
-    <dgm:cxn modelId="{87D8FF4C-A37E-4D32-8C9E-3B0EE2936F11}" type="presOf" srcId="{55522F1D-5CD2-4AFD-9BDD-21944E030F28}" destId="{2B70A31E-3869-486A-89CD-A8D2C13C2F71}" srcOrd="1" destOrd="0" presId="urn:microsoft.com/office/officeart/2008/layout/HorizontalMultiLevelHierarchy"/>
-    <dgm:cxn modelId="{98C67AC8-F85F-4B1B-88C7-50468AF62E43}" type="presOf" srcId="{1E336B4A-8B3E-483D-A01B-83F6E5A75AED}" destId="{74429FC7-A6FB-4F8A-A80A-BADB340DBED9}" srcOrd="1" destOrd="0" presId="urn:microsoft.com/office/officeart/2008/layout/HorizontalMultiLevelHierarchy"/>
-    <dgm:cxn modelId="{FB43C67A-66BE-403E-B7FC-81955D856E1F}" type="presOf" srcId="{0594C2EA-C152-45BF-A475-E3AC92E83DC4}" destId="{B6E9A68D-B797-40B6-957A-09BA4A5C2FCB}" srcOrd="0" destOrd="0" presId="urn:microsoft.com/office/officeart/2008/layout/HorizontalMultiLevelHierarchy"/>
-    <dgm:cxn modelId="{1905B6C9-39E1-4BF2-BADA-E3A6A8F34FAD}" type="presOf" srcId="{D866321D-C40A-409E-9A81-F4092FDFAFAB}" destId="{9D266C6F-0844-4B44-AC4B-2D65C7F6E480}" srcOrd="0" destOrd="0" presId="urn:microsoft.com/office/officeart/2008/layout/HorizontalMultiLevelHierarchy"/>
-    <dgm:cxn modelId="{5FCA992B-2E41-4FB9-AF14-18753D4E3DB3}" srcId="{4470663E-DF97-421D-A18C-6D1E8C7F8CEF}" destId="{1B397BA3-5AA3-4AAD-BB9F-3EE06679AA3F}" srcOrd="0" destOrd="0" parTransId="{5F46F3A1-B64A-4B6D-89AC-7E0CB8888EDA}" sibTransId="{9C010DE8-D52F-415F-8994-F0CA6BB60FF8}"/>
-    <dgm:cxn modelId="{3227A125-A426-4EDC-8138-AF56C223A1D0}" type="presOf" srcId="{5F46F3A1-B64A-4B6D-89AC-7E0CB8888EDA}" destId="{21C89402-42B2-4959-8715-AE9039860CC3}" srcOrd="1" destOrd="0" presId="urn:microsoft.com/office/officeart/2008/layout/HorizontalMultiLevelHierarchy"/>
-    <dgm:cxn modelId="{A167B170-5848-40AA-9712-4A41F5BE584B}" srcId="{24775710-FF14-41DE-A6A3-0B7ABF777EDB}" destId="{D1966BAF-06B2-48A6-892E-9423623BF184}" srcOrd="2" destOrd="0" parTransId="{8C482DCD-1037-4A44-B9F9-07F01301E9AF}" sibTransId="{FB27558B-6F0F-4622-9389-3EE38433BA24}"/>
-    <dgm:cxn modelId="{7BCEBC60-EBB5-4CB1-BE23-4DFEEF58C719}" type="presOf" srcId="{9DB104A3-5DAC-47F3-AC45-66E0C1CA1B41}" destId="{80DA59E6-2EB8-4F57-9942-B76273BE3E37}" srcOrd="0" destOrd="0" presId="urn:microsoft.com/office/officeart/2008/layout/HorizontalMultiLevelHierarchy"/>
-    <dgm:cxn modelId="{86F943DA-818F-4FCF-8263-064E04140D2D}" type="presOf" srcId="{1E336B4A-8B3E-483D-A01B-83F6E5A75AED}" destId="{692FF16D-57FC-4159-9698-8D630A7BE3FE}" srcOrd="0" destOrd="0" presId="urn:microsoft.com/office/officeart/2008/layout/HorizontalMultiLevelHierarchy"/>
+    <dgm:cxn modelId="{11A98DCE-A41D-493A-A7C2-8D420158D64E}" type="presOf" srcId="{1D724EE1-1803-43A2-AAB9-FB282773DE6B}" destId="{EF52F6D3-7B31-4BE9-AE0D-E950B13109EB}" srcOrd="0" destOrd="0" presId="urn:microsoft.com/office/officeart/2008/layout/HorizontalMultiLevelHierarchy"/>
+    <dgm:cxn modelId="{1E58773B-DC4A-4067-B0FD-5AA789B67C27}" type="presOf" srcId="{874A2918-9F0B-433A-B36B-28BB512C1A89}" destId="{D969BEC3-F91B-4748-90E6-7B38E5E4EDF7}" srcOrd="0" destOrd="0" presId="urn:microsoft.com/office/officeart/2008/layout/HorizontalMultiLevelHierarchy"/>
+    <dgm:cxn modelId="{08E17BAE-8474-4647-9971-8A42B2A69ACF}" srcId="{E74797AC-EF43-43C8-A927-9D3F248E3DCC}" destId="{568178C8-769E-43B7-8451-028049D6F920}" srcOrd="2" destOrd="0" parTransId="{58067BC9-A045-4D2F-86DD-033E5A4896D7}" sibTransId="{5C3CB9A0-FEB0-4319-9D58-46C69752680E}"/>
+    <dgm:cxn modelId="{00B9EA16-CBDB-417D-8499-D3E328315256}" type="presOf" srcId="{9042B8AC-2257-49D0-BD60-A193D639BB5F}" destId="{937C9145-5407-45A2-8C73-2A8D2A59211A}" srcOrd="1" destOrd="0" presId="urn:microsoft.com/office/officeart/2008/layout/HorizontalMultiLevelHierarchy"/>
     <dgm:cxn modelId="{C897AF95-6CE0-4715-9825-723EB67A982B}" type="presOf" srcId="{7B072FAA-136F-4E42-A3CE-24BE866893D5}" destId="{74DD301F-021A-47BB-9053-E3B5B5CD0586}" srcOrd="0" destOrd="0" presId="urn:microsoft.com/office/officeart/2008/layout/HorizontalMultiLevelHierarchy"/>
     <dgm:cxn modelId="{35703B20-8409-412C-BE17-3CD08672FD41}" srcId="{E74797AC-EF43-43C8-A927-9D3F248E3DCC}" destId="{D4A4683D-6358-4373-B10C-F4E82B141666}" srcOrd="1" destOrd="0" parTransId="{BA02D232-9F36-4647-BA7C-4615509D778C}" sibTransId="{23F9614D-282C-4749-9E8A-5F4A97BC0153}"/>
-    <dgm:cxn modelId="{05ADE4B5-B62F-48CF-A9F0-8EF67D3E7671}" type="presOf" srcId="{31C85851-D2A5-467F-8038-677F1E61CB78}" destId="{FDD95464-2899-45AC-9B3E-CF2DB61200E7}" srcOrd="0" destOrd="0" presId="urn:microsoft.com/office/officeart/2008/layout/HorizontalMultiLevelHierarchy"/>
-    <dgm:cxn modelId="{C5E54A5C-0ABD-47E9-A508-B3442CBC5C27}" type="presOf" srcId="{E74797AC-EF43-43C8-A927-9D3F248E3DCC}" destId="{F34AF0B9-6407-4B50-ACFC-88A4D09017A0}" srcOrd="0" destOrd="0" presId="urn:microsoft.com/office/officeart/2008/layout/HorizontalMultiLevelHierarchy"/>
+    <dgm:cxn modelId="{009F826F-B23F-4299-94D5-DFC3471EFDE8}" type="presOf" srcId="{F98F6E85-68A8-43D7-A764-7758A22A3FBB}" destId="{151FEBA2-2601-4C4E-B3EB-4CB0FA4A0D00}" srcOrd="0" destOrd="0" presId="urn:microsoft.com/office/officeart/2008/layout/HorizontalMultiLevelHierarchy"/>
+    <dgm:cxn modelId="{BD245152-5222-43CF-8EF0-187A42BAC092}" type="presOf" srcId="{818D3BE1-B905-43F7-899C-81CB07B02D61}" destId="{647E08E0-3B9B-4436-928A-288F2857661C}" srcOrd="0" destOrd="0" presId="urn:microsoft.com/office/officeart/2008/layout/HorizontalMultiLevelHierarchy"/>
     <dgm:cxn modelId="{B959F427-EB10-4AEE-9800-BB09438D0D8B}" srcId="{31C85851-D2A5-467F-8038-677F1E61CB78}" destId="{A33D130F-5BAA-4275-BD7F-21D6A2ED909C}" srcOrd="0" destOrd="0" parTransId="{1F4A10AC-437A-4A03-BE07-4C02440BEBD5}" sibTransId="{3A784506-1576-4359-92D6-44FF5E6720F1}"/>
-    <dgm:cxn modelId="{FBB11290-46CC-482D-8E3B-87BED3A4A107}" type="presOf" srcId="{C4EFE703-41C5-419C-A65E-A57DE3ADB31A}" destId="{84AE606B-6A99-402F-A9E0-69F702B9BF9E}" srcOrd="1" destOrd="0" presId="urn:microsoft.com/office/officeart/2008/layout/HorizontalMultiLevelHierarchy"/>
-    <dgm:cxn modelId="{DEA84F0C-0DF4-47D7-9544-42413E3A8334}" srcId="{F98F6E85-68A8-43D7-A764-7758A22A3FBB}" destId="{7B072FAA-136F-4E42-A3CE-24BE866893D5}" srcOrd="0" destOrd="0" parTransId="{36195637-4E27-4FF1-AE57-259CC13055AF}" sibTransId="{DFF6D902-FDD2-4F22-A747-449DB5A2E7A1}"/>
-    <dgm:cxn modelId="{F45476CF-AFB1-49A8-B40D-FB728C652C89}" type="presOf" srcId="{6994BF90-D3CD-4C43-AA76-2C17285B2A04}" destId="{41B23BDC-9DAD-47E4-85D0-9F6B88C38E2E}" srcOrd="0" destOrd="0" presId="urn:microsoft.com/office/officeart/2008/layout/HorizontalMultiLevelHierarchy"/>
-    <dgm:cxn modelId="{4A1C454D-A66B-449A-AE3D-7DF387AAE230}" type="presOf" srcId="{1953E09C-0953-4A8A-9322-4E63DC7E3460}" destId="{1445E7E4-4F0A-4559-AC6A-56498D456D9A}" srcOrd="1" destOrd="0" presId="urn:microsoft.com/office/officeart/2008/layout/HorizontalMultiLevelHierarchy"/>
-    <dgm:cxn modelId="{9EA3F6D6-1534-49B3-976F-12EDA83B2CE2}" type="presOf" srcId="{4470663E-DF97-421D-A18C-6D1E8C7F8CEF}" destId="{34378F6B-F925-4254-AECC-1ED806EF919B}" srcOrd="0" destOrd="0" presId="urn:microsoft.com/office/officeart/2008/layout/HorizontalMultiLevelHierarchy"/>
-    <dgm:cxn modelId="{6720592A-CEA2-47CA-83F1-9A3EEEEB03EC}" srcId="{4470663E-DF97-421D-A18C-6D1E8C7F8CEF}" destId="{95873094-74E3-4901-80CB-D794BED06E8D}" srcOrd="2" destOrd="0" parTransId="{B6997264-9705-4960-9C26-9EC510B8D6AC}" sibTransId="{749610AD-C01B-40BE-83ED-5D134A5E3FC7}"/>
-    <dgm:cxn modelId="{1880C344-12A8-4705-8F16-9F6C04F0C4BC}" type="presOf" srcId="{054AC967-0CF2-4448-AC41-92A1CBC526C0}" destId="{CD547358-B65F-4D3A-BE07-CB3D9FCA6D98}" srcOrd="0" destOrd="0" presId="urn:microsoft.com/office/officeart/2008/layout/HorizontalMultiLevelHierarchy"/>
-    <dgm:cxn modelId="{3F490F94-0FCC-48F4-ABEA-75C706B3B1D5}" type="presOf" srcId="{AA87141E-EFE5-4807-AAFD-513C745F3230}" destId="{CD6454CB-B659-4277-ACAB-F712D4DFDCC0}" srcOrd="0" destOrd="0" presId="urn:microsoft.com/office/officeart/2008/layout/HorizontalMultiLevelHierarchy"/>
-    <dgm:cxn modelId="{00B9EA16-CBDB-417D-8499-D3E328315256}" type="presOf" srcId="{9042B8AC-2257-49D0-BD60-A193D639BB5F}" destId="{937C9145-5407-45A2-8C73-2A8D2A59211A}" srcOrd="1" destOrd="0" presId="urn:microsoft.com/office/officeart/2008/layout/HorizontalMultiLevelHierarchy"/>
-    <dgm:cxn modelId="{A0E7D949-004B-4D22-9EB0-4700DF38B696}" srcId="{1D724EE1-1803-43A2-AAB9-FB282773DE6B}" destId="{61839AAB-6604-4DE4-9E7F-5B417109F97C}" srcOrd="0" destOrd="0" parTransId="{A42CD704-915B-44DD-9989-3204042A4147}" sibTransId="{6307386A-870A-47B4-AC5D-19825D8963D7}"/>
-    <dgm:cxn modelId="{62454EBE-2E37-4C42-9F27-4D2DB464B57A}" type="presOf" srcId="{2040336D-AF7A-45CA-8BF0-0413E4833863}" destId="{64A65DC2-DA79-4CE2-BC71-028CF390C43A}" srcOrd="0" destOrd="0" presId="urn:microsoft.com/office/officeart/2008/layout/HorizontalMultiLevelHierarchy"/>
-    <dgm:cxn modelId="{B08DB0EA-DD84-4C34-AD67-AD766457A6A1}" type="presOf" srcId="{47AA8D64-C212-40EC-BF25-9F8522C1538F}" destId="{6A9607FD-57F1-4751-B3B1-2FEF6E1E2350}" srcOrd="1" destOrd="0" presId="urn:microsoft.com/office/officeart/2008/layout/HorizontalMultiLevelHierarchy"/>
-    <dgm:cxn modelId="{3C73FCB2-36AE-4579-9843-B00E0E8098DE}" type="presOf" srcId="{8F9D7810-5740-47A2-96C8-2782CFD8A445}" destId="{25A0EDEF-527B-4658-8B48-E0AA084AE3CD}" srcOrd="0" destOrd="0" presId="urn:microsoft.com/office/officeart/2008/layout/HorizontalMultiLevelHierarchy"/>
-    <dgm:cxn modelId="{E1202C92-BD4F-45D6-AF65-17DE74A2EAEC}" type="presOf" srcId="{3AF945E0-19D8-46C5-BD62-69B0EBF8978D}" destId="{33B04F85-6C49-4E7B-8971-032A38FF8D32}" srcOrd="1" destOrd="0" presId="urn:microsoft.com/office/officeart/2008/layout/HorizontalMultiLevelHierarchy"/>
-    <dgm:cxn modelId="{0B94DB5F-7E11-4D1C-B13E-CA8611DCBF94}" type="presOf" srcId="{AD6B27DE-31AE-4603-8264-96EFEFCF2C87}" destId="{9B09B518-562F-4466-88B5-0DE3D935B165}" srcOrd="0" destOrd="0" presId="urn:microsoft.com/office/officeart/2008/layout/HorizontalMultiLevelHierarchy"/>
-    <dgm:cxn modelId="{6EB307C6-2C6C-4820-A8AD-B0FA59A4FFD5}" type="presOf" srcId="{A42CD704-915B-44DD-9989-3204042A4147}" destId="{8B29A31F-2BDB-4E28-8F9B-BE5CBD18CC7F}" srcOrd="1" destOrd="0" presId="urn:microsoft.com/office/officeart/2008/layout/HorizontalMultiLevelHierarchy"/>
-    <dgm:cxn modelId="{EDEB1C77-24C2-442A-AA00-55C0C8F765D0}" srcId="{D9BDC8A0-55EC-4FF3-8999-00B890DFB810}" destId="{D4390ADA-28B2-4A37-821D-9D5EC88F1847}" srcOrd="1" destOrd="0" parTransId="{55522F1D-5CD2-4AFD-9BDD-21944E030F28}" sibTransId="{2DAD6FEC-CFE9-45E7-9332-387699A9CD46}"/>
-    <dgm:cxn modelId="{BD245152-5222-43CF-8EF0-187A42BAC092}" type="presOf" srcId="{818D3BE1-B905-43F7-899C-81CB07B02D61}" destId="{647E08E0-3B9B-4436-928A-288F2857661C}" srcOrd="0" destOrd="0" presId="urn:microsoft.com/office/officeart/2008/layout/HorizontalMultiLevelHierarchy"/>
-    <dgm:cxn modelId="{B91652A2-8768-4FF1-988F-A1559672A851}" srcId="{899837B5-1CE5-41EB-9217-958314609117}" destId="{7679CDCF-7135-4D58-8A58-50239CA76A43}" srcOrd="2" destOrd="0" parTransId="{827DA4AD-7D4B-4E67-8E50-BB4913DA9FE6}" sibTransId="{6B8B9A9D-B371-4049-9245-A0DEEF28D7AC}"/>
-    <dgm:cxn modelId="{94CFB18E-AF00-48F1-9715-956A16128160}" type="presOf" srcId="{B7ACD054-242E-4BC2-B004-4F77B46D74D7}" destId="{501B92F8-DF1C-4FD2-B9CD-483D52ED13DD}" srcOrd="0" destOrd="0" presId="urn:microsoft.com/office/officeart/2008/layout/HorizontalMultiLevelHierarchy"/>
-    <dgm:cxn modelId="{B346C7DA-E752-404B-B1FA-C59BF09B51F3}" srcId="{964D3EAA-969F-483C-9100-16AE4B3B6F81}" destId="{2D914228-475B-4F0F-812B-4E6958ED1AC5}" srcOrd="2" destOrd="0" parTransId="{AABA3D2A-02FB-4BF2-AF70-7F429A62AB0D}" sibTransId="{FA59E034-7E5F-4C26-9861-4EC48E9B3456}"/>
-    <dgm:cxn modelId="{C961BEC7-76AB-4808-A373-A4E8AD313F2A}" type="presOf" srcId="{971D748E-609C-46D0-8C87-804513E64470}" destId="{2B84B0CF-DB6D-4BE7-A45A-BC00A083ABC4}" srcOrd="0" destOrd="0" presId="urn:microsoft.com/office/officeart/2008/layout/HorizontalMultiLevelHierarchy"/>
-    <dgm:cxn modelId="{B672F5FB-9C37-4006-BB91-E4CF86F94DE9}" type="presOf" srcId="{BA02D232-9F36-4647-BA7C-4615509D778C}" destId="{0026963B-821D-4AFA-A61F-AFC9BC2CB431}" srcOrd="1" destOrd="0" presId="urn:microsoft.com/office/officeart/2008/layout/HorizontalMultiLevelHierarchy"/>
-    <dgm:cxn modelId="{6E345B76-5687-42F7-BADD-6C2D733ED44C}" type="presOf" srcId="{1C635408-7EC9-4F63-87D6-5FC9A2CB4624}" destId="{BBA6212A-0EA9-409B-AD17-91B8DF5ECD31}" srcOrd="0" destOrd="0" presId="urn:microsoft.com/office/officeart/2008/layout/HorizontalMultiLevelHierarchy"/>
-    <dgm:cxn modelId="{11A98DCE-A41D-493A-A7C2-8D420158D64E}" type="presOf" srcId="{1D724EE1-1803-43A2-AAB9-FB282773DE6B}" destId="{EF52F6D3-7B31-4BE9-AE0D-E950B13109EB}" srcOrd="0" destOrd="0" presId="urn:microsoft.com/office/officeart/2008/layout/HorizontalMultiLevelHierarchy"/>
-    <dgm:cxn modelId="{041DBE99-26DB-413D-86F2-89341718D3EC}" type="presOf" srcId="{309037A8-B898-4B63-B82B-2930A2DC8B90}" destId="{0DADD086-0152-4477-84C3-19DE99BBE022}" srcOrd="0" destOrd="0" presId="urn:microsoft.com/office/officeart/2008/layout/HorizontalMultiLevelHierarchy"/>
-    <dgm:cxn modelId="{52672D5A-CADC-494E-93B2-788C772CCF5A}" type="presOf" srcId="{25D5F1B3-5396-4841-8897-3B72950225D2}" destId="{47385CDA-0D01-42DF-8244-CF712438C1A8}" srcOrd="0" destOrd="0" presId="urn:microsoft.com/office/officeart/2008/layout/HorizontalMultiLevelHierarchy"/>
-    <dgm:cxn modelId="{9144B4FF-909A-4827-B53F-AEB1499631FC}" type="presOf" srcId="{25D5F1B3-5396-4841-8897-3B72950225D2}" destId="{719E4F19-8F95-44AA-AFA2-605B51C7E350}" srcOrd="1" destOrd="0" presId="urn:microsoft.com/office/officeart/2008/layout/HorizontalMultiLevelHierarchy"/>
-    <dgm:cxn modelId="{F4D45FA7-D590-4E4D-A17D-98F0A2A39C49}" srcId="{8F9D7810-5740-47A2-96C8-2782CFD8A445}" destId="{DE5801C1-2062-4BDE-8AD8-FFC625AF8C36}" srcOrd="1" destOrd="0" parTransId="{47AA8D64-C212-40EC-BF25-9F8522C1538F}" sibTransId="{79607FF3-6ACE-451D-9124-B59BB1673475}"/>
-    <dgm:cxn modelId="{FF78ADA5-8C24-4739-AAEB-CAE77B23E965}" type="presOf" srcId="{55522F1D-5CD2-4AFD-9BDD-21944E030F28}" destId="{BF74DBF1-415D-4EA9-9EA9-27A9333E55EE}" srcOrd="0" destOrd="0" presId="urn:microsoft.com/office/officeart/2008/layout/HorizontalMultiLevelHierarchy"/>
-    <dgm:cxn modelId="{0ED6375E-4A9F-46C8-81EA-089165E5DDF8}" type="presOf" srcId="{99E73D72-E5E9-4D14-9DEB-F482E319AD73}" destId="{7BDDE487-3CE5-4623-9E33-3853844C04E2}" srcOrd="0" destOrd="0" presId="urn:microsoft.com/office/officeart/2008/layout/HorizontalMultiLevelHierarchy"/>
-    <dgm:cxn modelId="{AB5896C4-5491-461D-807B-8A934F72C30A}" type="presOf" srcId="{C4EFE703-41C5-419C-A65E-A57DE3ADB31A}" destId="{E129D726-8221-42F0-B49D-9677745FCC0A}" srcOrd="0" destOrd="0" presId="urn:microsoft.com/office/officeart/2008/layout/HorizontalMultiLevelHierarchy"/>
-    <dgm:cxn modelId="{2636D867-65CC-4654-940C-E7FB6DE1BAD4}" srcId="{8F9D7810-5740-47A2-96C8-2782CFD8A445}" destId="{6899781C-9CC8-439D-8E91-7D97E1FB99D5}" srcOrd="2" destOrd="0" parTransId="{AD6B27DE-31AE-4603-8264-96EFEFCF2C87}" sibTransId="{B7F7329C-C59C-4555-BF66-EB642962B66C}"/>
-    <dgm:cxn modelId="{D27A4DF3-51D3-4565-A31E-C2499D543094}" type="presOf" srcId="{8C482DCD-1037-4A44-B9F9-07F01301E9AF}" destId="{05A3307D-147A-4848-98CA-E44DA5AC2559}" srcOrd="0" destOrd="0" presId="urn:microsoft.com/office/officeart/2008/layout/HorizontalMultiLevelHierarchy"/>
-    <dgm:cxn modelId="{EECC8021-8ECE-454A-B567-D398DA8E628E}" type="presOf" srcId="{5BD2687D-66C5-49A2-877D-D39C6BE6E5B2}" destId="{339E9FD9-CC47-4E48-A92D-E0CAAED7545A}" srcOrd="1" destOrd="0" presId="urn:microsoft.com/office/officeart/2008/layout/HorizontalMultiLevelHierarchy"/>
-    <dgm:cxn modelId="{01F86812-E572-4370-A384-F76FABBEA780}" type="presOf" srcId="{D1966BAF-06B2-48A6-892E-9423623BF184}" destId="{A0D911DB-B289-4845-A735-B39DB2C0BCEB}" srcOrd="0" destOrd="0" presId="urn:microsoft.com/office/officeart/2008/layout/HorizontalMultiLevelHierarchy"/>
-    <dgm:cxn modelId="{5766946D-088D-4E9E-BAC5-0D3E4648F8B0}" type="presOf" srcId="{AD6B27DE-31AE-4603-8264-96EFEFCF2C87}" destId="{20861EDE-F8FE-4851-8448-2047CF7DA964}" srcOrd="1" destOrd="0" presId="urn:microsoft.com/office/officeart/2008/layout/HorizontalMultiLevelHierarchy"/>
-    <dgm:cxn modelId="{4A91A193-D90D-4F0D-8879-94B65CB5BA3F}" srcId="{8F9D7810-5740-47A2-96C8-2782CFD8A445}" destId="{1F41D0D3-F9FB-43D2-89A7-9AAD8FCEAC57}" srcOrd="0" destOrd="0" parTransId="{6994BF90-D3CD-4C43-AA76-2C17285B2A04}" sibTransId="{7E0423A1-75DB-455E-AB18-10FF93A4003E}"/>
-    <dgm:cxn modelId="{D71717BC-8F1C-4FBE-8236-BF54F2EC6DDD}" type="presOf" srcId="{1953E09C-0953-4A8A-9322-4E63DC7E3460}" destId="{C1F9F8A6-2FDE-43FB-A42D-A63A426CCD72}" srcOrd="0" destOrd="0" presId="urn:microsoft.com/office/officeart/2008/layout/HorizontalMultiLevelHierarchy"/>
-    <dgm:cxn modelId="{D3A92EA5-91A4-4527-86BD-BF641AFA9D13}" type="presOf" srcId="{A42CD704-915B-44DD-9989-3204042A4147}" destId="{A95D8640-C30E-41B1-8DB4-877C17787195}" srcOrd="0" destOrd="0" presId="urn:microsoft.com/office/officeart/2008/layout/HorizontalMultiLevelHierarchy"/>
-    <dgm:cxn modelId="{1571CC67-D06C-40EE-8763-BC39505DD2AD}" type="presOf" srcId="{5F46F3A1-B64A-4B6D-89AC-7E0CB8888EDA}" destId="{C1ED1A5B-61CD-4BB6-B397-4D36002B9EF8}" srcOrd="0" destOrd="0" presId="urn:microsoft.com/office/officeart/2008/layout/HorizontalMultiLevelHierarchy"/>
-    <dgm:cxn modelId="{6114F61D-50D5-4B9D-96FA-9ED6F7AFD0B4}" type="presOf" srcId="{5F7D1E16-A185-4F6A-B836-99B536170C3A}" destId="{B47EFE7E-16E8-4C48-A11E-231DF9841B98}" srcOrd="1" destOrd="0" presId="urn:microsoft.com/office/officeart/2008/layout/HorizontalMultiLevelHierarchy"/>
-    <dgm:cxn modelId="{FD0F3554-F65A-43F8-AE19-F4898B8B8690}" srcId="{4470663E-DF97-421D-A18C-6D1E8C7F8CEF}" destId="{4B8BADAB-84F5-4D10-91C0-6FED927F89C0}" srcOrd="1" destOrd="0" parTransId="{C4EFE703-41C5-419C-A65E-A57DE3ADB31A}" sibTransId="{E86B44E6-2951-4237-B651-7D094D72424D}"/>
+    <dgm:cxn modelId="{96FBE90F-E954-45E2-9E10-243E38019092}" type="presOf" srcId="{1F4A10AC-437A-4A03-BE07-4C02440BEBD5}" destId="{E509A342-222F-4FED-88A6-781246DC6B28}" srcOrd="0" destOrd="0" presId="urn:microsoft.com/office/officeart/2008/layout/HorizontalMultiLevelHierarchy"/>
+    <dgm:cxn modelId="{7728ECAA-2F39-4E40-BABD-51AF5D324A32}" type="presOf" srcId="{4AE09D74-96A4-49E9-B1F4-6105053FFD42}" destId="{C7DBFCC0-F718-49C4-AFF5-DC75E15CA6A6}" srcOrd="1" destOrd="0" presId="urn:microsoft.com/office/officeart/2008/layout/HorizontalMultiLevelHierarchy"/>
     <dgm:cxn modelId="{31FF0951-CD84-4F18-A696-DED5079C048A}" type="presOf" srcId="{95873094-74E3-4901-80CB-D794BED06E8D}" destId="{5CB50C1E-E702-462C-AF29-EDDC423A6E0C}" srcOrd="0" destOrd="0" presId="urn:microsoft.com/office/officeart/2008/layout/HorizontalMultiLevelHierarchy"/>
-    <dgm:cxn modelId="{6535EA22-F1A0-45CD-BC41-334ABC7DACF7}" srcId="{4470663E-DF97-421D-A18C-6D1E8C7F8CEF}" destId="{964D3EAA-969F-483C-9100-16AE4B3B6F81}" srcOrd="3" destOrd="0" parTransId="{054AC967-0CF2-4448-AC41-92A1CBC526C0}" sibTransId="{0C03172D-5F64-402E-A997-D73C406B8EE6}"/>
-    <dgm:cxn modelId="{87F831F1-712E-409C-9176-15C982510FA1}" type="presOf" srcId="{574EEAA5-DBB4-483F-B3E5-FBADF5645939}" destId="{7FFA0F48-5F3C-4B1D-8F3C-23C381A823C5}" srcOrd="0" destOrd="0" presId="urn:microsoft.com/office/officeart/2008/layout/HorizontalMultiLevelHierarchy"/>
-    <dgm:cxn modelId="{E68CBDB8-6EEA-4B7A-B53B-77386742059A}" type="presOf" srcId="{9042B8AC-2257-49D0-BD60-A193D639BB5F}" destId="{AD0EA5B1-0ACF-4E79-9B7A-8A32DFD7A84D}" srcOrd="0" destOrd="0" presId="urn:microsoft.com/office/officeart/2008/layout/HorizontalMultiLevelHierarchy"/>
-    <dgm:cxn modelId="{F0A26DA9-5890-4EAC-A9A1-1B839B88769B}" srcId="{964D3EAA-969F-483C-9100-16AE4B3B6F81}" destId="{99E73D72-E5E9-4D14-9DEB-F482E319AD73}" srcOrd="0" destOrd="0" parTransId="{5BD2687D-66C5-49A2-877D-D39C6BE6E5B2}" sibTransId="{6D7D61D4-E2B7-4CDC-A73B-D2DBABD9710D}"/>
-    <dgm:cxn modelId="{549CCA6A-AD43-483A-902E-15CC072DA74F}" type="presOf" srcId="{3AF945E0-19D8-46C5-BD62-69B0EBF8978D}" destId="{D331F09E-BD2A-45C6-9273-0FF41C853DC6}" srcOrd="0" destOrd="0" presId="urn:microsoft.com/office/officeart/2008/layout/HorizontalMultiLevelHierarchy"/>
-    <dgm:cxn modelId="{3138D6C3-6080-4AB7-BF43-E29BF9C6148F}" srcId="{52A98B98-21C6-40B3-A624-A77D59683175}" destId="{24775710-FF14-41DE-A6A3-0B7ABF777EDB}" srcOrd="0" destOrd="0" parTransId="{1C635408-7EC9-4F63-87D6-5FC9A2CB4624}" sibTransId="{4802E52E-CFC3-46A6-800B-655BADF83FB1}"/>
-    <dgm:cxn modelId="{7F125555-F717-40E9-A90B-5C7B436838B5}" type="presOf" srcId="{054AC967-0CF2-4448-AC41-92A1CBC526C0}" destId="{80E3881C-F671-4BFB-A57A-EB144C4F9E36}" srcOrd="1" destOrd="0" presId="urn:microsoft.com/office/officeart/2008/layout/HorizontalMultiLevelHierarchy"/>
-    <dgm:cxn modelId="{50F388F0-D927-4333-A8D2-BA272F1CE0DA}" srcId="{D9BDC8A0-55EC-4FF3-8999-00B890DFB810}" destId="{4470663E-DF97-421D-A18C-6D1E8C7F8CEF}" srcOrd="0" destOrd="0" parTransId="{874A2918-9F0B-433A-B36B-28BB512C1A89}" sibTransId="{674A3E98-316C-4EE1-AD65-04BB2C09F27F}"/>
-    <dgm:cxn modelId="{87C3BDAF-A133-496D-BB89-767611C601E6}" type="presOf" srcId="{874A2918-9F0B-433A-B36B-28BB512C1A89}" destId="{8A168637-D096-471F-932B-7D9970118BA4}" srcOrd="1" destOrd="0" presId="urn:microsoft.com/office/officeart/2008/layout/HorizontalMultiLevelHierarchy"/>
-    <dgm:cxn modelId="{FCDB06A7-03F0-47F5-AA9F-6BF57301014F}" type="presOf" srcId="{FDC452CB-4670-486D-81CE-B2991C70BF76}" destId="{C3C9590C-0F93-4352-9C71-0E4B96946F8A}" srcOrd="1" destOrd="0" presId="urn:microsoft.com/office/officeart/2008/layout/HorizontalMultiLevelHierarchy"/>
-    <dgm:cxn modelId="{F8DCEC02-DF19-4FF3-A9A3-01E99BCE1085}" type="presOf" srcId="{B6997264-9705-4960-9C26-9EC510B8D6AC}" destId="{4A168BF3-9CD0-4DFD-9A5B-F70E81B6B5C9}" srcOrd="0" destOrd="0" presId="urn:microsoft.com/office/officeart/2008/layout/HorizontalMultiLevelHierarchy"/>
-    <dgm:cxn modelId="{08E17BAE-8474-4647-9971-8A42B2A69ACF}" srcId="{E74797AC-EF43-43C8-A927-9D3F248E3DCC}" destId="{568178C8-769E-43B7-8451-028049D6F920}" srcOrd="2" destOrd="0" parTransId="{58067BC9-A045-4D2F-86DD-033E5A4896D7}" sibTransId="{5C3CB9A0-FEB0-4319-9D58-46C69752680E}"/>
-    <dgm:cxn modelId="{EDFD0B05-81B6-42A2-AE23-ED8953A8C3BD}" type="presOf" srcId="{61839AAB-6604-4DE4-9E7F-5B417109F97C}" destId="{FA58E1C0-C5CD-4B36-A2B2-8E4A2F9E8146}" srcOrd="0" destOrd="0" presId="urn:microsoft.com/office/officeart/2008/layout/HorizontalMultiLevelHierarchy"/>
-    <dgm:cxn modelId="{342592D6-56FE-47B1-94D0-C90BA404EC48}" type="presOf" srcId="{8F6710CF-1EE8-49DD-9420-61F2ECE8AF69}" destId="{DD43A066-C65E-43F1-87BA-986C46D81021}" srcOrd="0" destOrd="0" presId="urn:microsoft.com/office/officeart/2008/layout/HorizontalMultiLevelHierarchy"/>
-    <dgm:cxn modelId="{60C0DC03-AC37-49CF-81AA-7D78483A686E}" type="presOf" srcId="{7D760A1E-8927-45A9-B9AB-409AFBC99CCD}" destId="{3A1B3B71-7BB9-4B1C-911B-F289E9BD9079}" srcOrd="1" destOrd="0" presId="urn:microsoft.com/office/officeart/2008/layout/HorizontalMultiLevelHierarchy"/>
-    <dgm:cxn modelId="{430685DE-43D5-4B7B-A2CB-E36036A9DC1C}" srcId="{7B072FAA-136F-4E42-A3CE-24BE866893D5}" destId="{1240F56C-8121-4C26-A397-C8AB913F6110}" srcOrd="0" destOrd="0" parTransId="{7D760A1E-8927-45A9-B9AB-409AFBC99CCD}" sibTransId="{C28F967B-BB85-41D7-9C70-2CF2CA4AD3F3}"/>
-    <dgm:cxn modelId="{EFB9E782-F648-40D4-8369-3FB0A4138D6E}" type="presOf" srcId="{3EE55416-3449-4D87-860C-7C325992F746}" destId="{F59C167B-D00C-487C-8232-55D30F87C01E}" srcOrd="0" destOrd="0" presId="urn:microsoft.com/office/officeart/2008/layout/HorizontalMultiLevelHierarchy"/>
-    <dgm:cxn modelId="{495B652A-C84C-447F-B8DE-5C578F391695}" type="presOf" srcId="{D4A4683D-6358-4373-B10C-F4E82B141666}" destId="{38FBF15E-F8C6-4535-B12B-73C4E3A0F853}" srcOrd="0" destOrd="0" presId="urn:microsoft.com/office/officeart/2008/layout/HorizontalMultiLevelHierarchy"/>
-    <dgm:cxn modelId="{A1B8F46C-0B92-4939-A7BC-7E306B4DC45D}" type="presOf" srcId="{A33D130F-5BAA-4275-BD7F-21D6A2ED909C}" destId="{9845DE43-6A0C-4870-B32E-5F87B4E0AFBB}" srcOrd="0" destOrd="0" presId="urn:microsoft.com/office/officeart/2008/layout/HorizontalMultiLevelHierarchy"/>
-    <dgm:cxn modelId="{33D958ED-14CB-481E-97FD-B4E5206241D5}" type="presOf" srcId="{2D914228-475B-4F0F-812B-4E6958ED1AC5}" destId="{D6818BCE-F5DB-489D-ADC8-9E38E50FEC3C}" srcOrd="0" destOrd="0" presId="urn:microsoft.com/office/officeart/2008/layout/HorizontalMultiLevelHierarchy"/>
-    <dgm:cxn modelId="{9A7600F4-DC52-4A37-B48D-D6E0D400165E}" type="presOf" srcId="{58067BC9-A045-4D2F-86DD-033E5A4896D7}" destId="{0129A6AE-7093-4A30-A1C7-286B3F90FE0D}" srcOrd="1" destOrd="0" presId="urn:microsoft.com/office/officeart/2008/layout/HorizontalMultiLevelHierarchy"/>
-    <dgm:cxn modelId="{1E58773B-DC4A-4067-B0FD-5AA789B67C27}" type="presOf" srcId="{874A2918-9F0B-433A-B36B-28BB512C1A89}" destId="{D969BEC3-F91B-4748-90E6-7B38E5E4EDF7}" srcOrd="0" destOrd="0" presId="urn:microsoft.com/office/officeart/2008/layout/HorizontalMultiLevelHierarchy"/>
-    <dgm:cxn modelId="{57B8EA7A-67E2-4AD6-ADE7-386CA9FB3D2B}" srcId="{1240F56C-8121-4C26-A397-C8AB913F6110}" destId="{899837B5-1CE5-41EB-9217-958314609117}" srcOrd="1" destOrd="0" parTransId="{818D3BE1-B905-43F7-899C-81CB07B02D61}" sibTransId="{317E2435-1515-4C70-BBAB-7A92BBEA9DFB}"/>
-    <dgm:cxn modelId="{16E24BB8-3081-4929-B98E-9F81A641FAA2}" type="presOf" srcId="{AABA3D2A-02FB-4BF2-AF70-7F429A62AB0D}" destId="{CC734239-D534-4198-98D6-EF02C2FDE3AB}" srcOrd="1" destOrd="0" presId="urn:microsoft.com/office/officeart/2008/layout/HorizontalMultiLevelHierarchy"/>
-    <dgm:cxn modelId="{3175B296-9356-4352-8166-96059F3A2E85}" type="presOf" srcId="{8F6710CF-1EE8-49DD-9420-61F2ECE8AF69}" destId="{EB30A72A-1840-4FE0-B9BD-F7804A3187DF}" srcOrd="1" destOrd="0" presId="urn:microsoft.com/office/officeart/2008/layout/HorizontalMultiLevelHierarchy"/>
-    <dgm:cxn modelId="{9D909DA8-6D35-406E-8F49-DAF1D9A4913D}" type="presOf" srcId="{5D8B00CE-29ED-49DF-BF6C-A0B2598C2CDF}" destId="{F4A822A9-8B6A-43C5-834F-A0BDE3076EE8}" srcOrd="0" destOrd="0" presId="urn:microsoft.com/office/officeart/2008/layout/HorizontalMultiLevelHierarchy"/>
-    <dgm:cxn modelId="{045D33F9-6EFB-437E-AB24-44806AEFF406}" type="presOf" srcId="{6994BF90-D3CD-4C43-AA76-2C17285B2A04}" destId="{166C79DA-E1C8-4A23-B676-610F5639D0B7}" srcOrd="1" destOrd="0" presId="urn:microsoft.com/office/officeart/2008/layout/HorizontalMultiLevelHierarchy"/>
-    <dgm:cxn modelId="{02D0A5E2-AB35-43F5-A27F-98269AAC4B32}" srcId="{1240F56C-8121-4C26-A397-C8AB913F6110}" destId="{52A98B98-21C6-40B3-A624-A77D59683175}" srcOrd="3" destOrd="0" parTransId="{41058CF0-4188-4511-A2FB-A67D193E6B8A}" sibTransId="{290127EF-634B-45CF-AB20-3B45BDF1D62D}"/>
-    <dgm:cxn modelId="{5593D3F4-9817-43CA-9CD5-4BBD4C1AF820}" srcId="{964D3EAA-969F-483C-9100-16AE4B3B6F81}" destId="{AA87141E-EFE5-4807-AAFD-513C745F3230}" srcOrd="3" destOrd="0" parTransId="{3AF945E0-19D8-46C5-BD62-69B0EBF8978D}" sibTransId="{37F7D93C-1EBD-43F2-9DE2-D370C6A696C5}"/>
-    <dgm:cxn modelId="{F4BE7D13-FFA1-4F5A-8A22-3424648B3AA3}" type="presOf" srcId="{818D3BE1-B905-43F7-899C-81CB07B02D61}" destId="{8BC86EA5-806D-4E02-BBF3-F9A61593E3DC}" srcOrd="1" destOrd="0" presId="urn:microsoft.com/office/officeart/2008/layout/HorizontalMultiLevelHierarchy"/>
-    <dgm:cxn modelId="{7728ECAA-2F39-4E40-BABD-51AF5D324A32}" type="presOf" srcId="{4AE09D74-96A4-49E9-B1F4-6105053FFD42}" destId="{C7DBFCC0-F718-49C4-AFF5-DC75E15CA6A6}" srcOrd="1" destOrd="0" presId="urn:microsoft.com/office/officeart/2008/layout/HorizontalMultiLevelHierarchy"/>
-    <dgm:cxn modelId="{1F976378-049D-4D59-97F3-C72AE26DA740}" type="presOf" srcId="{7D760A1E-8927-45A9-B9AB-409AFBC99CCD}" destId="{61361C41-769A-4111-A268-CB163E383FA2}" srcOrd="0" destOrd="0" presId="urn:microsoft.com/office/officeart/2008/layout/HorizontalMultiLevelHierarchy"/>
-    <dgm:cxn modelId="{E2BA682E-729C-432A-9F06-568194A5925E}" type="presOf" srcId="{24775710-FF14-41DE-A6A3-0B7ABF777EDB}" destId="{6BE0F70D-3931-4DC5-A0B9-1F66B2540BB5}" srcOrd="0" destOrd="0" presId="urn:microsoft.com/office/officeart/2008/layout/HorizontalMultiLevelHierarchy"/>
-    <dgm:cxn modelId="{5323B367-7046-45AE-A555-F0A2617167D8}" type="presOf" srcId="{7679CDCF-7135-4D58-8A58-50239CA76A43}" destId="{CA7CACB4-B45A-4F60-9613-D0BB47596A30}" srcOrd="0" destOrd="0" presId="urn:microsoft.com/office/officeart/2008/layout/HorizontalMultiLevelHierarchy"/>
-    <dgm:cxn modelId="{4FA2B03A-E2F9-46CF-B124-47F56CB4626D}" type="presOf" srcId="{52A98B98-21C6-40B3-A624-A77D59683175}" destId="{EB829E99-7484-46A1-AA79-17803C5161CC}" srcOrd="0" destOrd="0" presId="urn:microsoft.com/office/officeart/2008/layout/HorizontalMultiLevelHierarchy"/>
-    <dgm:cxn modelId="{5061EFC0-AE13-4A08-B32E-95F277ABBD7B}" type="presOf" srcId="{41058CF0-4188-4511-A2FB-A67D193E6B8A}" destId="{26A27ACB-D2D7-41DD-9263-A7D6F1213EA2}" srcOrd="0" destOrd="0" presId="urn:microsoft.com/office/officeart/2008/layout/HorizontalMultiLevelHierarchy"/>
-    <dgm:cxn modelId="{B426DF52-74C7-4E76-84C4-608F67FDEA87}" type="presOf" srcId="{EACBE201-E023-495A-97A7-C3338961E1D8}" destId="{BC1F01DD-1CFA-4754-A8CF-E59421401EAA}" srcOrd="1" destOrd="0" presId="urn:microsoft.com/office/officeart/2008/layout/HorizontalMultiLevelHierarchy"/>
-    <dgm:cxn modelId="{6871C8D3-56AE-42C9-A5CA-A2D3A3D1ACAA}" type="presOf" srcId="{1F41D0D3-F9FB-43D2-89A7-9AAD8FCEAC57}" destId="{937BBD69-2AE5-4A60-B04B-754244FFF5DA}" srcOrd="0" destOrd="0" presId="urn:microsoft.com/office/officeart/2008/layout/HorizontalMultiLevelHierarchy"/>
-    <dgm:cxn modelId="{F2CFF978-AF72-4D05-9A02-39F90EEB50B1}" srcId="{0594C2EA-C152-45BF-A475-E3AC92E83DC4}" destId="{309037A8-B898-4B63-B82B-2930A2DC8B90}" srcOrd="0" destOrd="0" parTransId="{FDC452CB-4670-486D-81CE-B2991C70BF76}" sibTransId="{9DF6C3F0-AAC2-4296-BC3F-8F3E7575787E}"/>
-    <dgm:cxn modelId="{431DE428-CC27-46C4-9486-F5E3C96CD0F0}" type="presOf" srcId="{14B2873E-4C92-452F-A6B8-176AD26FA81E}" destId="{A7EC6D3F-C872-4DE2-8F65-175B937C3617}" srcOrd="0" destOrd="0" presId="urn:microsoft.com/office/officeart/2008/layout/HorizontalMultiLevelHierarchy"/>
-    <dgm:cxn modelId="{82D51532-5476-420C-8F1A-1A729BE77A60}" srcId="{7B072FAA-136F-4E42-A3CE-24BE866893D5}" destId="{D9BDC8A0-55EC-4FF3-8999-00B890DFB810}" srcOrd="1" destOrd="0" parTransId="{B7ACD054-242E-4BC2-B004-4F77B46D74D7}" sibTransId="{722F68B4-FE60-4D4D-9C75-F69A97D81372}"/>
-    <dgm:cxn modelId="{542AB11B-540E-4E39-AD2B-CE4A5213DBCB}" type="presOf" srcId="{0D12B47B-D4D3-44FC-ABA6-CB90145DFE18}" destId="{EAB96A6C-4106-4117-B1E1-F17D6A17046D}" srcOrd="0" destOrd="0" presId="urn:microsoft.com/office/officeart/2008/layout/HorizontalMultiLevelHierarchy"/>
-    <dgm:cxn modelId="{D5784F94-CC6A-4876-ABD3-A3A3318F70B8}" srcId="{964D3EAA-969F-483C-9100-16AE4B3B6F81}" destId="{14B2873E-4C92-452F-A6B8-176AD26FA81E}" srcOrd="1" destOrd="0" parTransId="{9DB104A3-5DAC-47F3-AC45-66E0C1CA1B41}" sibTransId="{67883DE6-1EE8-4A57-B6BC-D340EE193434}"/>
-    <dgm:cxn modelId="{92A15FB2-64EE-42CE-94BC-5EE1BB017876}" type="presOf" srcId="{0D12B47B-D4D3-44FC-ABA6-CB90145DFE18}" destId="{127CDB8F-7F75-4040-995B-66A3632C24C0}" srcOrd="1" destOrd="0" presId="urn:microsoft.com/office/officeart/2008/layout/HorizontalMultiLevelHierarchy"/>
-    <dgm:cxn modelId="{136F2800-2B65-4763-8725-C948F2D18E0A}" type="presOf" srcId="{1F4A10AC-437A-4A03-BE07-4C02440BEBD5}" destId="{35FF8AE6-0624-4ECE-A20C-CC75C0242EAE}" srcOrd="1" destOrd="0" presId="urn:microsoft.com/office/officeart/2008/layout/HorizontalMultiLevelHierarchy"/>
-    <dgm:cxn modelId="{6D8FF63C-28A8-457D-BE82-2E407709C0F6}" srcId="{899837B5-1CE5-41EB-9217-958314609117}" destId="{1D724EE1-1803-43A2-AAB9-FB282773DE6B}" srcOrd="0" destOrd="0" parTransId="{5EA763EB-F477-4A8F-826B-2973E5C4480A}" sibTransId="{473EBCE9-638E-494E-8835-6E72A353DB1F}"/>
-    <dgm:cxn modelId="{AB48B09B-5114-4C44-83D8-44C7BAE3DD29}" srcId="{24775710-FF14-41DE-A6A3-0B7ABF777EDB}" destId="{971D748E-609C-46D0-8C87-804513E64470}" srcOrd="0" destOrd="0" parTransId="{5F7D1E16-A185-4F6A-B836-99B536170C3A}" sibTransId="{ADD59B62-6B31-404A-86F4-27A28A9CA940}"/>
-    <dgm:cxn modelId="{A7D9AA96-7688-4F9F-B454-5D1E8A518FF1}" type="presOf" srcId="{5D8B00CE-29ED-49DF-BF6C-A0B2598C2CDF}" destId="{C392B952-F444-40AD-9F9F-31B772C26419}" srcOrd="1" destOrd="0" presId="urn:microsoft.com/office/officeart/2008/layout/HorizontalMultiLevelHierarchy"/>
     <dgm:cxn modelId="{AB7C1047-F904-4395-B197-3606D869B709}" type="presParOf" srcId="{151FEBA2-2601-4C4E-B3EB-4CB0FA4A0D00}" destId="{DAE18291-DB52-4C03-A756-19FF19E13255}" srcOrd="0" destOrd="0" presId="urn:microsoft.com/office/officeart/2008/layout/HorizontalMultiLevelHierarchy"/>
     <dgm:cxn modelId="{A8C3B5BA-3955-4F9E-9C40-AD28CC72F274}" type="presParOf" srcId="{DAE18291-DB52-4C03-A756-19FF19E13255}" destId="{74DD301F-021A-47BB-9053-E3B5B5CD0586}" srcOrd="0" destOrd="0" presId="urn:microsoft.com/office/officeart/2008/layout/HorizontalMultiLevelHierarchy"/>
     <dgm:cxn modelId="{BF384F5C-854E-496F-BF59-3042FD7F62B3}" type="presParOf" srcId="{DAE18291-DB52-4C03-A756-19FF19E13255}" destId="{1B37B166-6F90-4462-A079-0689A319AB8C}" srcOrd="1" destOrd="0" presId="urn:microsoft.com/office/officeart/2008/layout/HorizontalMultiLevelHierarchy"/>
@@ -5393,18 +6192,34 @@
         </dgm:presLayoutVars>
       </dgm:prSet>
       <dgm:spPr/>
+      <dgm:t>
+        <a:bodyPr/>
+        <a:lstStyle/>
+        <a:p>
+          <a:pPr latinLnBrk="1"/>
+          <a:endParaRPr lang="ko-KR" altLang="en-US"/>
+        </a:p>
+      </dgm:t>
     </dgm:pt>
     <dgm:pt modelId="{03A28068-7101-4876-9EDE-545D459B8BD9}" type="pres">
       <dgm:prSet presAssocID="{1240F56C-8121-4C26-A397-C8AB913F6110}" presName="root1" presStyleCnt="0"/>
       <dgm:spPr/>
     </dgm:pt>
     <dgm:pt modelId="{FB4754F1-B4BB-4B3F-9E08-057E4EC1BC0C}" type="pres">
-      <dgm:prSet presAssocID="{1240F56C-8121-4C26-A397-C8AB913F6110}" presName="LevelOneTextNode" presStyleLbl="node0" presStyleIdx="0" presStyleCnt="1" custAng="5400000" custScaleY="56912" custLinFactNeighborX="-32293" custLinFactNeighborY="-8049">
+      <dgm:prSet presAssocID="{1240F56C-8121-4C26-A397-C8AB913F6110}" presName="LevelOneTextNode" presStyleLbl="node0" presStyleIdx="0" presStyleCnt="1" custAng="5400000" custScaleY="56912" custLinFactNeighborX="21437" custLinFactNeighborY="-3982">
         <dgm:presLayoutVars>
           <dgm:chPref val="3"/>
         </dgm:presLayoutVars>
       </dgm:prSet>
       <dgm:spPr/>
+      <dgm:t>
+        <a:bodyPr/>
+        <a:lstStyle/>
+        <a:p>
+          <a:pPr latinLnBrk="1"/>
+          <a:endParaRPr lang="ko-KR" altLang="en-US"/>
+        </a:p>
+      </dgm:t>
     </dgm:pt>
     <dgm:pt modelId="{36689998-09D5-4608-AFA6-12EEF9DB29E8}" type="pres">
       <dgm:prSet presAssocID="{1240F56C-8121-4C26-A397-C8AB913F6110}" presName="level2hierChild" presStyleCnt="0"/>
@@ -5413,10 +6228,26 @@
     <dgm:pt modelId="{647E08E0-3B9B-4436-928A-288F2857661C}" type="pres">
       <dgm:prSet presAssocID="{818D3BE1-B905-43F7-899C-81CB07B02D61}" presName="conn2-1" presStyleLbl="parChTrans1D2" presStyleIdx="0" presStyleCnt="2"/>
       <dgm:spPr/>
+      <dgm:t>
+        <a:bodyPr/>
+        <a:lstStyle/>
+        <a:p>
+          <a:pPr latinLnBrk="1"/>
+          <a:endParaRPr lang="ko-KR" altLang="en-US"/>
+        </a:p>
+      </dgm:t>
     </dgm:pt>
     <dgm:pt modelId="{8BC86EA5-806D-4E02-BBF3-F9A61593E3DC}" type="pres">
       <dgm:prSet presAssocID="{818D3BE1-B905-43F7-899C-81CB07B02D61}" presName="connTx" presStyleLbl="parChTrans1D2" presStyleIdx="0" presStyleCnt="2"/>
       <dgm:spPr/>
+      <dgm:t>
+        <a:bodyPr/>
+        <a:lstStyle/>
+        <a:p>
+          <a:pPr latinLnBrk="1"/>
+          <a:endParaRPr lang="ko-KR" altLang="en-US"/>
+        </a:p>
+      </dgm:t>
     </dgm:pt>
     <dgm:pt modelId="{7784AD65-C9EA-4692-88B8-9764E3DADCB2}" type="pres">
       <dgm:prSet presAssocID="{899837B5-1CE5-41EB-9217-958314609117}" presName="root2" presStyleCnt="0"/>
@@ -5429,6 +6260,14 @@
         </dgm:presLayoutVars>
       </dgm:prSet>
       <dgm:spPr/>
+      <dgm:t>
+        <a:bodyPr/>
+        <a:lstStyle/>
+        <a:p>
+          <a:pPr latinLnBrk="1"/>
+          <a:endParaRPr lang="ko-KR" altLang="en-US"/>
+        </a:p>
+      </dgm:t>
     </dgm:pt>
     <dgm:pt modelId="{9F36BC68-D911-416E-85B5-57221B219029}" type="pres">
       <dgm:prSet presAssocID="{899837B5-1CE5-41EB-9217-958314609117}" presName="level3hierChild" presStyleCnt="0"/>
@@ -5437,10 +6276,26 @@
     <dgm:pt modelId="{A5DA7790-48F4-4B92-86D7-1288A9A2D594}" type="pres">
       <dgm:prSet presAssocID="{25D5F1B3-5396-4841-8897-3B72950225D2}" presName="conn2-1" presStyleLbl="parChTrans1D3" presStyleIdx="0" presStyleCnt="4"/>
       <dgm:spPr/>
+      <dgm:t>
+        <a:bodyPr/>
+        <a:lstStyle/>
+        <a:p>
+          <a:pPr latinLnBrk="1"/>
+          <a:endParaRPr lang="ko-KR" altLang="en-US"/>
+        </a:p>
+      </dgm:t>
     </dgm:pt>
     <dgm:pt modelId="{A51564D8-DE90-4B62-BC9F-74BD53E73D3C}" type="pres">
       <dgm:prSet presAssocID="{25D5F1B3-5396-4841-8897-3B72950225D2}" presName="connTx" presStyleLbl="parChTrans1D3" presStyleIdx="0" presStyleCnt="4"/>
       <dgm:spPr/>
+      <dgm:t>
+        <a:bodyPr/>
+        <a:lstStyle/>
+        <a:p>
+          <a:pPr latinLnBrk="1"/>
+          <a:endParaRPr lang="ko-KR" altLang="en-US"/>
+        </a:p>
+      </dgm:t>
     </dgm:pt>
     <dgm:pt modelId="{D607CC1A-19AC-4B89-ADDE-BD17F577F8CD}" type="pres">
       <dgm:prSet presAssocID="{2040336D-AF7A-45CA-8BF0-0413E4833863}" presName="root2" presStyleCnt="0"/>
@@ -5453,6 +6308,14 @@
         </dgm:presLayoutVars>
       </dgm:prSet>
       <dgm:spPr/>
+      <dgm:t>
+        <a:bodyPr/>
+        <a:lstStyle/>
+        <a:p>
+          <a:pPr latinLnBrk="1"/>
+          <a:endParaRPr lang="ko-KR" altLang="en-US"/>
+        </a:p>
+      </dgm:t>
     </dgm:pt>
     <dgm:pt modelId="{86A26371-667D-4634-B022-6EB7D798CD75}" type="pres">
       <dgm:prSet presAssocID="{2040336D-AF7A-45CA-8BF0-0413E4833863}" presName="level3hierChild" presStyleCnt="0"/>
@@ -5461,10 +6324,26 @@
     <dgm:pt modelId="{C0D221AF-4E5B-4FF3-A0D8-8B0191A5E01D}" type="pres">
       <dgm:prSet presAssocID="{827DA4AD-7D4B-4E67-8E50-BB4913DA9FE6}" presName="conn2-1" presStyleLbl="parChTrans1D4" presStyleIdx="0" presStyleCnt="12"/>
       <dgm:spPr/>
+      <dgm:t>
+        <a:bodyPr/>
+        <a:lstStyle/>
+        <a:p>
+          <a:pPr latinLnBrk="1"/>
+          <a:endParaRPr lang="ko-KR" altLang="en-US"/>
+        </a:p>
+      </dgm:t>
     </dgm:pt>
     <dgm:pt modelId="{75425E7A-C3B3-4734-9C8E-5AB1164186B2}" type="pres">
       <dgm:prSet presAssocID="{827DA4AD-7D4B-4E67-8E50-BB4913DA9FE6}" presName="connTx" presStyleLbl="parChTrans1D4" presStyleIdx="0" presStyleCnt="12"/>
       <dgm:spPr/>
+      <dgm:t>
+        <a:bodyPr/>
+        <a:lstStyle/>
+        <a:p>
+          <a:pPr latinLnBrk="1"/>
+          <a:endParaRPr lang="ko-KR" altLang="en-US"/>
+        </a:p>
+      </dgm:t>
     </dgm:pt>
     <dgm:pt modelId="{C2B1EF85-2A9C-4059-B607-48DE0CB32383}" type="pres">
       <dgm:prSet presAssocID="{7679CDCF-7135-4D58-8A58-50239CA76A43}" presName="root2" presStyleCnt="0"/>
@@ -5493,10 +6372,26 @@
     <dgm:pt modelId="{494919C5-763B-4D42-9430-41BB8984B2F4}" type="pres">
       <dgm:prSet presAssocID="{663BBA3D-FDAB-46E7-9568-B7ADC2EE36BD}" presName="conn2-1" presStyleLbl="parChTrans1D4" presStyleIdx="1" presStyleCnt="12"/>
       <dgm:spPr/>
+      <dgm:t>
+        <a:bodyPr/>
+        <a:lstStyle/>
+        <a:p>
+          <a:pPr latinLnBrk="1"/>
+          <a:endParaRPr lang="ko-KR" altLang="en-US"/>
+        </a:p>
+      </dgm:t>
     </dgm:pt>
     <dgm:pt modelId="{C640FD12-A9A2-434B-980A-2FE8CEB3DE24}" type="pres">
       <dgm:prSet presAssocID="{663BBA3D-FDAB-46E7-9568-B7ADC2EE36BD}" presName="connTx" presStyleLbl="parChTrans1D4" presStyleIdx="1" presStyleCnt="12"/>
       <dgm:spPr/>
+      <dgm:t>
+        <a:bodyPr/>
+        <a:lstStyle/>
+        <a:p>
+          <a:pPr latinLnBrk="1"/>
+          <a:endParaRPr lang="ko-KR" altLang="en-US"/>
+        </a:p>
+      </dgm:t>
     </dgm:pt>
     <dgm:pt modelId="{0179FA97-8C8E-426C-B981-34721BE85E71}" type="pres">
       <dgm:prSet presAssocID="{264550E3-A901-4461-9150-243FAC52922D}" presName="root2" presStyleCnt="0"/>
@@ -5525,10 +6420,26 @@
     <dgm:pt modelId="{D1E47C27-E6A2-4C63-9D38-80FF4DE6A028}" type="pres">
       <dgm:prSet presAssocID="{37CE4682-12B6-4B29-89E6-E1D9B965F292}" presName="conn2-1" presStyleLbl="parChTrans1D4" presStyleIdx="2" presStyleCnt="12"/>
       <dgm:spPr/>
+      <dgm:t>
+        <a:bodyPr/>
+        <a:lstStyle/>
+        <a:p>
+          <a:pPr latinLnBrk="1"/>
+          <a:endParaRPr lang="ko-KR" altLang="en-US"/>
+        </a:p>
+      </dgm:t>
     </dgm:pt>
     <dgm:pt modelId="{2B1A1B29-6745-4A29-8AB2-59F0B901D6AD}" type="pres">
       <dgm:prSet presAssocID="{37CE4682-12B6-4B29-89E6-E1D9B965F292}" presName="connTx" presStyleLbl="parChTrans1D4" presStyleIdx="2" presStyleCnt="12"/>
       <dgm:spPr/>
+      <dgm:t>
+        <a:bodyPr/>
+        <a:lstStyle/>
+        <a:p>
+          <a:pPr latinLnBrk="1"/>
+          <a:endParaRPr lang="ko-KR" altLang="en-US"/>
+        </a:p>
+      </dgm:t>
     </dgm:pt>
     <dgm:pt modelId="{5B115897-DFE3-4BCE-AE86-5202D6C1A4AA}" type="pres">
       <dgm:prSet presAssocID="{40E9653F-7FD0-4436-9D01-4DCE48B9E088}" presName="root2" presStyleCnt="0"/>
@@ -5541,6 +6452,14 @@
         </dgm:presLayoutVars>
       </dgm:prSet>
       <dgm:spPr/>
+      <dgm:t>
+        <a:bodyPr/>
+        <a:lstStyle/>
+        <a:p>
+          <a:pPr latinLnBrk="1"/>
+          <a:endParaRPr lang="ko-KR" altLang="en-US"/>
+        </a:p>
+      </dgm:t>
     </dgm:pt>
     <dgm:pt modelId="{920F4DDA-7FA4-4DCA-ACBF-F6ED9DBC4B7E}" type="pres">
       <dgm:prSet presAssocID="{40E9653F-7FD0-4436-9D01-4DCE48B9E088}" presName="level3hierChild" presStyleCnt="0"/>
@@ -5549,10 +6468,26 @@
     <dgm:pt modelId="{EAEDA365-336B-4ACA-BF92-B919A7C2A1DA}" type="pres">
       <dgm:prSet presAssocID="{BEBAD53D-0B7C-438B-B443-9770A1CA80C7}" presName="conn2-1" presStyleLbl="parChTrans1D3" presStyleIdx="1" presStyleCnt="4"/>
       <dgm:spPr/>
+      <dgm:t>
+        <a:bodyPr/>
+        <a:lstStyle/>
+        <a:p>
+          <a:pPr latinLnBrk="1"/>
+          <a:endParaRPr lang="ko-KR" altLang="en-US"/>
+        </a:p>
+      </dgm:t>
     </dgm:pt>
     <dgm:pt modelId="{CF49AACF-7E51-4961-9964-92BA9BB7C3DC}" type="pres">
       <dgm:prSet presAssocID="{BEBAD53D-0B7C-438B-B443-9770A1CA80C7}" presName="connTx" presStyleLbl="parChTrans1D3" presStyleIdx="1" presStyleCnt="4"/>
       <dgm:spPr/>
+      <dgm:t>
+        <a:bodyPr/>
+        <a:lstStyle/>
+        <a:p>
+          <a:pPr latinLnBrk="1"/>
+          <a:endParaRPr lang="ko-KR" altLang="en-US"/>
+        </a:p>
+      </dgm:t>
     </dgm:pt>
     <dgm:pt modelId="{44CC501A-80C7-4B8C-81F3-5F62C542EF71}" type="pres">
       <dgm:prSet presAssocID="{BE139CD5-4947-456A-848F-F31249A9D02E}" presName="root2" presStyleCnt="0"/>
@@ -5565,6 +6500,14 @@
         </dgm:presLayoutVars>
       </dgm:prSet>
       <dgm:spPr/>
+      <dgm:t>
+        <a:bodyPr/>
+        <a:lstStyle/>
+        <a:p>
+          <a:pPr latinLnBrk="1"/>
+          <a:endParaRPr lang="ko-KR" altLang="en-US"/>
+        </a:p>
+      </dgm:t>
     </dgm:pt>
     <dgm:pt modelId="{B187E4EA-C9D8-42E7-A8F5-F180307F044F}" type="pres">
       <dgm:prSet presAssocID="{BE139CD5-4947-456A-848F-F31249A9D02E}" presName="level3hierChild" presStyleCnt="0"/>
@@ -5573,10 +6516,26 @@
     <dgm:pt modelId="{77AB9B30-D9A5-4787-BD68-5BB227D0CC01}" type="pres">
       <dgm:prSet presAssocID="{2AFFFCCD-FFED-4C62-913D-E11541CDF08F}" presName="conn2-1" presStyleLbl="parChTrans1D4" presStyleIdx="3" presStyleCnt="12"/>
       <dgm:spPr/>
+      <dgm:t>
+        <a:bodyPr/>
+        <a:lstStyle/>
+        <a:p>
+          <a:pPr latinLnBrk="1"/>
+          <a:endParaRPr lang="ko-KR" altLang="en-US"/>
+        </a:p>
+      </dgm:t>
     </dgm:pt>
     <dgm:pt modelId="{7F9875A5-E9B5-4497-B367-EB5BB35E3887}" type="pres">
       <dgm:prSet presAssocID="{2AFFFCCD-FFED-4C62-913D-E11541CDF08F}" presName="connTx" presStyleLbl="parChTrans1D4" presStyleIdx="3" presStyleCnt="12"/>
       <dgm:spPr/>
+      <dgm:t>
+        <a:bodyPr/>
+        <a:lstStyle/>
+        <a:p>
+          <a:pPr latinLnBrk="1"/>
+          <a:endParaRPr lang="ko-KR" altLang="en-US"/>
+        </a:p>
+      </dgm:t>
     </dgm:pt>
     <dgm:pt modelId="{1F0A6674-1648-41D4-8103-027C0C908BE7}" type="pres">
       <dgm:prSet presAssocID="{FB04B717-3894-4071-9795-7D4F2EFF7D12}" presName="root2" presStyleCnt="0"/>
@@ -5605,10 +6564,26 @@
     <dgm:pt modelId="{BB7A2500-0B45-4A1C-9E14-64FFBB9C6E40}" type="pres">
       <dgm:prSet presAssocID="{808DE9F4-D557-49AD-A7C9-DBE5E5DF13BE}" presName="conn2-1" presStyleLbl="parChTrans1D4" presStyleIdx="4" presStyleCnt="12"/>
       <dgm:spPr/>
+      <dgm:t>
+        <a:bodyPr/>
+        <a:lstStyle/>
+        <a:p>
+          <a:pPr latinLnBrk="1"/>
+          <a:endParaRPr lang="ko-KR" altLang="en-US"/>
+        </a:p>
+      </dgm:t>
     </dgm:pt>
     <dgm:pt modelId="{0793DB37-4A81-4E00-B687-79F0FF1B9D7C}" type="pres">
       <dgm:prSet presAssocID="{808DE9F4-D557-49AD-A7C9-DBE5E5DF13BE}" presName="connTx" presStyleLbl="parChTrans1D4" presStyleIdx="4" presStyleCnt="12"/>
       <dgm:spPr/>
+      <dgm:t>
+        <a:bodyPr/>
+        <a:lstStyle/>
+        <a:p>
+          <a:pPr latinLnBrk="1"/>
+          <a:endParaRPr lang="ko-KR" altLang="en-US"/>
+        </a:p>
+      </dgm:t>
     </dgm:pt>
     <dgm:pt modelId="{086F2DC9-482D-4FB9-8D29-A06DD0D3FB56}" type="pres">
       <dgm:prSet presAssocID="{FFE8650D-0D67-43CC-830B-9DB2793AAC92}" presName="root2" presStyleCnt="0"/>
@@ -5637,10 +6612,26 @@
     <dgm:pt modelId="{498BF363-443F-44FF-83F1-F32CC797D6EF}" type="pres">
       <dgm:prSet presAssocID="{C65C7E12-043E-4D47-89E4-5A975B5B0E89}" presName="conn2-1" presStyleLbl="parChTrans1D4" presStyleIdx="5" presStyleCnt="12"/>
       <dgm:spPr/>
+      <dgm:t>
+        <a:bodyPr/>
+        <a:lstStyle/>
+        <a:p>
+          <a:pPr latinLnBrk="1"/>
+          <a:endParaRPr lang="ko-KR" altLang="en-US"/>
+        </a:p>
+      </dgm:t>
     </dgm:pt>
     <dgm:pt modelId="{C22A3C66-B8C9-4125-B37C-065246EFDB02}" type="pres">
       <dgm:prSet presAssocID="{C65C7E12-043E-4D47-89E4-5A975B5B0E89}" presName="connTx" presStyleLbl="parChTrans1D4" presStyleIdx="5" presStyleCnt="12"/>
       <dgm:spPr/>
+      <dgm:t>
+        <a:bodyPr/>
+        <a:lstStyle/>
+        <a:p>
+          <a:pPr latinLnBrk="1"/>
+          <a:endParaRPr lang="ko-KR" altLang="en-US"/>
+        </a:p>
+      </dgm:t>
     </dgm:pt>
     <dgm:pt modelId="{E4FD679C-9CA1-419A-9037-947375B0CF3C}" type="pres">
       <dgm:prSet presAssocID="{2E651802-5F37-4BAF-B8C8-E94D2B4386C7}" presName="root2" presStyleCnt="0"/>
@@ -5669,10 +6660,26 @@
     <dgm:pt modelId="{8DBD3756-477B-4A06-ABEA-D1F541FA956B}" type="pres">
       <dgm:prSet presAssocID="{0E633E35-B9F5-40A2-9BB7-8647CAACC63A}" presName="conn2-1" presStyleLbl="parChTrans1D4" presStyleIdx="6" presStyleCnt="12"/>
       <dgm:spPr/>
+      <dgm:t>
+        <a:bodyPr/>
+        <a:lstStyle/>
+        <a:p>
+          <a:pPr latinLnBrk="1"/>
+          <a:endParaRPr lang="ko-KR" altLang="en-US"/>
+        </a:p>
+      </dgm:t>
     </dgm:pt>
     <dgm:pt modelId="{BE4CFDEE-B10B-4F56-AD1F-9FCAC9679FA2}" type="pres">
       <dgm:prSet presAssocID="{0E633E35-B9F5-40A2-9BB7-8647CAACC63A}" presName="connTx" presStyleLbl="parChTrans1D4" presStyleIdx="6" presStyleCnt="12"/>
       <dgm:spPr/>
+      <dgm:t>
+        <a:bodyPr/>
+        <a:lstStyle/>
+        <a:p>
+          <a:pPr latinLnBrk="1"/>
+          <a:endParaRPr lang="ko-KR" altLang="en-US"/>
+        </a:p>
+      </dgm:t>
     </dgm:pt>
     <dgm:pt modelId="{7B6B9058-CF6C-498C-9460-4B3E19FC7992}" type="pres">
       <dgm:prSet presAssocID="{F415BF1B-4D0B-473E-85D9-3D5F3D5C2C25}" presName="root2" presStyleCnt="0"/>
@@ -5701,10 +6708,26 @@
     <dgm:pt modelId="{66233BA3-F386-4B41-8382-282FE1BCCF87}" type="pres">
       <dgm:prSet presAssocID="{76A5C98A-A444-4C5E-A45C-4C8959FE33E4}" presName="conn2-1" presStyleLbl="parChTrans1D4" presStyleIdx="7" presStyleCnt="12"/>
       <dgm:spPr/>
+      <dgm:t>
+        <a:bodyPr/>
+        <a:lstStyle/>
+        <a:p>
+          <a:pPr latinLnBrk="1"/>
+          <a:endParaRPr lang="ko-KR" altLang="en-US"/>
+        </a:p>
+      </dgm:t>
     </dgm:pt>
     <dgm:pt modelId="{93977D65-0D4B-425D-8D23-F4E8B2705A34}" type="pres">
       <dgm:prSet presAssocID="{76A5C98A-A444-4C5E-A45C-4C8959FE33E4}" presName="connTx" presStyleLbl="parChTrans1D4" presStyleIdx="7" presStyleCnt="12"/>
       <dgm:spPr/>
+      <dgm:t>
+        <a:bodyPr/>
+        <a:lstStyle/>
+        <a:p>
+          <a:pPr latinLnBrk="1"/>
+          <a:endParaRPr lang="ko-KR" altLang="en-US"/>
+        </a:p>
+      </dgm:t>
     </dgm:pt>
     <dgm:pt modelId="{5E214F8D-DD43-4308-829E-EDD7C6EF5465}" type="pres">
       <dgm:prSet presAssocID="{C60D2DFC-233A-44B2-9B84-2654B315A9BF}" presName="root2" presStyleCnt="0"/>
@@ -5733,10 +6756,26 @@
     <dgm:pt modelId="{1F00BFAA-7A0F-496F-8DBB-F2DACFC38AED}" type="pres">
       <dgm:prSet presAssocID="{8CB6328A-0EA4-4B4A-AFCD-FA5E6C8BCD03}" presName="conn2-1" presStyleLbl="parChTrans1D4" presStyleIdx="8" presStyleCnt="12"/>
       <dgm:spPr/>
+      <dgm:t>
+        <a:bodyPr/>
+        <a:lstStyle/>
+        <a:p>
+          <a:pPr latinLnBrk="1"/>
+          <a:endParaRPr lang="ko-KR" altLang="en-US"/>
+        </a:p>
+      </dgm:t>
     </dgm:pt>
     <dgm:pt modelId="{5DF763F5-B3A0-4956-AC05-CB0E9EB8CBB2}" type="pres">
       <dgm:prSet presAssocID="{8CB6328A-0EA4-4B4A-AFCD-FA5E6C8BCD03}" presName="connTx" presStyleLbl="parChTrans1D4" presStyleIdx="8" presStyleCnt="12"/>
       <dgm:spPr/>
+      <dgm:t>
+        <a:bodyPr/>
+        <a:lstStyle/>
+        <a:p>
+          <a:pPr latinLnBrk="1"/>
+          <a:endParaRPr lang="ko-KR" altLang="en-US"/>
+        </a:p>
+      </dgm:t>
     </dgm:pt>
     <dgm:pt modelId="{B8EFC52B-4192-4247-96CE-34D72151317E}" type="pres">
       <dgm:prSet presAssocID="{71531285-D66C-47E2-A567-7405C1C0C99F}" presName="root2" presStyleCnt="0"/>
@@ -5765,10 +6804,26 @@
     <dgm:pt modelId="{C4815AFE-B6D5-4B03-B8E9-86C2696C0A25}" type="pres">
       <dgm:prSet presAssocID="{9EA3FCE3-BEC9-48DD-A675-316D7B15474D}" presName="conn2-1" presStyleLbl="parChTrans1D4" presStyleIdx="9" presStyleCnt="12"/>
       <dgm:spPr/>
+      <dgm:t>
+        <a:bodyPr/>
+        <a:lstStyle/>
+        <a:p>
+          <a:pPr latinLnBrk="1"/>
+          <a:endParaRPr lang="ko-KR" altLang="en-US"/>
+        </a:p>
+      </dgm:t>
     </dgm:pt>
     <dgm:pt modelId="{91C0D9C1-A4D9-4C46-977F-0238F119A126}" type="pres">
       <dgm:prSet presAssocID="{9EA3FCE3-BEC9-48DD-A675-316D7B15474D}" presName="connTx" presStyleLbl="parChTrans1D4" presStyleIdx="9" presStyleCnt="12"/>
       <dgm:spPr/>
+      <dgm:t>
+        <a:bodyPr/>
+        <a:lstStyle/>
+        <a:p>
+          <a:pPr latinLnBrk="1"/>
+          <a:endParaRPr lang="ko-KR" altLang="en-US"/>
+        </a:p>
+      </dgm:t>
     </dgm:pt>
     <dgm:pt modelId="{D0E0584C-8792-413E-A634-E00A58C86654}" type="pres">
       <dgm:prSet presAssocID="{E43B0AF6-92BE-499A-AB8E-931B04EBF2DE}" presName="root2" presStyleCnt="0"/>
@@ -5797,10 +6852,26 @@
     <dgm:pt modelId="{CD052706-492D-4BD5-A15D-F6EE1FD068D0}" type="pres">
       <dgm:prSet presAssocID="{C7FE3481-D28C-447C-ABBA-82C75ED94E7A}" presName="conn2-1" presStyleLbl="parChTrans1D4" presStyleIdx="10" presStyleCnt="12"/>
       <dgm:spPr/>
+      <dgm:t>
+        <a:bodyPr/>
+        <a:lstStyle/>
+        <a:p>
+          <a:pPr latinLnBrk="1"/>
+          <a:endParaRPr lang="ko-KR" altLang="en-US"/>
+        </a:p>
+      </dgm:t>
     </dgm:pt>
     <dgm:pt modelId="{19C7C10B-AE3F-4A24-B357-316FBCB66F18}" type="pres">
       <dgm:prSet presAssocID="{C7FE3481-D28C-447C-ABBA-82C75ED94E7A}" presName="connTx" presStyleLbl="parChTrans1D4" presStyleIdx="10" presStyleCnt="12"/>
       <dgm:spPr/>
+      <dgm:t>
+        <a:bodyPr/>
+        <a:lstStyle/>
+        <a:p>
+          <a:pPr latinLnBrk="1"/>
+          <a:endParaRPr lang="ko-KR" altLang="en-US"/>
+        </a:p>
+      </dgm:t>
     </dgm:pt>
     <dgm:pt modelId="{77914411-4A9E-4F8B-8C4F-0C845FA8079C}" type="pres">
       <dgm:prSet presAssocID="{A563F6B0-9818-4D63-B003-57274D2EB4F5}" presName="root2" presStyleCnt="0"/>
@@ -5829,10 +6900,26 @@
     <dgm:pt modelId="{6A6B224C-FC44-476E-B9CD-AFE879DD12F9}" type="pres">
       <dgm:prSet presAssocID="{965A4E36-FBBE-4B2B-9F04-B1DFCC19F5D7}" presName="conn2-1" presStyleLbl="parChTrans1D4" presStyleIdx="11" presStyleCnt="12"/>
       <dgm:spPr/>
+      <dgm:t>
+        <a:bodyPr/>
+        <a:lstStyle/>
+        <a:p>
+          <a:pPr latinLnBrk="1"/>
+          <a:endParaRPr lang="ko-KR" altLang="en-US"/>
+        </a:p>
+      </dgm:t>
     </dgm:pt>
     <dgm:pt modelId="{A1A0D0DE-E3CA-49A0-961A-8EC0FD106B95}" type="pres">
       <dgm:prSet presAssocID="{965A4E36-FBBE-4B2B-9F04-B1DFCC19F5D7}" presName="connTx" presStyleLbl="parChTrans1D4" presStyleIdx="11" presStyleCnt="12"/>
       <dgm:spPr/>
+      <dgm:t>
+        <a:bodyPr/>
+        <a:lstStyle/>
+        <a:p>
+          <a:pPr latinLnBrk="1"/>
+          <a:endParaRPr lang="ko-KR" altLang="en-US"/>
+        </a:p>
+      </dgm:t>
     </dgm:pt>
     <dgm:pt modelId="{8DE844B4-E4DE-41CB-98FB-70698A6F2CFA}" type="pres">
       <dgm:prSet presAssocID="{A593531D-FEDC-43A8-A1A8-6BA1B2A9B9FC}" presName="root2" presStyleCnt="0"/>
@@ -5861,10 +6948,26 @@
     <dgm:pt modelId="{A7334180-41FE-4644-B187-01EB6E999AF5}" type="pres">
       <dgm:prSet presAssocID="{313EE97F-326C-47E9-9EFC-6D4294026F32}" presName="conn2-1" presStyleLbl="parChTrans1D2" presStyleIdx="1" presStyleCnt="2"/>
       <dgm:spPr/>
+      <dgm:t>
+        <a:bodyPr/>
+        <a:lstStyle/>
+        <a:p>
+          <a:pPr latinLnBrk="1"/>
+          <a:endParaRPr lang="ko-KR" altLang="en-US"/>
+        </a:p>
+      </dgm:t>
     </dgm:pt>
     <dgm:pt modelId="{6752ABFA-8A2A-4EA7-9AAE-6295243AB750}" type="pres">
       <dgm:prSet presAssocID="{313EE97F-326C-47E9-9EFC-6D4294026F32}" presName="connTx" presStyleLbl="parChTrans1D2" presStyleIdx="1" presStyleCnt="2"/>
       <dgm:spPr/>
+      <dgm:t>
+        <a:bodyPr/>
+        <a:lstStyle/>
+        <a:p>
+          <a:pPr latinLnBrk="1"/>
+          <a:endParaRPr lang="ko-KR" altLang="en-US"/>
+        </a:p>
+      </dgm:t>
     </dgm:pt>
     <dgm:pt modelId="{6F91A8BC-D8E5-4EF4-9F47-C258A450C586}" type="pres">
       <dgm:prSet presAssocID="{B649D719-4CBA-4E14-9E20-9B09D5621605}" presName="root2" presStyleCnt="0"/>
@@ -5877,6 +6980,14 @@
         </dgm:presLayoutVars>
       </dgm:prSet>
       <dgm:spPr/>
+      <dgm:t>
+        <a:bodyPr/>
+        <a:lstStyle/>
+        <a:p>
+          <a:pPr latinLnBrk="1"/>
+          <a:endParaRPr lang="ko-KR" altLang="en-US"/>
+        </a:p>
+      </dgm:t>
     </dgm:pt>
     <dgm:pt modelId="{724A372F-26D6-44B9-A1F3-67D08D213D33}" type="pres">
       <dgm:prSet presAssocID="{B649D719-4CBA-4E14-9E20-9B09D5621605}" presName="level3hierChild" presStyleCnt="0"/>
@@ -5885,10 +6996,26 @@
     <dgm:pt modelId="{6206E0D1-4867-4DF0-8FBE-A4DA989BA1FE}" type="pres">
       <dgm:prSet presAssocID="{E5BC4242-84C1-4E84-BE64-2C386A2CDA89}" presName="conn2-1" presStyleLbl="parChTrans1D3" presStyleIdx="2" presStyleCnt="4"/>
       <dgm:spPr/>
+      <dgm:t>
+        <a:bodyPr/>
+        <a:lstStyle/>
+        <a:p>
+          <a:pPr latinLnBrk="1"/>
+          <a:endParaRPr lang="ko-KR" altLang="en-US"/>
+        </a:p>
+      </dgm:t>
     </dgm:pt>
     <dgm:pt modelId="{033D25D4-A5AC-4034-887D-CAED4CDA0A73}" type="pres">
       <dgm:prSet presAssocID="{E5BC4242-84C1-4E84-BE64-2C386A2CDA89}" presName="connTx" presStyleLbl="parChTrans1D3" presStyleIdx="2" presStyleCnt="4"/>
       <dgm:spPr/>
+      <dgm:t>
+        <a:bodyPr/>
+        <a:lstStyle/>
+        <a:p>
+          <a:pPr latinLnBrk="1"/>
+          <a:endParaRPr lang="ko-KR" altLang="en-US"/>
+        </a:p>
+      </dgm:t>
     </dgm:pt>
     <dgm:pt modelId="{DD84ACFE-2D1C-4135-A5BC-8C3B3E6852F5}" type="pres">
       <dgm:prSet presAssocID="{24BCB0EA-869E-46D4-A387-1432D691CA6B}" presName="root2" presStyleCnt="0"/>
@@ -5901,6 +7028,14 @@
         </dgm:presLayoutVars>
       </dgm:prSet>
       <dgm:spPr/>
+      <dgm:t>
+        <a:bodyPr/>
+        <a:lstStyle/>
+        <a:p>
+          <a:pPr latinLnBrk="1"/>
+          <a:endParaRPr lang="ko-KR" altLang="en-US"/>
+        </a:p>
+      </dgm:t>
     </dgm:pt>
     <dgm:pt modelId="{DAA5E8CE-EABF-4F0F-8B3E-055FF291E195}" type="pres">
       <dgm:prSet presAssocID="{24BCB0EA-869E-46D4-A387-1432D691CA6B}" presName="level3hierChild" presStyleCnt="0"/>
@@ -5909,10 +7044,26 @@
     <dgm:pt modelId="{AB2CCB78-63FB-483E-BD27-AD645ED38DDB}" type="pres">
       <dgm:prSet presAssocID="{C564AA7B-95EE-4590-8F0F-95C8FCDB999A}" presName="conn2-1" presStyleLbl="parChTrans1D3" presStyleIdx="3" presStyleCnt="4"/>
       <dgm:spPr/>
+      <dgm:t>
+        <a:bodyPr/>
+        <a:lstStyle/>
+        <a:p>
+          <a:pPr latinLnBrk="1"/>
+          <a:endParaRPr lang="ko-KR" altLang="en-US"/>
+        </a:p>
+      </dgm:t>
     </dgm:pt>
     <dgm:pt modelId="{FB25F413-450C-4E18-BD15-9A4D01ACF1EF}" type="pres">
       <dgm:prSet presAssocID="{C564AA7B-95EE-4590-8F0F-95C8FCDB999A}" presName="connTx" presStyleLbl="parChTrans1D3" presStyleIdx="3" presStyleCnt="4"/>
       <dgm:spPr/>
+      <dgm:t>
+        <a:bodyPr/>
+        <a:lstStyle/>
+        <a:p>
+          <a:pPr latinLnBrk="1"/>
+          <a:endParaRPr lang="ko-KR" altLang="en-US"/>
+        </a:p>
+      </dgm:t>
     </dgm:pt>
     <dgm:pt modelId="{06F871E4-DBBF-4F82-844A-95D17FEB1160}" type="pres">
       <dgm:prSet presAssocID="{76E2D26E-1336-4B77-A801-51F91B46EAB5}" presName="root2" presStyleCnt="0"/>
@@ -5925,6 +7076,14 @@
         </dgm:presLayoutVars>
       </dgm:prSet>
       <dgm:spPr/>
+      <dgm:t>
+        <a:bodyPr/>
+        <a:lstStyle/>
+        <a:p>
+          <a:pPr latinLnBrk="1"/>
+          <a:endParaRPr lang="ko-KR" altLang="en-US"/>
+        </a:p>
+      </dgm:t>
     </dgm:pt>
     <dgm:pt modelId="{9538918C-2ECD-4812-A13E-E85B99A5517D}" type="pres">
       <dgm:prSet presAssocID="{76E2D26E-1336-4B77-A801-51F91B46EAB5}" presName="level3hierChild" presStyleCnt="0"/>
@@ -5934,9 +7093,9 @@
   <dgm:cxnLst>
     <dgm:cxn modelId="{4FA148F2-6147-4122-882D-C63530C2CDA6}" srcId="{BE139CD5-4947-456A-848F-F31249A9D02E}" destId="{FB04B717-3894-4071-9795-7D4F2EFF7D12}" srcOrd="0" destOrd="0" parTransId="{2AFFFCCD-FFED-4C62-913D-E11541CDF08F}" sibTransId="{98036BB3-7B13-4C3E-AF14-A22830DFE216}"/>
     <dgm:cxn modelId="{D780A4C8-EB27-42A5-81A6-B5EFC5E68A35}" type="presOf" srcId="{C564AA7B-95EE-4590-8F0F-95C8FCDB999A}" destId="{AB2CCB78-63FB-483E-BD27-AD645ED38DDB}" srcOrd="0" destOrd="0" presId="urn:microsoft.com/office/officeart/2008/layout/HorizontalMultiLevelHierarchy"/>
+    <dgm:cxn modelId="{FD2132CA-7C0C-4788-8517-82EC7D060B40}" type="presOf" srcId="{0E633E35-B9F5-40A2-9BB7-8647CAACC63A}" destId="{8DBD3756-477B-4A06-ABEA-D1F541FA956B}" srcOrd="0" destOrd="0" presId="urn:microsoft.com/office/officeart/2008/layout/HorizontalMultiLevelHierarchy"/>
+    <dgm:cxn modelId="{A7C1627F-C67F-41BC-8DFC-4D666329E420}" type="presOf" srcId="{965A4E36-FBBE-4B2B-9F04-B1DFCC19F5D7}" destId="{6A6B224C-FC44-476E-B9CD-AFE879DD12F9}" srcOrd="0" destOrd="0" presId="urn:microsoft.com/office/officeart/2008/layout/HorizontalMultiLevelHierarchy"/>
     <dgm:cxn modelId="{D7B8BE83-29BE-47B2-852F-087BB89A7A41}" srcId="{C60D2DFC-233A-44B2-9B84-2654B315A9BF}" destId="{71531285-D66C-47E2-A567-7405C1C0C99F}" srcOrd="0" destOrd="0" parTransId="{8CB6328A-0EA4-4B4A-AFCD-FA5E6C8BCD03}" sibTransId="{6C5AB590-4F98-4646-8A0D-AE5CE13BBC51}"/>
-    <dgm:cxn modelId="{A7C1627F-C67F-41BC-8DFC-4D666329E420}" type="presOf" srcId="{965A4E36-FBBE-4B2B-9F04-B1DFCC19F5D7}" destId="{6A6B224C-FC44-476E-B9CD-AFE879DD12F9}" srcOrd="0" destOrd="0" presId="urn:microsoft.com/office/officeart/2008/layout/HorizontalMultiLevelHierarchy"/>
-    <dgm:cxn modelId="{FD2132CA-7C0C-4788-8517-82EC7D060B40}" type="presOf" srcId="{0E633E35-B9F5-40A2-9BB7-8647CAACC63A}" destId="{8DBD3756-477B-4A06-ABEA-D1F541FA956B}" srcOrd="0" destOrd="0" presId="urn:microsoft.com/office/officeart/2008/layout/HorizontalMultiLevelHierarchy"/>
     <dgm:cxn modelId="{24D8D98A-E11F-433D-9E36-C7A590FCDBBE}" srcId="{1240F56C-8121-4C26-A397-C8AB913F6110}" destId="{B649D719-4CBA-4E14-9E20-9B09D5621605}" srcOrd="1" destOrd="0" parTransId="{313EE97F-326C-47E9-9EFC-6D4294026F32}" sibTransId="{9C3F7460-7594-42D0-B80E-801815186F6A}"/>
     <dgm:cxn modelId="{D7B2C092-20E6-488E-B6BB-334EFE6A66AA}" type="presOf" srcId="{40E9653F-7FD0-4436-9D01-4DCE48B9E088}" destId="{51EF3780-9EB6-4535-9447-B356411B882A}" srcOrd="0" destOrd="0" presId="urn:microsoft.com/office/officeart/2008/layout/HorizontalMultiLevelHierarchy"/>
     <dgm:cxn modelId="{8806AE48-1FF4-43D2-A541-C1366A9B789C}" type="presOf" srcId="{818D3BE1-B905-43F7-899C-81CB07B02D61}" destId="{8BC86EA5-806D-4E02-BBF3-F9A61593E3DC}" srcOrd="1" destOrd="0" presId="urn:microsoft.com/office/officeart/2008/layout/HorizontalMultiLevelHierarchy"/>
@@ -5951,16 +7110,16 @@
     <dgm:cxn modelId="{090CF18E-D142-4270-96B3-37A50DBDE469}" type="presOf" srcId="{313EE97F-326C-47E9-9EFC-6D4294026F32}" destId="{A7334180-41FE-4644-B187-01EB6E999AF5}" srcOrd="0" destOrd="0" presId="urn:microsoft.com/office/officeart/2008/layout/HorizontalMultiLevelHierarchy"/>
     <dgm:cxn modelId="{C59BED37-6CB3-46F5-8EC6-79CD10B9605B}" type="presOf" srcId="{313EE97F-326C-47E9-9EFC-6D4294026F32}" destId="{6752ABFA-8A2A-4EA7-9AAE-6295243AB750}" srcOrd="1" destOrd="0" presId="urn:microsoft.com/office/officeart/2008/layout/HorizontalMultiLevelHierarchy"/>
     <dgm:cxn modelId="{B33EBF01-D79F-4A56-ADEA-092B39C59905}" type="presOf" srcId="{C7FE3481-D28C-447C-ABBA-82C75ED94E7A}" destId="{CD052706-492D-4BD5-A15D-F6EE1FD068D0}" srcOrd="0" destOrd="0" presId="urn:microsoft.com/office/officeart/2008/layout/HorizontalMultiLevelHierarchy"/>
+    <dgm:cxn modelId="{B086134B-D460-48BC-97DF-FBC11F4B01D5}" type="presOf" srcId="{8CB6328A-0EA4-4B4A-AFCD-FA5E6C8BCD03}" destId="{1F00BFAA-7A0F-496F-8DBB-F2DACFC38AED}" srcOrd="0" destOrd="0" presId="urn:microsoft.com/office/officeart/2008/layout/HorizontalMultiLevelHierarchy"/>
     <dgm:cxn modelId="{8B3B5E1E-01C8-491E-A4C2-4544DF384C37}" type="presOf" srcId="{A563F6B0-9818-4D63-B003-57274D2EB4F5}" destId="{33E26CE5-B046-4043-9EE6-66BA29EF4981}" srcOrd="0" destOrd="0" presId="urn:microsoft.com/office/officeart/2008/layout/HorizontalMultiLevelHierarchy"/>
-    <dgm:cxn modelId="{B086134B-D460-48BC-97DF-FBC11F4B01D5}" type="presOf" srcId="{8CB6328A-0EA4-4B4A-AFCD-FA5E6C8BCD03}" destId="{1F00BFAA-7A0F-496F-8DBB-F2DACFC38AED}" srcOrd="0" destOrd="0" presId="urn:microsoft.com/office/officeart/2008/layout/HorizontalMultiLevelHierarchy"/>
     <dgm:cxn modelId="{0FCC5A7F-1697-4BE0-9708-45D998F96A4B}" type="presOf" srcId="{C65C7E12-043E-4D47-89E4-5A975B5B0E89}" destId="{C22A3C66-B8C9-4125-B37C-065246EFDB02}" srcOrd="1" destOrd="0" presId="urn:microsoft.com/office/officeart/2008/layout/HorizontalMultiLevelHierarchy"/>
     <dgm:cxn modelId="{4C86BACC-9D09-46D5-87C4-7ABC0209CB32}" srcId="{899837B5-1CE5-41EB-9217-958314609117}" destId="{BE139CD5-4947-456A-848F-F31249A9D02E}" srcOrd="1" destOrd="0" parTransId="{BEBAD53D-0B7C-438B-B443-9770A1CA80C7}" sibTransId="{41B9F6BC-3092-4A73-BD89-E6FF64C9FAE6}"/>
     <dgm:cxn modelId="{D5649816-E8C4-40A2-A787-83C6B2D00439}" type="presOf" srcId="{899837B5-1CE5-41EB-9217-958314609117}" destId="{AA3923C2-0A67-4744-937C-80D179275E5B}" srcOrd="0" destOrd="0" presId="urn:microsoft.com/office/officeart/2008/layout/HorizontalMultiLevelHierarchy"/>
     <dgm:cxn modelId="{CBAE4FF2-B610-4A5A-A735-A69E7ED8FACA}" srcId="{BE139CD5-4947-456A-848F-F31249A9D02E}" destId="{A563F6B0-9818-4D63-B003-57274D2EB4F5}" srcOrd="2" destOrd="0" parTransId="{C7FE3481-D28C-447C-ABBA-82C75ED94E7A}" sibTransId="{0DDF6729-27BE-4F20-B704-73D890228A3D}"/>
     <dgm:cxn modelId="{2E183A90-534B-4924-9CD2-FF948548F2B4}" srcId="{FFE8650D-0D67-43CC-830B-9DB2793AAC92}" destId="{F415BF1B-4D0B-473E-85D9-3D5F3D5C2C25}" srcOrd="1" destOrd="0" parTransId="{0E633E35-B9F5-40A2-9BB7-8647CAACC63A}" sibTransId="{8224D448-5ACC-451E-B9BA-C6DEBC45217E}"/>
     <dgm:cxn modelId="{FF693E8F-BB9F-4342-8EC8-884EFA0EFF70}" type="presOf" srcId="{25D5F1B3-5396-4841-8897-3B72950225D2}" destId="{A5DA7790-48F4-4B92-86D7-1288A9A2D594}" srcOrd="0" destOrd="0" presId="urn:microsoft.com/office/officeart/2008/layout/HorizontalMultiLevelHierarchy"/>
+    <dgm:cxn modelId="{2E6A9769-C3D4-4943-9DCF-66429E7F55DB}" type="presOf" srcId="{808DE9F4-D557-49AD-A7C9-DBE5E5DF13BE}" destId="{0793DB37-4A81-4E00-B687-79F0FF1B9D7C}" srcOrd="1" destOrd="0" presId="urn:microsoft.com/office/officeart/2008/layout/HorizontalMultiLevelHierarchy"/>
     <dgm:cxn modelId="{444FCB3D-4E04-48A1-A258-BCC439ABEDDF}" type="presOf" srcId="{37CE4682-12B6-4B29-89E6-E1D9B965F292}" destId="{2B1A1B29-6745-4A29-8AB2-59F0B901D6AD}" srcOrd="1" destOrd="0" presId="urn:microsoft.com/office/officeart/2008/layout/HorizontalMultiLevelHierarchy"/>
-    <dgm:cxn modelId="{2E6A9769-C3D4-4943-9DCF-66429E7F55DB}" type="presOf" srcId="{808DE9F4-D557-49AD-A7C9-DBE5E5DF13BE}" destId="{0793DB37-4A81-4E00-B687-79F0FF1B9D7C}" srcOrd="1" destOrd="0" presId="urn:microsoft.com/office/officeart/2008/layout/HorizontalMultiLevelHierarchy"/>
     <dgm:cxn modelId="{C3756028-1992-4A2A-98E1-37D4F43191CC}" srcId="{2040336D-AF7A-45CA-8BF0-0413E4833863}" destId="{40E9653F-7FD0-4436-9D01-4DCE48B9E088}" srcOrd="2" destOrd="0" parTransId="{37CE4682-12B6-4B29-89E6-E1D9B965F292}" sibTransId="{688DEA1D-2B67-45AC-B41F-419F94D61372}"/>
     <dgm:cxn modelId="{F7A98D93-72D1-44A0-A03B-FD5D6BD62436}" type="presOf" srcId="{BEBAD53D-0B7C-438B-B443-9770A1CA80C7}" destId="{EAEDA365-336B-4ACA-BF92-B919A7C2A1DA}" srcOrd="0" destOrd="0" presId="urn:microsoft.com/office/officeart/2008/layout/HorizontalMultiLevelHierarchy"/>
     <dgm:cxn modelId="{EE54AC78-A4CB-4E34-9107-DBF44DEA7CE2}" type="presOf" srcId="{FB04B717-3894-4071-9795-7D4F2EFF7D12}" destId="{4F6EFB45-0ED0-4ABC-9F3C-484AF59136BB}" srcOrd="0" destOrd="0" presId="urn:microsoft.com/office/officeart/2008/layout/HorizontalMultiLevelHierarchy"/>
@@ -5970,12 +7129,12 @@
     <dgm:cxn modelId="{61FB2495-7C60-4ED3-9B09-1DB9FF996EDA}" type="presOf" srcId="{F415BF1B-4D0B-473E-85D9-3D5F3D5C2C25}" destId="{BC9DD455-1F93-4E85-B10E-9DF208DB58A2}" srcOrd="0" destOrd="0" presId="urn:microsoft.com/office/officeart/2008/layout/HorizontalMultiLevelHierarchy"/>
     <dgm:cxn modelId="{4FABA87E-C7F3-43CF-99F6-AEED401949AE}" type="presOf" srcId="{B649D719-4CBA-4E14-9E20-9B09D5621605}" destId="{0149CE6F-29C4-4B2E-B67E-2DC682BC46EA}" srcOrd="0" destOrd="0" presId="urn:microsoft.com/office/officeart/2008/layout/HorizontalMultiLevelHierarchy"/>
     <dgm:cxn modelId="{578AFB30-ABC8-44C0-86E2-25A5977FA3ED}" srcId="{899837B5-1CE5-41EB-9217-958314609117}" destId="{2040336D-AF7A-45CA-8BF0-0413E4833863}" srcOrd="0" destOrd="0" parTransId="{25D5F1B3-5396-4841-8897-3B72950225D2}" sibTransId="{19EB3D61-F964-41E0-AA16-B42880DB3479}"/>
+    <dgm:cxn modelId="{01C37694-8BAA-48D1-A27E-517560494ECC}" type="presOf" srcId="{9EA3FCE3-BEC9-48DD-A675-316D7B15474D}" destId="{C4815AFE-B6D5-4B03-B8E9-86C2696C0A25}" srcOrd="0" destOrd="0" presId="urn:microsoft.com/office/officeart/2008/layout/HorizontalMultiLevelHierarchy"/>
     <dgm:cxn modelId="{396A6ED0-5CF9-437A-A1FA-9F8363F3F44D}" type="presOf" srcId="{F98F6E85-68A8-43D7-A764-7758A22A3FBB}" destId="{151FEBA2-2601-4C4E-B3EB-4CB0FA4A0D00}" srcOrd="0" destOrd="0" presId="urn:microsoft.com/office/officeart/2008/layout/HorizontalMultiLevelHierarchy"/>
-    <dgm:cxn modelId="{01C37694-8BAA-48D1-A27E-517560494ECC}" type="presOf" srcId="{9EA3FCE3-BEC9-48DD-A675-316D7B15474D}" destId="{C4815AFE-B6D5-4B03-B8E9-86C2696C0A25}" srcOrd="0" destOrd="0" presId="urn:microsoft.com/office/officeart/2008/layout/HorizontalMultiLevelHierarchy"/>
     <dgm:cxn modelId="{47EDB04B-DA7C-4F40-BB8D-E7EBB9BFE885}" type="presOf" srcId="{E5BC4242-84C1-4E84-BE64-2C386A2CDA89}" destId="{6206E0D1-4867-4DF0-8FBE-A4DA989BA1FE}" srcOrd="0" destOrd="0" presId="urn:microsoft.com/office/officeart/2008/layout/HorizontalMultiLevelHierarchy"/>
     <dgm:cxn modelId="{EE51253B-71A8-4EBF-BD17-BE7C2ED7FBA3}" type="presOf" srcId="{9EA3FCE3-BEC9-48DD-A675-316D7B15474D}" destId="{91C0D9C1-A4D9-4C46-977F-0238F119A126}" srcOrd="1" destOrd="0" presId="urn:microsoft.com/office/officeart/2008/layout/HorizontalMultiLevelHierarchy"/>
+    <dgm:cxn modelId="{268B045C-9400-458A-A9ED-A640A58D64E6}" type="presOf" srcId="{808DE9F4-D557-49AD-A7C9-DBE5E5DF13BE}" destId="{BB7A2500-0B45-4A1C-9E14-64FFBB9C6E40}" srcOrd="0" destOrd="0" presId="urn:microsoft.com/office/officeart/2008/layout/HorizontalMultiLevelHierarchy"/>
     <dgm:cxn modelId="{4D9C74C3-5560-450B-B39C-77B8690903FD}" type="presOf" srcId="{76A5C98A-A444-4C5E-A45C-4C8959FE33E4}" destId="{66233BA3-F386-4B41-8382-282FE1BCCF87}" srcOrd="0" destOrd="0" presId="urn:microsoft.com/office/officeart/2008/layout/HorizontalMultiLevelHierarchy"/>
-    <dgm:cxn modelId="{268B045C-9400-458A-A9ED-A640A58D64E6}" type="presOf" srcId="{808DE9F4-D557-49AD-A7C9-DBE5E5DF13BE}" destId="{BB7A2500-0B45-4A1C-9E14-64FFBB9C6E40}" srcOrd="0" destOrd="0" presId="urn:microsoft.com/office/officeart/2008/layout/HorizontalMultiLevelHierarchy"/>
     <dgm:cxn modelId="{61A4BDD7-8EE3-4A2E-86C2-0012D328E83E}" type="presOf" srcId="{2AFFFCCD-FFED-4C62-913D-E11541CDF08F}" destId="{77AB9B30-D9A5-4787-BD68-5BB227D0CC01}" srcOrd="0" destOrd="0" presId="urn:microsoft.com/office/officeart/2008/layout/HorizontalMultiLevelHierarchy"/>
     <dgm:cxn modelId="{C9029C18-7066-4FF3-9EA6-56DFC5766930}" type="presOf" srcId="{E5BC4242-84C1-4E84-BE64-2C386A2CDA89}" destId="{033D25D4-A5AC-4034-887D-CAED4CDA0A73}" srcOrd="1" destOrd="0" presId="urn:microsoft.com/office/officeart/2008/layout/HorizontalMultiLevelHierarchy"/>
     <dgm:cxn modelId="{92D06751-8C1A-4F0A-AD40-35B46F54763C}" srcId="{B649D719-4CBA-4E14-9E20-9B09D5621605}" destId="{24BCB0EA-869E-46D4-A387-1432D691CA6B}" srcOrd="0" destOrd="0" parTransId="{E5BC4242-84C1-4E84-BE64-2C386A2CDA89}" sibTransId="{38A0C635-D117-4322-88BD-DACE213FAD5A}"/>
@@ -5999,8 +7158,8 @@
     <dgm:cxn modelId="{4724FDAF-993C-45E6-836C-B2F173995E6F}" type="presOf" srcId="{7679CDCF-7135-4D58-8A58-50239CA76A43}" destId="{2C506ED8-D257-473F-B5D8-0CE6B6FD827B}" srcOrd="0" destOrd="0" presId="urn:microsoft.com/office/officeart/2008/layout/HorizontalMultiLevelHierarchy"/>
     <dgm:cxn modelId="{3407692E-142A-4EBD-8E86-8CD9A547B7B0}" type="presOf" srcId="{1240F56C-8121-4C26-A397-C8AB913F6110}" destId="{FB4754F1-B4BB-4B3F-9E08-057E4EC1BC0C}" srcOrd="0" destOrd="0" presId="urn:microsoft.com/office/officeart/2008/layout/HorizontalMultiLevelHierarchy"/>
     <dgm:cxn modelId="{C986FF1D-6607-48CE-85B8-5C833BC77A60}" type="presOf" srcId="{BEBAD53D-0B7C-438B-B443-9770A1CA80C7}" destId="{CF49AACF-7E51-4961-9964-92BA9BB7C3DC}" srcOrd="1" destOrd="0" presId="urn:microsoft.com/office/officeart/2008/layout/HorizontalMultiLevelHierarchy"/>
+    <dgm:cxn modelId="{31220757-D715-4B1B-A7FE-43CEAA9A8EC0}" type="presOf" srcId="{25D5F1B3-5396-4841-8897-3B72950225D2}" destId="{A51564D8-DE90-4B62-BC9F-74BD53E73D3C}" srcOrd="1" destOrd="0" presId="urn:microsoft.com/office/officeart/2008/layout/HorizontalMultiLevelHierarchy"/>
     <dgm:cxn modelId="{FC1FE8B1-48C9-42C1-8903-FFD7B9AC97D2}" type="presOf" srcId="{2040336D-AF7A-45CA-8BF0-0413E4833863}" destId="{743EA2A3-6C0C-450C-A5A4-9D2AC5F332E8}" srcOrd="0" destOrd="0" presId="urn:microsoft.com/office/officeart/2008/layout/HorizontalMultiLevelHierarchy"/>
-    <dgm:cxn modelId="{31220757-D715-4B1B-A7FE-43CEAA9A8EC0}" type="presOf" srcId="{25D5F1B3-5396-4841-8897-3B72950225D2}" destId="{A51564D8-DE90-4B62-BC9F-74BD53E73D3C}" srcOrd="1" destOrd="0" presId="urn:microsoft.com/office/officeart/2008/layout/HorizontalMultiLevelHierarchy"/>
     <dgm:cxn modelId="{0FC40849-EE5B-4D16-BDC7-3F4EBBD36C30}" type="presOf" srcId="{827DA4AD-7D4B-4E67-8E50-BB4913DA9FE6}" destId="{C0D221AF-4E5B-4FF3-A0D8-8B0191A5E01D}" srcOrd="0" destOrd="0" presId="urn:microsoft.com/office/officeart/2008/layout/HorizontalMultiLevelHierarchy"/>
     <dgm:cxn modelId="{A23863FB-3A47-4EAB-8E45-D1B16A7848C3}" type="presOf" srcId="{2E651802-5F37-4BAF-B8C8-E94D2B4386C7}" destId="{27E42723-2948-49EA-A21B-BF7FA3EC914F}" srcOrd="0" destOrd="0" presId="urn:microsoft.com/office/officeart/2008/layout/HorizontalMultiLevelHierarchy"/>
     <dgm:cxn modelId="{2693AE7B-D58F-498B-B86D-6659CCC90251}" type="presOf" srcId="{663BBA3D-FDAB-46E7-9568-B7ADC2EE36BD}" destId="{494919C5-763B-4D42-9430-41BB8984B2F4}" srcOrd="0" destOrd="0" presId="urn:microsoft.com/office/officeart/2008/layout/HorizontalMultiLevelHierarchy"/>
@@ -7484,8 +8643,8 @@
       </dsp:nvSpPr>
       <dsp:spPr>
         <a:xfrm>
-          <a:off x="1059470" y="3231046"/>
-          <a:ext cx="991378" cy="1550664"/>
+          <a:off x="1708824" y="3173456"/>
+          <a:ext cx="342023" cy="1608254"/>
         </a:xfrm>
         <a:custGeom>
           <a:avLst/>
@@ -7499,13 +8658,13 @@
                 <a:pt x="0" y="0"/>
               </a:moveTo>
               <a:lnTo>
-                <a:pt x="495689" y="0"/>
+                <a:pt x="171011" y="0"/>
               </a:lnTo>
               <a:lnTo>
-                <a:pt x="495689" y="1550664"/>
+                <a:pt x="171011" y="1608254"/>
               </a:lnTo>
               <a:lnTo>
-                <a:pt x="991378" y="1550664"/>
+                <a:pt x="342023" y="1608254"/>
               </a:lnTo>
             </a:path>
           </a:pathLst>
@@ -7559,8 +8718,8 @@
         </a:p>
       </dsp:txBody>
       <dsp:txXfrm>
-        <a:off x="1509147" y="3960366"/>
-        <a:ext cx="92024" cy="92024"/>
+        <a:off x="1838731" y="3936477"/>
+        <a:ext cx="82211" cy="82211"/>
       </dsp:txXfrm>
     </dsp:sp>
     <dsp:sp modelId="{05A3307D-147A-4848-98CA-E44DA5AC2559}">
@@ -9082,8 +10241,8 @@
       </dsp:nvSpPr>
       <dsp:spPr>
         <a:xfrm>
-          <a:off x="1059470" y="1775638"/>
-          <a:ext cx="991378" cy="1455407"/>
+          <a:off x="1708824" y="1775638"/>
+          <a:ext cx="342023" cy="1397817"/>
         </a:xfrm>
         <a:custGeom>
           <a:avLst/>
@@ -9094,16 +10253,16 @@
           <a:pathLst>
             <a:path>
               <a:moveTo>
-                <a:pt x="0" y="1455407"/>
+                <a:pt x="0" y="1397817"/>
               </a:moveTo>
               <a:lnTo>
-                <a:pt x="495689" y="1455407"/>
+                <a:pt x="171011" y="1397817"/>
               </a:lnTo>
               <a:lnTo>
-                <a:pt x="495689" y="0"/>
+                <a:pt x="171011" y="0"/>
               </a:lnTo>
               <a:lnTo>
-                <a:pt x="991378" y="0"/>
+                <a:pt x="342023" y="0"/>
               </a:lnTo>
             </a:path>
           </a:pathLst>
@@ -9157,8 +10316,8 @@
         </a:p>
       </dsp:txBody>
       <dsp:txXfrm>
-        <a:off x="1511134" y="2459318"/>
-        <a:ext cx="88048" cy="88048"/>
+        <a:off x="1843860" y="2438571"/>
+        <a:ext cx="71952" cy="71952"/>
       </dsp:txXfrm>
     </dsp:sp>
     <dsp:sp modelId="{74DD301F-021A-47BB-9053-E3B5B5CD0586}">
@@ -9168,7 +10327,7 @@
       </dsp:nvSpPr>
       <dsp:spPr>
         <a:xfrm>
-          <a:off x="306369" y="3110803"/>
+          <a:off x="955724" y="3053213"/>
           <a:ext cx="1265714" cy="240485"/>
         </a:xfrm>
         <a:prstGeom prst="rect">
@@ -9230,21 +10389,13 @@
           </a:pPr>
           <a:r>
             <a:rPr lang="ko-KR" altLang="en-US" sz="1100" kern="1200" dirty="0" smtClean="0"/>
-            <a:t>로그인</a:t>
-          </a:r>
-          <a:r>
-            <a:rPr lang="en-US" altLang="ko-KR" sz="1100" kern="1200" dirty="0" smtClean="0"/>
-            <a:t>/</a:t>
-          </a:r>
-          <a:r>
-            <a:rPr lang="ko-KR" altLang="en-US" sz="1100" kern="1200" dirty="0" smtClean="0"/>
-            <a:t>로그아웃</a:t>
+            <a:t>유저 로그인</a:t>
           </a:r>
           <a:endParaRPr lang="ko-KR" sz="1100" kern="1200" dirty="0"/>
         </a:p>
       </dsp:txBody>
       <dsp:txXfrm>
-        <a:off x="306369" y="3110803"/>
+        <a:off x="955724" y="3053213"/>
         <a:ext cx="1265714" cy="240485"/>
       </dsp:txXfrm>
     </dsp:sp>
@@ -12269,8 +13420,8 @@
       </dsp:nvSpPr>
       <dsp:spPr>
         <a:xfrm>
-          <a:off x="287002" y="3289700"/>
-          <a:ext cx="187175" cy="700446"/>
+          <a:off x="348168" y="3350775"/>
+          <a:ext cx="126009" cy="639371"/>
         </a:xfrm>
         <a:custGeom>
           <a:avLst/>
@@ -12284,13 +13435,13 @@
                 <a:pt x="0" y="0"/>
               </a:moveTo>
               <a:lnTo>
-                <a:pt x="93587" y="0"/>
+                <a:pt x="63004" y="0"/>
               </a:lnTo>
               <a:lnTo>
-                <a:pt x="93587" y="700446"/>
+                <a:pt x="63004" y="639371"/>
               </a:lnTo>
               <a:lnTo>
-                <a:pt x="187175" y="700446"/>
+                <a:pt x="126009" y="639371"/>
               </a:lnTo>
             </a:path>
           </a:pathLst>
@@ -12344,8 +13495,8 @@
         </a:p>
       </dsp:txBody>
       <dsp:txXfrm>
-        <a:off x="362464" y="3621797"/>
-        <a:ext cx="36251" cy="36251"/>
+        <a:off x="394881" y="3654169"/>
+        <a:ext cx="32583" cy="32583"/>
       </dsp:txXfrm>
     </dsp:sp>
     <dsp:sp modelId="{6A6B224C-FC44-476E-B9CD-AFE879DD12F9}">
@@ -13547,8 +14698,8 @@
       </dsp:nvSpPr>
       <dsp:spPr>
         <a:xfrm>
-          <a:off x="287002" y="2831001"/>
-          <a:ext cx="187175" cy="458698"/>
+          <a:off x="348168" y="2831001"/>
+          <a:ext cx="126009" cy="519773"/>
         </a:xfrm>
         <a:custGeom>
           <a:avLst/>
@@ -13559,16 +14710,16 @@
           <a:pathLst>
             <a:path>
               <a:moveTo>
-                <a:pt x="0" y="458698"/>
+                <a:pt x="0" y="519773"/>
               </a:moveTo>
               <a:lnTo>
-                <a:pt x="93587" y="458698"/>
+                <a:pt x="63004" y="519773"/>
               </a:lnTo>
               <a:lnTo>
-                <a:pt x="93587" y="0"/>
+                <a:pt x="63004" y="0"/>
               </a:lnTo>
               <a:lnTo>
-                <a:pt x="187175" y="0"/>
+                <a:pt x="126009" y="0"/>
               </a:lnTo>
             </a:path>
           </a:pathLst>
@@ -13622,8 +14773,8 @@
         </a:p>
       </dsp:txBody>
       <dsp:txXfrm>
-        <a:off x="368205" y="3047965"/>
-        <a:ext cx="24770" cy="24770"/>
+        <a:off x="397802" y="3077517"/>
+        <a:ext cx="26741" cy="26741"/>
       </dsp:txXfrm>
     </dsp:sp>
     <dsp:sp modelId="{FB4754F1-B4BB-4B3F-9E08-057E4EC1BC0C}">
@@ -13633,7 +14784,7 @@
       </dsp:nvSpPr>
       <dsp:spPr>
         <a:xfrm>
-          <a:off x="-282992" y="3147036"/>
+          <a:off x="-221826" y="3208111"/>
           <a:ext cx="854662" cy="285328"/>
         </a:xfrm>
         <a:prstGeom prst="rect">
@@ -13696,7 +14847,7 @@
         </a:p>
       </dsp:txBody>
       <dsp:txXfrm>
-        <a:off x="-282992" y="3147036"/>
+        <a:off x="-221826" y="3208111"/>
         <a:ext cx="854662" cy="285328"/>
       </dsp:txXfrm>
     </dsp:sp>
@@ -17983,7 +19134,7 @@
           <a:p>
             <a:fld id="{A6337994-07D0-4F95-9F18-32CD3DA831CC}" type="datetimeFigureOut">
               <a:rPr lang="ko-KR" altLang="en-US" smtClean="0"/>
-              <a:t>2023-03-17</a:t>
+              <a:t>2023-03-20</a:t>
             </a:fld>
             <a:endParaRPr lang="ko-KR" altLang="en-US"/>
           </a:p>
@@ -18153,7 +19304,7 @@
           <a:p>
             <a:fld id="{A6337994-07D0-4F95-9F18-32CD3DA831CC}" type="datetimeFigureOut">
               <a:rPr lang="ko-KR" altLang="en-US" smtClean="0"/>
-              <a:t>2023-03-17</a:t>
+              <a:t>2023-03-20</a:t>
             </a:fld>
             <a:endParaRPr lang="ko-KR" altLang="en-US"/>
           </a:p>
@@ -18333,7 +19484,7 @@
           <a:p>
             <a:fld id="{A6337994-07D0-4F95-9F18-32CD3DA831CC}" type="datetimeFigureOut">
               <a:rPr lang="ko-KR" altLang="en-US" smtClean="0"/>
-              <a:t>2023-03-17</a:t>
+              <a:t>2023-03-20</a:t>
             </a:fld>
             <a:endParaRPr lang="ko-KR" altLang="en-US"/>
           </a:p>
@@ -18421,16 +19572,27 @@
             <p:ph type="title"/>
           </p:nvPr>
         </p:nvSpPr>
-        <p:spPr/>
+        <p:spPr>
+          <a:xfrm>
+            <a:off x="221974" y="141355"/>
+            <a:ext cx="8749748" cy="323988"/>
+          </a:xfrm>
+        </p:spPr>
         <p:txBody>
-          <a:bodyPr/>
-          <a:lstStyle/>
+          <a:bodyPr>
+            <a:noAutofit/>
+          </a:bodyPr>
+          <a:lstStyle>
+            <a:lvl1pPr>
+              <a:defRPr sz="2000" b="1"/>
+            </a:lvl1pPr>
+          </a:lstStyle>
           <a:p>
             <a:r>
-              <a:rPr lang="ko-KR" altLang="en-US" smtClean="0"/>
+              <a:rPr lang="ko-KR" altLang="en-US" dirty="0" smtClean="0"/>
               <a:t>마스터 제목 스타일 편집</a:t>
             </a:r>
-            <a:endParaRPr lang="ko-KR" altLang="en-US"/>
+            <a:endParaRPr lang="ko-KR" altLang="en-US" dirty="0"/>
           </a:p>
         </p:txBody>
       </p:sp>
@@ -18444,10 +19606,33 @@
             <p:ph idx="1"/>
           </p:nvPr>
         </p:nvSpPr>
-        <p:spPr/>
+        <p:spPr>
+          <a:xfrm>
+            <a:off x="102703" y="579920"/>
+            <a:ext cx="11983279" cy="5661853"/>
+          </a:xfrm>
+        </p:spPr>
         <p:txBody>
-          <a:bodyPr/>
-          <a:lstStyle/>
+          <a:bodyPr>
+            <a:normAutofit/>
+          </a:bodyPr>
+          <a:lstStyle>
+            <a:lvl1pPr>
+              <a:defRPr sz="1800"/>
+            </a:lvl1pPr>
+            <a:lvl2pPr>
+              <a:defRPr sz="1600"/>
+            </a:lvl2pPr>
+            <a:lvl3pPr>
+              <a:defRPr sz="1400"/>
+            </a:lvl3pPr>
+            <a:lvl4pPr>
+              <a:defRPr sz="1200"/>
+            </a:lvl4pPr>
+            <a:lvl5pPr>
+              <a:defRPr sz="1200"/>
+            </a:lvl5pPr>
+          </a:lstStyle>
           <a:p>
             <a:pPr lvl="0"/>
             <a:r>
@@ -18503,7 +19688,7 @@
           <a:p>
             <a:fld id="{A6337994-07D0-4F95-9F18-32CD3DA831CC}" type="datetimeFigureOut">
               <a:rPr lang="ko-KR" altLang="en-US" smtClean="0"/>
-              <a:t>2023-03-17</a:t>
+              <a:t>2023-03-20</a:t>
             </a:fld>
             <a:endParaRPr lang="ko-KR" altLang="en-US"/>
           </a:p>
@@ -18749,7 +19934,7 @@
           <a:p>
             <a:fld id="{A6337994-07D0-4F95-9F18-32CD3DA831CC}" type="datetimeFigureOut">
               <a:rPr lang="ko-KR" altLang="en-US" smtClean="0"/>
-              <a:t>2023-03-17</a:t>
+              <a:t>2023-03-20</a:t>
             </a:fld>
             <a:endParaRPr lang="ko-KR" altLang="en-US"/>
           </a:p>
@@ -18981,7 +20166,7 @@
           <a:p>
             <a:fld id="{A6337994-07D0-4F95-9F18-32CD3DA831CC}" type="datetimeFigureOut">
               <a:rPr lang="ko-KR" altLang="en-US" smtClean="0"/>
-              <a:t>2023-03-17</a:t>
+              <a:t>2023-03-20</a:t>
             </a:fld>
             <a:endParaRPr lang="ko-KR" altLang="en-US"/>
           </a:p>
@@ -19348,7 +20533,7 @@
           <a:p>
             <a:fld id="{A6337994-07D0-4F95-9F18-32CD3DA831CC}" type="datetimeFigureOut">
               <a:rPr lang="ko-KR" altLang="en-US" smtClean="0"/>
-              <a:t>2023-03-17</a:t>
+              <a:t>2023-03-20</a:t>
             </a:fld>
             <a:endParaRPr lang="ko-KR" altLang="en-US"/>
           </a:p>
@@ -19466,7 +20651,7 @@
           <a:p>
             <a:fld id="{A6337994-07D0-4F95-9F18-32CD3DA831CC}" type="datetimeFigureOut">
               <a:rPr lang="ko-KR" altLang="en-US" smtClean="0"/>
-              <a:t>2023-03-17</a:t>
+              <a:t>2023-03-20</a:t>
             </a:fld>
             <a:endParaRPr lang="ko-KR" altLang="en-US"/>
           </a:p>
@@ -19561,7 +20746,7 @@
           <a:p>
             <a:fld id="{A6337994-07D0-4F95-9F18-32CD3DA831CC}" type="datetimeFigureOut">
               <a:rPr lang="ko-KR" altLang="en-US" smtClean="0"/>
-              <a:t>2023-03-17</a:t>
+              <a:t>2023-03-20</a:t>
             </a:fld>
             <a:endParaRPr lang="ko-KR" altLang="en-US"/>
           </a:p>
@@ -19838,7 +21023,7 @@
           <a:p>
             <a:fld id="{A6337994-07D0-4F95-9F18-32CD3DA831CC}" type="datetimeFigureOut">
               <a:rPr lang="ko-KR" altLang="en-US" smtClean="0"/>
-              <a:t>2023-03-17</a:t>
+              <a:t>2023-03-20</a:t>
             </a:fld>
             <a:endParaRPr lang="ko-KR" altLang="en-US"/>
           </a:p>
@@ -20091,7 +21276,7 @@
           <a:p>
             <a:fld id="{A6337994-07D0-4F95-9F18-32CD3DA831CC}" type="datetimeFigureOut">
               <a:rPr lang="ko-KR" altLang="en-US" smtClean="0"/>
-              <a:t>2023-03-17</a:t>
+              <a:t>2023-03-20</a:t>
             </a:fld>
             <a:endParaRPr lang="ko-KR" altLang="en-US"/>
           </a:p>
@@ -20304,7 +21489,7 @@
           <a:p>
             <a:fld id="{A6337994-07D0-4F95-9F18-32CD3DA831CC}" type="datetimeFigureOut">
               <a:rPr lang="ko-KR" altLang="en-US" smtClean="0"/>
-              <a:t>2023-03-17</a:t>
+              <a:t>2023-03-20</a:t>
             </a:fld>
             <a:endParaRPr lang="ko-KR" altLang="en-US"/>
           </a:p>
@@ -20711,147 +21896,12 @@
       </p:grpSpPr>
       <p:sp>
         <p:nvSpPr>
-          <p:cNvPr id="4" name="TextBox 3"/>
-          <p:cNvSpPr txBox="1"/>
-          <p:nvPr/>
-        </p:nvSpPr>
-        <p:spPr>
-          <a:xfrm>
-            <a:off x="2718148" y="1565754"/>
-            <a:ext cx="877163" cy="369332"/>
-          </a:xfrm>
-          <a:prstGeom prst="rect">
-            <a:avLst/>
-          </a:prstGeom>
-          <a:solidFill>
-            <a:schemeClr val="accent4">
-              <a:lumMod val="20000"/>
-              <a:lumOff val="80000"/>
-            </a:schemeClr>
-          </a:solidFill>
-        </p:spPr>
-        <p:txBody>
-          <a:bodyPr wrap="none" rtlCol="0">
-            <a:spAutoFit/>
-          </a:bodyPr>
-          <a:lstStyle/>
-          <a:p>
-            <a:r>
-              <a:rPr lang="ko-KR" altLang="en-US" dirty="0" smtClean="0"/>
-              <a:t>사용자</a:t>
-            </a:r>
-            <a:endParaRPr lang="ko-KR" altLang="en-US" dirty="0"/>
-          </a:p>
-        </p:txBody>
-      </p:sp>
-      <p:sp>
-        <p:nvSpPr>
-          <p:cNvPr id="5" name="TextBox 4"/>
-          <p:cNvSpPr txBox="1"/>
-          <p:nvPr/>
-        </p:nvSpPr>
-        <p:spPr>
-          <a:xfrm>
-            <a:off x="5250493" y="1565754"/>
-            <a:ext cx="877163" cy="369332"/>
-          </a:xfrm>
-          <a:prstGeom prst="rect">
-            <a:avLst/>
-          </a:prstGeom>
-          <a:solidFill>
-            <a:schemeClr val="accent4">
-              <a:lumMod val="20000"/>
-              <a:lumOff val="80000"/>
-            </a:schemeClr>
-          </a:solidFill>
-        </p:spPr>
-        <p:txBody>
-          <a:bodyPr wrap="none" rtlCol="0">
-            <a:spAutoFit/>
-          </a:bodyPr>
-          <a:lstStyle/>
-          <a:p>
-            <a:r>
-              <a:rPr lang="ko-KR" altLang="en-US" dirty="0" smtClean="0"/>
-              <a:t>호스트</a:t>
-            </a:r>
-            <a:endParaRPr lang="ko-KR" altLang="en-US" dirty="0"/>
-          </a:p>
-        </p:txBody>
-      </p:sp>
-      <p:sp>
-        <p:nvSpPr>
-          <p:cNvPr id="6" name="TextBox 5"/>
-          <p:cNvSpPr txBox="1"/>
-          <p:nvPr/>
-        </p:nvSpPr>
-        <p:spPr>
-          <a:xfrm>
-            <a:off x="8158619" y="1565754"/>
-            <a:ext cx="877163" cy="369332"/>
-          </a:xfrm>
-          <a:prstGeom prst="rect">
-            <a:avLst/>
-          </a:prstGeom>
-          <a:solidFill>
-            <a:schemeClr val="accent4">
-              <a:lumMod val="20000"/>
-              <a:lumOff val="80000"/>
-            </a:schemeClr>
-          </a:solidFill>
-        </p:spPr>
-        <p:txBody>
-          <a:bodyPr wrap="none" rtlCol="0">
-            <a:spAutoFit/>
-          </a:bodyPr>
-          <a:lstStyle/>
-          <a:p>
-            <a:r>
-              <a:rPr lang="ko-KR" altLang="en-US" dirty="0" smtClean="0"/>
-              <a:t>관리자</a:t>
-            </a:r>
-            <a:endParaRPr lang="ko-KR" altLang="en-US" dirty="0"/>
-          </a:p>
-        </p:txBody>
-      </p:sp>
-    </p:spTree>
-    <p:extLst>
-      <p:ext uri="{BB962C8B-B14F-4D97-AF65-F5344CB8AC3E}">
-        <p14:creationId xmlns:p14="http://schemas.microsoft.com/office/powerpoint/2010/main" val="1250622504"/>
-      </p:ext>
-    </p:extLst>
-  </p:cSld>
-  <p:clrMapOvr>
-    <a:masterClrMapping/>
-  </p:clrMapOvr>
-</p:sld>
-</file>
-
-<file path=ppt/slides/slide2.xml><?xml version="1.0" encoding="utf-8"?>
-<p:sld xmlns:a="http://schemas.openxmlformats.org/drawingml/2006/main" xmlns:r="http://schemas.openxmlformats.org/officeDocument/2006/relationships" xmlns:p="http://schemas.openxmlformats.org/presentationml/2006/main">
-  <p:cSld>
-    <p:spTree>
-      <p:nvGrpSpPr>
-        <p:cNvPr id="1" name=""/>
-        <p:cNvGrpSpPr/>
-        <p:nvPr/>
-      </p:nvGrpSpPr>
-      <p:grpSpPr>
-        <a:xfrm>
-          <a:off x="0" y="0"/>
-          <a:ext cx="0" cy="0"/>
-          <a:chOff x="0" y="0"/>
-          <a:chExt cx="0" cy="0"/>
-        </a:xfrm>
-      </p:grpSpPr>
-      <p:sp>
-        <p:nvSpPr>
-          <p:cNvPr id="2" name="제목 1"/>
+          <p:cNvPr id="4" name="제목 3"/>
           <p:cNvSpPr>
             <a:spLocks noGrp="1"/>
           </p:cNvSpPr>
           <p:nvPr>
-            <p:ph type="title"/>
+            <p:ph type="ctrTitle"/>
           </p:nvPr>
         </p:nvSpPr>
         <p:spPr/>
@@ -20859,18 +21909,18 @@
           <a:bodyPr/>
           <a:lstStyle/>
           <a:p>
-            <a:endParaRPr lang="ko-KR" altLang="en-US"/>
+            <a:endParaRPr lang="ko-KR" altLang="en-US" dirty="0"/>
           </a:p>
         </p:txBody>
       </p:sp>
       <p:sp>
         <p:nvSpPr>
-          <p:cNvPr id="3" name="내용 개체 틀 2"/>
+          <p:cNvPr id="5" name="부제목 4"/>
           <p:cNvSpPr>
             <a:spLocks noGrp="1"/>
           </p:cNvSpPr>
           <p:nvPr>
-            <p:ph idx="1"/>
+            <p:ph type="subTitle" idx="1"/>
           </p:nvPr>
         </p:nvSpPr>
         <p:spPr/>
@@ -20885,7 +21935,7 @@
     </p:spTree>
     <p:extLst>
       <p:ext uri="{BB962C8B-B14F-4D97-AF65-F5344CB8AC3E}">
-        <p14:creationId xmlns:p14="http://schemas.microsoft.com/office/powerpoint/2010/main" val="3390214676"/>
+        <p14:creationId xmlns:p14="http://schemas.microsoft.com/office/powerpoint/2010/main" val="2053573795"/>
       </p:ext>
     </p:extLst>
   </p:cSld>
@@ -20895,7 +21945,7 @@
 </p:sld>
 </file>
 
-<file path=ppt/slides/slide3.xml><?xml version="1.0" encoding="utf-8"?>
+<file path=ppt/slides/slide2.xml><?xml version="1.0" encoding="utf-8"?>
 <p:sld xmlns:a="http://schemas.openxmlformats.org/drawingml/2006/main" xmlns:r="http://schemas.openxmlformats.org/officeDocument/2006/relationships" xmlns:p="http://schemas.openxmlformats.org/presentationml/2006/main">
   <p:cSld>
     <p:spTree>
@@ -21195,96 +22245,9 @@
           <a:p>
             <a:r>
               <a:rPr lang="ko-KR" altLang="en-US" sz="1200" dirty="0" smtClean="0"/>
-              <a:t>내역</a:t>
+              <a:t>상세</a:t>
             </a:r>
             <a:endParaRPr lang="ko-KR" altLang="en-US" sz="1200" dirty="0"/>
-          </a:p>
-        </p:txBody>
-      </p:sp>
-      <p:sp>
-        <p:nvSpPr>
-          <p:cNvPr id="16" name="TextBox 15"/>
-          <p:cNvSpPr txBox="1"/>
-          <p:nvPr/>
-        </p:nvSpPr>
-        <p:spPr>
-          <a:xfrm>
-            <a:off x="3985357" y="1485187"/>
-            <a:ext cx="492443" cy="461665"/>
-          </a:xfrm>
-          <a:prstGeom prst="rect">
-            <a:avLst/>
-          </a:prstGeom>
-          <a:solidFill>
-            <a:schemeClr val="accent4">
-              <a:lumMod val="20000"/>
-              <a:lumOff val="80000"/>
-            </a:schemeClr>
-          </a:solidFill>
-        </p:spPr>
-        <p:txBody>
-          <a:bodyPr wrap="none" rtlCol="0">
-            <a:spAutoFit/>
-          </a:bodyPr>
-          <a:lstStyle/>
-          <a:p>
-            <a:pPr algn="ctr"/>
-            <a:r>
-              <a:rPr lang="ko-KR" altLang="en-US" sz="1200" dirty="0" smtClean="0"/>
-              <a:t>찜</a:t>
-            </a:r>
-            <a:endParaRPr lang="en-US" altLang="ko-KR" sz="1200" dirty="0" smtClean="0"/>
-          </a:p>
-          <a:p>
-            <a:pPr algn="ctr"/>
-            <a:r>
-              <a:rPr lang="ko-KR" altLang="en-US" sz="1200" dirty="0" smtClean="0"/>
-              <a:t>목록</a:t>
-            </a:r>
-            <a:endParaRPr lang="en-US" altLang="ko-KR" sz="1200" dirty="0" smtClean="0"/>
-          </a:p>
-        </p:txBody>
-      </p:sp>
-      <p:sp>
-        <p:nvSpPr>
-          <p:cNvPr id="17" name="TextBox 16"/>
-          <p:cNvSpPr txBox="1"/>
-          <p:nvPr/>
-        </p:nvSpPr>
-        <p:spPr>
-          <a:xfrm>
-            <a:off x="4576825" y="1485187"/>
-            <a:ext cx="492443" cy="461665"/>
-          </a:xfrm>
-          <a:prstGeom prst="rect">
-            <a:avLst/>
-          </a:prstGeom>
-          <a:solidFill>
-            <a:schemeClr val="accent4">
-              <a:lumMod val="20000"/>
-              <a:lumOff val="80000"/>
-            </a:schemeClr>
-          </a:solidFill>
-        </p:spPr>
-        <p:txBody>
-          <a:bodyPr wrap="none" rtlCol="0">
-            <a:spAutoFit/>
-          </a:bodyPr>
-          <a:lstStyle/>
-          <a:p>
-            <a:pPr algn="ctr"/>
-            <a:r>
-              <a:rPr lang="ko-KR" altLang="en-US" sz="1200" dirty="0" smtClean="0"/>
-              <a:t>최근</a:t>
-            </a:r>
-            <a:endParaRPr lang="en-US" altLang="ko-KR" sz="1200" dirty="0" smtClean="0"/>
-          </a:p>
-          <a:p>
-            <a:pPr algn="ctr"/>
-            <a:r>
-              <a:rPr lang="ko-KR" altLang="en-US" sz="1200" dirty="0"/>
-              <a:t>본</a:t>
-            </a:r>
           </a:p>
         </p:txBody>
       </p:sp>
@@ -21326,7 +22289,7 @@
             <a:pPr algn="ctr"/>
             <a:r>
               <a:rPr lang="ko-KR" altLang="en-US" sz="1200" dirty="0" smtClean="0"/>
-              <a:t>목록</a:t>
+              <a:t>검색</a:t>
             </a:r>
             <a:endParaRPr lang="en-US" altLang="ko-KR" sz="1200" dirty="0" smtClean="0"/>
           </a:p>
@@ -21340,8 +22303,8 @@
         </p:nvSpPr>
         <p:spPr>
           <a:xfrm>
-            <a:off x="5582144" y="1485187"/>
-            <a:ext cx="646331" cy="461665"/>
+            <a:off x="5659088" y="1485187"/>
+            <a:ext cx="492443" cy="461665"/>
           </a:xfrm>
           <a:prstGeom prst="rect">
             <a:avLst/>
@@ -21361,8 +22324,8 @@
           <a:p>
             <a:pPr algn="ctr"/>
             <a:r>
-              <a:rPr lang="ko-KR" altLang="en-US" sz="1200" dirty="0" err="1" smtClean="0"/>
-              <a:t>캠핑장</a:t>
+              <a:rPr lang="ko-KR" altLang="en-US" sz="1200" dirty="0" smtClean="0"/>
+              <a:t>일반</a:t>
             </a:r>
             <a:endParaRPr lang="en-US" altLang="ko-KR" sz="1200" dirty="0" smtClean="0"/>
           </a:p>
@@ -21370,7 +22333,7 @@
             <a:pPr algn="ctr"/>
             <a:r>
               <a:rPr lang="ko-KR" altLang="en-US" sz="1200" dirty="0" smtClean="0"/>
-              <a:t>목록</a:t>
+              <a:t>검색</a:t>
             </a:r>
             <a:endParaRPr lang="en-US" altLang="ko-KR" sz="1200" dirty="0" smtClean="0"/>
           </a:p>
@@ -23160,6 +24123,123 @@
           </a:p>
         </p:txBody>
       </p:sp>
+      <p:cxnSp>
+        <p:nvCxnSpPr>
+          <p:cNvPr id="3" name="꺾인 연결선 2"/>
+          <p:cNvCxnSpPr>
+            <a:stCxn id="7" idx="0"/>
+            <a:endCxn id="4" idx="2"/>
+          </p:cNvCxnSpPr>
+          <p:nvPr/>
+        </p:nvCxnSpPr>
+        <p:spPr>
+          <a:xfrm rot="5400000" flipH="1" flipV="1">
+            <a:off x="3835408" y="-1349098"/>
+            <a:ext cx="342813" cy="4178372"/>
+          </a:xfrm>
+          <a:prstGeom prst="bentConnector3">
+            <a:avLst/>
+          </a:prstGeom>
+        </p:spPr>
+        <p:style>
+          <a:lnRef idx="1">
+            <a:schemeClr val="accent1"/>
+          </a:lnRef>
+          <a:fillRef idx="0">
+            <a:schemeClr val="accent1"/>
+          </a:fillRef>
+          <a:effectRef idx="0">
+            <a:schemeClr val="accent1"/>
+          </a:effectRef>
+          <a:fontRef idx="minor">
+            <a:schemeClr val="tx1"/>
+          </a:fontRef>
+        </p:style>
+      </p:cxnSp>
+      <p:sp>
+        <p:nvSpPr>
+          <p:cNvPr id="75" name="TextBox 74"/>
+          <p:cNvSpPr txBox="1"/>
+          <p:nvPr/>
+        </p:nvSpPr>
+        <p:spPr>
+          <a:xfrm>
+            <a:off x="3980589" y="1485187"/>
+            <a:ext cx="492443" cy="461665"/>
+          </a:xfrm>
+          <a:prstGeom prst="rect">
+            <a:avLst/>
+          </a:prstGeom>
+          <a:solidFill>
+            <a:schemeClr val="accent4">
+              <a:lumMod val="20000"/>
+              <a:lumOff val="80000"/>
+            </a:schemeClr>
+          </a:solidFill>
+        </p:spPr>
+        <p:txBody>
+          <a:bodyPr wrap="none" rtlCol="0">
+            <a:spAutoFit/>
+          </a:bodyPr>
+          <a:lstStyle/>
+          <a:p>
+            <a:r>
+              <a:rPr lang="ko-KR" altLang="en-US" sz="1200" dirty="0" smtClean="0"/>
+              <a:t>예약</a:t>
+            </a:r>
+            <a:endParaRPr lang="en-US" altLang="ko-KR" sz="1200" dirty="0" smtClean="0"/>
+          </a:p>
+          <a:p>
+            <a:r>
+              <a:rPr lang="ko-KR" altLang="en-US" sz="1200" dirty="0" smtClean="0"/>
+              <a:t>취소</a:t>
+            </a:r>
+            <a:endParaRPr lang="ko-KR" altLang="en-US" sz="1200" dirty="0"/>
+          </a:p>
+        </p:txBody>
+      </p:sp>
+      <p:sp>
+        <p:nvSpPr>
+          <p:cNvPr id="76" name="TextBox 75"/>
+          <p:cNvSpPr txBox="1"/>
+          <p:nvPr/>
+        </p:nvSpPr>
+        <p:spPr>
+          <a:xfrm>
+            <a:off x="4568490" y="1486168"/>
+            <a:ext cx="492443" cy="461665"/>
+          </a:xfrm>
+          <a:prstGeom prst="rect">
+            <a:avLst/>
+          </a:prstGeom>
+          <a:solidFill>
+            <a:schemeClr val="accent4">
+              <a:lumMod val="20000"/>
+              <a:lumOff val="80000"/>
+            </a:schemeClr>
+          </a:solidFill>
+        </p:spPr>
+        <p:txBody>
+          <a:bodyPr wrap="none" rtlCol="0">
+            <a:spAutoFit/>
+          </a:bodyPr>
+          <a:lstStyle/>
+          <a:p>
+            <a:r>
+              <a:rPr lang="ko-KR" altLang="en-US" sz="1200" dirty="0" smtClean="0"/>
+              <a:t>체크</a:t>
+            </a:r>
+            <a:endParaRPr lang="en-US" altLang="ko-KR" sz="1200" dirty="0" smtClean="0"/>
+          </a:p>
+          <a:p>
+            <a:r>
+              <a:rPr lang="ko-KR" altLang="en-US" sz="1200" dirty="0" smtClean="0"/>
+              <a:t>아웃</a:t>
+            </a:r>
+            <a:endParaRPr lang="ko-KR" altLang="en-US" sz="1200" dirty="0"/>
+          </a:p>
+        </p:txBody>
+      </p:sp>
     </p:spTree>
     <p:extLst>
       <p:ext uri="{BB962C8B-B14F-4D97-AF65-F5344CB8AC3E}">
@@ -23173,7 +24253,7 @@
 </p:sld>
 </file>
 
-<file path=ppt/slides/slide4.xml><?xml version="1.0" encoding="utf-8"?>
+<file path=ppt/slides/slide3.xml><?xml version="1.0" encoding="utf-8"?>
 <p:sld xmlns:a="http://schemas.openxmlformats.org/drawingml/2006/main" xmlns:r="http://schemas.openxmlformats.org/officeDocument/2006/relationships" xmlns:p="http://schemas.openxmlformats.org/presentationml/2006/main">
   <p:cSld>
     <p:spTree>
@@ -23197,13 +24277,13 @@
           <p:nvPr>
             <p:extLst>
               <p:ext uri="{D42A27DB-BD31-4B8C-83A1-F6EECF244321}">
-                <p14:modId xmlns:p14="http://schemas.microsoft.com/office/powerpoint/2010/main" val="3853303639"/>
+                <p14:modId xmlns:p14="http://schemas.microsoft.com/office/powerpoint/2010/main" val="33433196"/>
               </p:ext>
             </p:extLst>
           </p:nvPr>
         </p:nvGraphicFramePr>
         <p:xfrm>
-          <a:off x="-112734" y="401898"/>
+          <a:off x="-603065" y="600678"/>
           <a:ext cx="7331902" cy="6106439"/>
         </p:xfrm>
         <a:graphic>
@@ -23219,7 +24299,7 @@
           <p:nvPr>
             <p:extLst>
               <p:ext uri="{D42A27DB-BD31-4B8C-83A1-F6EECF244321}">
-                <p14:modId xmlns:p14="http://schemas.microsoft.com/office/powerpoint/2010/main" val="1036899187"/>
+                <p14:modId xmlns:p14="http://schemas.microsoft.com/office/powerpoint/2010/main" val="3950123982"/>
               </p:ext>
             </p:extLst>
           </p:nvPr>
@@ -23247,7 +24327,7 @@
 </p:sld>
 </file>
 
-<file path=ppt/slides/slide5.xml><?xml version="1.0" encoding="utf-8"?>
+<file path=ppt/slides/slide4.xml><?xml version="1.0" encoding="utf-8"?>
 <p:sld xmlns:a="http://schemas.openxmlformats.org/drawingml/2006/main" xmlns:r="http://schemas.openxmlformats.org/officeDocument/2006/relationships" xmlns:p="http://schemas.openxmlformats.org/presentationml/2006/main">
   <p:cSld>
     <p:spTree>
@@ -26414,14 +27494,12 @@
       <p:cxnSp>
         <p:nvCxnSpPr>
           <p:cNvPr id="94" name="직선 화살표 연결선 93"/>
-          <p:cNvCxnSpPr>
-            <a:endCxn id="15" idx="0"/>
-          </p:cNvCxnSpPr>
+          <p:cNvCxnSpPr/>
           <p:nvPr/>
         </p:nvCxnSpPr>
         <p:spPr>
           <a:xfrm flipH="1">
-            <a:off x="3068866" y="1992481"/>
+            <a:off x="3061264" y="1999276"/>
             <a:ext cx="638838" cy="428585"/>
           </a:xfrm>
           <a:prstGeom prst="straightConnector1">
@@ -26457,7 +27535,7 @@
         </p:nvSpPr>
         <p:spPr>
           <a:xfrm rot="19696484">
-            <a:off x="2793704" y="2019899"/>
+            <a:off x="2069971" y="1844214"/>
             <a:ext cx="1005403" cy="253916"/>
           </a:xfrm>
           <a:prstGeom prst="rect">
